--- a/jieun/project3/PPT/3번째 프로젝트.pptx
+++ b/jieun/project3/PPT/3번째 프로젝트.pptx
@@ -1,23 +1,32 @@
 
 <file path=ppt/presentation.xml><?xml version="1.0" encoding="utf-8"?>
-<p:presentation xmlns:a="http://schemas.openxmlformats.org/drawingml/2006/main" xmlns:r="http://schemas.openxmlformats.org/officeDocument/2006/relationships" xmlns:p="http://schemas.openxmlformats.org/presentationml/2006/main" saveSubsetFonts="1">
+<p:presentation xmlns:r="http://schemas.openxmlformats.org/officeDocument/2006/relationships" xmlns:c="http://schemas.openxmlformats.org/drawingml/2006/chart" xmlns:a="http://schemas.openxmlformats.org/drawingml/2006/main" xmlns:dgm="http://schemas.openxmlformats.org/drawingml/2006/diagram" xmlns:dsp="http://schemas.microsoft.com/office/drawing/2008/diagram" xmlns:p="http://schemas.openxmlformats.org/presentationml/2006/main">
   <p:sldMasterIdLst>
     <p:sldMasterId id="2147483648" r:id="rId1"/>
   </p:sldMasterIdLst>
   <p:notesMasterIdLst>
-    <p:notesMasterId r:id="rId12"/>
+    <p:notesMasterId r:id="rId2"/>
   </p:notesMasterIdLst>
   <p:sldIdLst>
-    <p:sldId id="256" r:id="rId2"/>
-    <p:sldId id="262" r:id="rId3"/>
-    <p:sldId id="259" r:id="rId4"/>
-    <p:sldId id="264" r:id="rId5"/>
-    <p:sldId id="265" r:id="rId6"/>
-    <p:sldId id="257" r:id="rId7"/>
-    <p:sldId id="258" r:id="rId8"/>
-    <p:sldId id="522" r:id="rId9"/>
-    <p:sldId id="525" r:id="rId10"/>
-    <p:sldId id="521" r:id="rId11"/>
+    <p:sldId id="256" r:id="rId3"/>
+    <p:sldId id="262" r:id="rId4"/>
+    <p:sldId id="259" r:id="rId5"/>
+    <p:sldId id="264" r:id="rId6"/>
+    <p:sldId id="534" r:id="rId7"/>
+    <p:sldId id="533" r:id="rId8"/>
+    <p:sldId id="265" r:id="rId9"/>
+    <p:sldId id="257" r:id="rId10"/>
+    <p:sldId id="258" r:id="rId11"/>
+    <p:sldId id="522" r:id="rId12"/>
+    <p:sldId id="526" r:id="rId13"/>
+    <p:sldId id="527" r:id="rId14"/>
+    <p:sldId id="528" r:id="rId15"/>
+    <p:sldId id="529" r:id="rId16"/>
+    <p:sldId id="530" r:id="rId17"/>
+    <p:sldId id="531" r:id="rId18"/>
+    <p:sldId id="532" r:id="rId19"/>
+    <p:sldId id="525" r:id="rId20"/>
+    <p:sldId id="521" r:id="rId21"/>
   </p:sldIdLst>
   <p:sldSz cx="18288000" cy="10287000"/>
   <p:notesSz cx="10287000" cy="18288000"/>
@@ -116,27 +125,11 @@
       </a:defRPr>
     </a:lvl9pPr>
   </p:defaultTextStyle>
-  <p:extLst>
-    <p:ext uri="{EFAFB233-063F-42B5-8137-9DF3F51BA10A}">
-      <p15:sldGuideLst xmlns:p15="http://schemas.microsoft.com/office/powerpoint/2012/main">
-        <p15:guide id="1" orient="horz" pos="2160">
-          <p15:clr>
-            <a:srgbClr val="A4A3A4"/>
-          </p15:clr>
-        </p15:guide>
-        <p15:guide id="2" pos="2880">
-          <p15:clr>
-            <a:srgbClr val="A4A3A4"/>
-          </p15:clr>
-        </p15:guide>
-      </p15:sldGuideLst>
-    </p:ext>
-  </p:extLst>
 </p:presentation>
 </file>
 
 <file path=ppt/notesMasters/notesMaster1.xml><?xml version="1.0" encoding="utf-8"?>
-<p:notesMaster xmlns:a="http://schemas.openxmlformats.org/drawingml/2006/main" xmlns:r="http://schemas.openxmlformats.org/officeDocument/2006/relationships" xmlns:p="http://schemas.openxmlformats.org/presentationml/2006/main">
+<p:notesMaster xmlns:r="http://schemas.openxmlformats.org/officeDocument/2006/relationships" xmlns:c="http://schemas.openxmlformats.org/drawingml/2006/chart" xmlns:a="http://schemas.openxmlformats.org/drawingml/2006/main" xmlns:dgm="http://schemas.openxmlformats.org/drawingml/2006/diagram" xmlns:dsp="http://schemas.microsoft.com/office/drawing/2008/diagram" xmlns:p="http://schemas.openxmlformats.org/presentationml/2006/main">
   <p:cSld>
     <p:bg>
       <p:bgRef idx="1001">
@@ -164,7 +157,7 @@
             <a:spLocks noGrp="1"/>
           </p:cNvSpPr>
           <p:nvPr>
-            <p:ph type="hdr" sz="quarter"/>
+            <p:ph type="hdr" sz="quarter" idx="0"/>
           </p:nvPr>
         </p:nvSpPr>
         <p:spPr>
@@ -184,6 +177,7 @@
             </a:lvl1pPr>
           </a:lstStyle>
           <a:p>
+            <a:pPr lvl="0"/>
             <a:endParaRPr lang="ko-KR" altLang="en-US"/>
           </a:p>
         </p:txBody>
@@ -215,7 +209,8 @@
             </a:lvl1pPr>
           </a:lstStyle>
           <a:p>
-            <a:fld id="{951C8DBB-C610-4BD7-82A5-32CD2B3FA125}" type="datetimeFigureOut">
+            <a:pPr lvl="0"/>
+            <a:fld id="{951C8DBB-C610-4BD7-82A5-32CD2B3FA125}" type="datetime1">
               <a:rPr lang="ko-KR" altLang="en-US" smtClean="0"/>
               <a:t>2023-12-27</a:t>
             </a:fld>
@@ -227,7 +222,7 @@
         <p:nvSpPr>
           <p:cNvPr id="4" name="슬라이드 이미지 개체 틀 3"/>
           <p:cNvSpPr>
-            <a:spLocks noGrp="1" noRot="1" noChangeAspect="1"/>
+            <a:spLocks noGrp="1" noRot="1" noChangeAspect="1" noTextEdit="1"/>
           </p:cNvSpPr>
           <p:nvPr>
             <p:ph type="sldImg" idx="2"/>
@@ -252,6 +247,7 @@
           <a:bodyPr vert="horz" lIns="91440" tIns="45720" rIns="91440" bIns="45720" rtlCol="0" anchor="ctr"/>
           <a:lstStyle/>
           <a:p>
+            <a:pPr lvl="0"/>
             <a:endParaRPr lang="ko-KR" altLang="en-US"/>
           </a:p>
         </p:txBody>
@@ -276,42 +272,57 @@
           </a:prstGeom>
         </p:spPr>
         <p:txBody>
-          <a:bodyPr vert="horz" lIns="91440" tIns="45720" rIns="91440" bIns="45720" rtlCol="0"/>
+          <a:bodyPr vert="horz" lIns="91440" tIns="45720" rIns="91440" bIns="45720"/>
           <a:lstStyle/>
           <a:p>
-            <a:pPr lvl="0"/>
+            <a:pPr lvl="0">
+              <a:defRPr/>
+            </a:pPr>
             <a:r>
               <a:rPr lang="ko-KR" altLang="en-US"/>
               <a:t>마스터 텍스트 스타일을 편집하려면 클릭</a:t>
             </a:r>
-          </a:p>
-          <a:p>
-            <a:pPr lvl="1"/>
+            <a:endParaRPr lang="ko-KR" altLang="en-US"/>
+          </a:p>
+          <a:p>
+            <a:pPr lvl="1">
+              <a:defRPr/>
+            </a:pPr>
             <a:r>
               <a:rPr lang="ko-KR" altLang="en-US"/>
               <a:t>두 번째 수준</a:t>
             </a:r>
-          </a:p>
-          <a:p>
-            <a:pPr lvl="2"/>
+            <a:endParaRPr lang="ko-KR" altLang="en-US"/>
+          </a:p>
+          <a:p>
+            <a:pPr lvl="2">
+              <a:defRPr/>
+            </a:pPr>
             <a:r>
               <a:rPr lang="ko-KR" altLang="en-US"/>
               <a:t>세 번째 수준</a:t>
             </a:r>
-          </a:p>
-          <a:p>
-            <a:pPr lvl="3"/>
+            <a:endParaRPr lang="ko-KR" altLang="en-US"/>
+          </a:p>
+          <a:p>
+            <a:pPr lvl="3">
+              <a:defRPr/>
+            </a:pPr>
             <a:r>
               <a:rPr lang="ko-KR" altLang="en-US"/>
               <a:t>네 번째 수준</a:t>
             </a:r>
-          </a:p>
-          <a:p>
-            <a:pPr lvl="4"/>
+            <a:endParaRPr lang="ko-KR" altLang="en-US"/>
+          </a:p>
+          <a:p>
+            <a:pPr lvl="4">
+              <a:defRPr/>
+            </a:pPr>
             <a:r>
               <a:rPr lang="ko-KR" altLang="en-US"/>
               <a:t>다섯 번째 수준</a:t>
             </a:r>
+            <a:endParaRPr lang="ko-KR" altLang="en-US"/>
           </a:p>
         </p:txBody>
       </p:sp>
@@ -327,7 +338,7 @@
         </p:nvSpPr>
         <p:spPr>
           <a:xfrm>
-            <a:off x="0" y="17372013"/>
+            <a:off x="0" y="17372012"/>
             <a:ext cx="4457700" cy="915987"/>
           </a:xfrm>
           <a:prstGeom prst="rect">
@@ -342,6 +353,7 @@
             </a:lvl1pPr>
           </a:lstStyle>
           <a:p>
+            <a:pPr lvl="0"/>
             <a:endParaRPr lang="ko-KR" altLang="en-US"/>
           </a:p>
         </p:txBody>
@@ -358,7 +370,7 @@
         </p:nvSpPr>
         <p:spPr>
           <a:xfrm>
-            <a:off x="5827713" y="17372013"/>
+            <a:off x="5827713" y="17372012"/>
             <a:ext cx="4457700" cy="915987"/>
           </a:xfrm>
           <a:prstGeom prst="rect">
@@ -373,6 +385,7 @@
             </a:lvl1pPr>
           </a:lstStyle>
           <a:p>
+            <a:pPr lvl="0"/>
             <a:fld id="{8C445B7F-1DD4-4B22-8EF5-2FC96F34D023}" type="slidenum">
               <a:rPr lang="ko-KR" altLang="en-US" smtClean="0"/>
               <a:t>‹#›</a:t>
@@ -389,6 +402,7 @@
     </p:extLst>
   </p:cSld>
   <p:clrMap bg1="lt1" tx1="dk1" bg2="lt2" tx2="dk2" accent1="accent1" accent2="accent2" accent3="accent3" accent4="accent4" accent5="accent5" accent6="accent6" hlink="hlink" folHlink="folHlink"/>
+  <p:hf hdr="0" ftr="0" dt="0"/>
   <p:notesStyle>
     <a:lvl1pPr marL="0" algn="l" defTabSz="914400" rtl="0" eaLnBrk="1" latinLnBrk="1" hangingPunct="1">
       <a:defRPr sz="1200" kern="1200">
@@ -4115,6 +4129,2126 @@
 </file>
 
 <file path=ppt/slides/slide10.xml><?xml version="1.0" encoding="utf-8"?>
+<p:sld xmlns:r="http://schemas.openxmlformats.org/officeDocument/2006/relationships" xmlns:c="http://schemas.openxmlformats.org/drawingml/2006/chart" xmlns:a="http://schemas.openxmlformats.org/drawingml/2006/main" xmlns:dgm="http://schemas.openxmlformats.org/drawingml/2006/diagram" xmlns:dsp="http://schemas.microsoft.com/office/drawing/2008/diagram" xmlns:p="http://schemas.openxmlformats.org/presentationml/2006/main">
+  <p:cSld>
+    <p:spTree>
+      <p:nvGrpSpPr>
+        <p:cNvPr id="1" name=""/>
+        <p:cNvGrpSpPr/>
+        <p:nvPr/>
+      </p:nvGrpSpPr>
+      <p:grpSpPr>
+        <a:xfrm>
+          <a:off x="0" y="0"/>
+          <a:ext cx="0" cy="0"/>
+          <a:chOff x="0" y="0"/>
+          <a:chExt cx="0" cy="0"/>
+        </a:xfrm>
+      </p:grpSpPr>
+      <p:sp>
+        <p:nvSpPr>
+          <p:cNvPr id="39" name="직사각형 38">
+            <a:extLst>
+              <a:ext uri="{FF2B5EF4-FFF2-40B4-BE49-F238E27FC236}">
+                <a16:creationId xmlns:a16="http://schemas.microsoft.com/office/drawing/2014/main" id="{8F6FC153-1422-1251-C1CB-11A8462CAC1F}"/>
+              </a:ext>
+            </a:extLst>
+          </p:cNvPr>
+          <p:cNvSpPr/>
+          <p:nvPr/>
+        </p:nvSpPr>
+        <p:spPr>
+          <a:xfrm>
+            <a:off x="720000" y="1049009"/>
+            <a:ext cx="5760000" cy="108000"/>
+          </a:xfrm>
+          <a:prstGeom prst="rect">
+            <a:avLst/>
+          </a:prstGeom>
+          <a:solidFill>
+            <a:schemeClr val="bg2">
+              <a:lumMod val="90000"/>
+            </a:schemeClr>
+          </a:solidFill>
+          <a:ln>
+            <a:noFill/>
+          </a:ln>
+        </p:spPr>
+        <p:style>
+          <a:lnRef idx="2">
+            <a:schemeClr val="accent1">
+              <a:shade val="50000"/>
+            </a:schemeClr>
+          </a:lnRef>
+          <a:fillRef idx="1">
+            <a:schemeClr val="accent1"/>
+          </a:fillRef>
+          <a:effectRef idx="0">
+            <a:schemeClr val="accent1"/>
+          </a:effectRef>
+          <a:fontRef idx="minor">
+            <a:schemeClr val="lt1"/>
+          </a:fontRef>
+        </p:style>
+        <p:txBody>
+          <a:bodyPr rtlCol="0" anchor="ctr"/>
+          <a:lstStyle/>
+          <a:p>
+            <a:pPr algn="ctr"/>
+            <a:endParaRPr lang="ko-KR" altLang="en-US"/>
+          </a:p>
+        </p:txBody>
+      </p:sp>
+      <p:sp>
+        <p:nvSpPr>
+          <p:cNvPr id="40" name="직사각형 39">
+            <a:extLst>
+              <a:ext uri="{FF2B5EF4-FFF2-40B4-BE49-F238E27FC236}">
+                <a16:creationId xmlns:a16="http://schemas.microsoft.com/office/drawing/2014/main" id="{383BE435-4A4C-0797-D09B-7BB8406D0730}"/>
+              </a:ext>
+            </a:extLst>
+          </p:cNvPr>
+          <p:cNvSpPr/>
+          <p:nvPr/>
+        </p:nvSpPr>
+        <p:spPr>
+          <a:xfrm>
+            <a:off x="0" y="1049009"/>
+            <a:ext cx="720000" cy="108000"/>
+          </a:xfrm>
+          <a:prstGeom prst="rect">
+            <a:avLst/>
+          </a:prstGeom>
+          <a:solidFill>
+            <a:schemeClr val="bg1">
+              <a:lumMod val="50000"/>
+            </a:schemeClr>
+          </a:solidFill>
+          <a:ln>
+            <a:noFill/>
+          </a:ln>
+        </p:spPr>
+        <p:style>
+          <a:lnRef idx="2">
+            <a:schemeClr val="accent1">
+              <a:shade val="50000"/>
+            </a:schemeClr>
+          </a:lnRef>
+          <a:fillRef idx="1">
+            <a:schemeClr val="accent1"/>
+          </a:fillRef>
+          <a:effectRef idx="0">
+            <a:schemeClr val="accent1"/>
+          </a:effectRef>
+          <a:fontRef idx="minor">
+            <a:schemeClr val="lt1"/>
+          </a:fontRef>
+        </p:style>
+        <p:txBody>
+          <a:bodyPr rtlCol="0" anchor="ctr"/>
+          <a:lstStyle/>
+          <a:p>
+            <a:pPr algn="ctr"/>
+            <a:endParaRPr lang="ko-KR" altLang="en-US"/>
+          </a:p>
+        </p:txBody>
+      </p:sp>
+      <p:sp>
+        <p:nvSpPr>
+          <p:cNvPr id="6" name="TextBox 5">
+            <a:extLst>
+              <a:ext uri="{FF2B5EF4-FFF2-40B4-BE49-F238E27FC236}">
+                <a16:creationId xmlns:a16="http://schemas.microsoft.com/office/drawing/2014/main" id="{B1597C43-05DC-F61A-33A0-883C35C8AD60}"/>
+              </a:ext>
+            </a:extLst>
+          </p:cNvPr>
+          <p:cNvSpPr txBox="1"/>
+          <p:nvPr/>
+        </p:nvSpPr>
+        <p:spPr>
+          <a:xfrm>
+            <a:off x="838200" y="367725"/>
+            <a:ext cx="1739579" cy="584775"/>
+          </a:xfrm>
+          <a:prstGeom prst="rect">
+            <a:avLst/>
+          </a:prstGeom>
+          <a:noFill/>
+        </p:spPr>
+        <p:txBody>
+          <a:bodyPr wrap="none" rtlCol="0">
+            <a:spAutoFit/>
+          </a:bodyPr>
+          <a:lstStyle/>
+          <a:p>
+            <a:r>
+              <a:rPr lang="ko-KR" altLang="en-US" sz="3200" spc="-300" dirty="0" smtClean="0">
+                <a:solidFill>
+                  <a:schemeClr val="accent4">
+                    <a:lumMod val="50000"/>
+                  </a:schemeClr>
+                </a:solidFill>
+              </a:rPr>
+              <a:t>기능  구현 </a:t>
+            </a:r>
+            <a:endParaRPr lang="ko-KR" altLang="en-US" sz="3200" spc="-300" dirty="0">
+              <a:solidFill>
+                <a:schemeClr val="accent4">
+                  <a:lumMod val="50000"/>
+                </a:schemeClr>
+              </a:solidFill>
+            </a:endParaRPr>
+          </a:p>
+        </p:txBody>
+      </p:sp>
+      <p:sp>
+        <p:nvSpPr>
+          <p:cNvPr id="7" name="TextBox 6"/>
+          <p:cNvSpPr txBox="1"/>
+          <p:nvPr/>
+        </p:nvSpPr>
+        <p:spPr>
+          <a:xfrm>
+            <a:off x="146685" y="197703"/>
+            <a:ext cx="536446" cy="819567"/>
+          </a:xfrm>
+          <a:prstGeom prst="rect">
+            <a:avLst/>
+          </a:prstGeom>
+          <a:noFill/>
+        </p:spPr>
+        <p:txBody>
+          <a:bodyPr wrap="none">
+            <a:spAutoFit/>
+          </a:bodyPr>
+          <a:lstStyle/>
+          <a:p>
+            <a:pPr lvl="0">
+              <a:defRPr/>
+            </a:pPr>
+            <a:r>
+              <a:rPr lang="en-US" altLang="ko-KR" sz="4800" b="1">
+                <a:solidFill>
+                  <a:schemeClr val="tx1">
+                    <a:lumMod val="75000"/>
+                    <a:lumOff val="25000"/>
+                  </a:schemeClr>
+                </a:solidFill>
+              </a:rPr>
+              <a:t>5</a:t>
+            </a:r>
+            <a:endParaRPr lang="en-US" altLang="ko-KR" sz="4800" b="1">
+              <a:solidFill>
+                <a:schemeClr val="tx1">
+                  <a:lumMod val="75000"/>
+                  <a:lumOff val="25000"/>
+                </a:schemeClr>
+              </a:solidFill>
+            </a:endParaRPr>
+          </a:p>
+        </p:txBody>
+      </p:sp>
+      <p:sp>
+        <p:nvSpPr>
+          <p:cNvPr id="41" name="직사각형 40"/>
+          <p:cNvSpPr/>
+          <p:nvPr/>
+        </p:nvSpPr>
+        <p:spPr>
+          <a:xfrm>
+            <a:off x="2680335" y="430530"/>
+            <a:ext cx="5777865" cy="548640"/>
+          </a:xfrm>
+          <a:prstGeom prst="rect">
+            <a:avLst/>
+          </a:prstGeom>
+        </p:spPr>
+        <p:txBody>
+          <a:bodyPr wrap="square">
+            <a:spAutoFit/>
+          </a:bodyPr>
+          <a:lstStyle/>
+          <a:p>
+            <a:pPr lvl="0">
+              <a:defRPr/>
+            </a:pPr>
+            <a:r>
+              <a:rPr lang="en-US" altLang="ko-KR" sz="3000"/>
+              <a:t>main</a:t>
+            </a:r>
+            <a:r>
+              <a:rPr lang="ko-KR" altLang="en-US" sz="3000"/>
+              <a:t>.js</a:t>
+            </a:r>
+            <a:r>
+              <a:rPr lang="en-US" altLang="ko-KR" sz="3000"/>
+              <a:t> &amp;&amp; loginMain</a:t>
+            </a:r>
+            <a:r>
+              <a:rPr lang="ko-KR" altLang="en-US" sz="2100"/>
+              <a:t>.js</a:t>
+            </a:r>
+            <a:endParaRPr lang="en-US" altLang="ko-KR" sz="2100"/>
+          </a:p>
+        </p:txBody>
+      </p:sp>
+    </p:spTree>
+    <p:extLst>
+      <p:ext uri="{BB962C8B-B14F-4D97-AF65-F5344CB8AC3E}">
+        <p14:creationId xmlns:p14="http://schemas.microsoft.com/office/powerpoint/2010/main" val="610708014"/>
+      </p:ext>
+    </p:extLst>
+  </p:cSld>
+  <p:clrMapOvr>
+    <a:masterClrMapping/>
+  </p:clrMapOvr>
+</p:sld>
+</file>
+
+<file path=ppt/slides/slide11.xml><?xml version="1.0" encoding="utf-8"?>
+<p:sld xmlns:r="http://schemas.openxmlformats.org/officeDocument/2006/relationships" xmlns:c="http://schemas.openxmlformats.org/drawingml/2006/chart" xmlns:a="http://schemas.openxmlformats.org/drawingml/2006/main" xmlns:dgm="http://schemas.openxmlformats.org/drawingml/2006/diagram" xmlns:dsp="http://schemas.microsoft.com/office/drawing/2008/diagram" xmlns:p="http://schemas.openxmlformats.org/presentationml/2006/main">
+  <p:cSld>
+    <p:spTree>
+      <p:nvGrpSpPr>
+        <p:cNvPr id="1" name=""/>
+        <p:cNvGrpSpPr/>
+        <p:nvPr/>
+      </p:nvGrpSpPr>
+      <p:grpSpPr>
+        <a:xfrm>
+          <a:off x="0" y="0"/>
+          <a:ext cx="0" cy="0"/>
+          <a:chOff x="0" y="0"/>
+          <a:chExt cx="0" cy="0"/>
+        </a:xfrm>
+      </p:grpSpPr>
+      <p:sp>
+        <p:nvSpPr>
+          <p:cNvPr id="39" name="직사각형 38"/>
+          <p:cNvSpPr/>
+          <p:nvPr/>
+        </p:nvSpPr>
+        <p:spPr>
+          <a:xfrm>
+            <a:off x="720000" y="1049009"/>
+            <a:ext cx="5760000" cy="108000"/>
+          </a:xfrm>
+          <a:prstGeom prst="rect">
+            <a:avLst/>
+          </a:prstGeom>
+          <a:solidFill>
+            <a:schemeClr val="bg2">
+              <a:lumMod val="90000"/>
+            </a:schemeClr>
+          </a:solidFill>
+          <a:ln>
+            <a:noFill/>
+          </a:ln>
+        </p:spPr>
+        <p:style>
+          <a:lnRef idx="2">
+            <a:schemeClr val="accent1">
+              <a:shade val="50000"/>
+            </a:schemeClr>
+          </a:lnRef>
+          <a:fillRef idx="1">
+            <a:schemeClr val="accent1"/>
+          </a:fillRef>
+          <a:effectRef idx="0">
+            <a:schemeClr val="accent1"/>
+          </a:effectRef>
+          <a:fontRef idx="minor">
+            <a:schemeClr val="lt1"/>
+          </a:fontRef>
+        </p:style>
+        <p:txBody>
+          <a:bodyPr anchor="ctr"/>
+          <a:lstStyle/>
+          <a:p>
+            <a:pPr lvl="0" algn="ctr">
+              <a:defRPr/>
+            </a:pPr>
+            <a:endParaRPr lang="ko-KR" altLang="en-US"/>
+          </a:p>
+        </p:txBody>
+      </p:sp>
+      <p:sp>
+        <p:nvSpPr>
+          <p:cNvPr id="40" name="직사각형 39"/>
+          <p:cNvSpPr/>
+          <p:nvPr/>
+        </p:nvSpPr>
+        <p:spPr>
+          <a:xfrm>
+            <a:off x="0" y="1049009"/>
+            <a:ext cx="720000" cy="108000"/>
+          </a:xfrm>
+          <a:prstGeom prst="rect">
+            <a:avLst/>
+          </a:prstGeom>
+          <a:solidFill>
+            <a:schemeClr val="bg1">
+              <a:lumMod val="50000"/>
+            </a:schemeClr>
+          </a:solidFill>
+          <a:ln>
+            <a:noFill/>
+          </a:ln>
+        </p:spPr>
+        <p:style>
+          <a:lnRef idx="2">
+            <a:schemeClr val="accent1">
+              <a:shade val="50000"/>
+            </a:schemeClr>
+          </a:lnRef>
+          <a:fillRef idx="1">
+            <a:schemeClr val="accent1"/>
+          </a:fillRef>
+          <a:effectRef idx="0">
+            <a:schemeClr val="accent1"/>
+          </a:effectRef>
+          <a:fontRef idx="minor">
+            <a:schemeClr val="lt1"/>
+          </a:fontRef>
+        </p:style>
+        <p:txBody>
+          <a:bodyPr anchor="ctr"/>
+          <a:lstStyle/>
+          <a:p>
+            <a:pPr lvl="0" algn="ctr">
+              <a:defRPr/>
+            </a:pPr>
+            <a:endParaRPr lang="ko-KR" altLang="en-US"/>
+          </a:p>
+        </p:txBody>
+      </p:sp>
+      <p:sp>
+        <p:nvSpPr>
+          <p:cNvPr id="6" name="TextBox 5"/>
+          <p:cNvSpPr txBox="1"/>
+          <p:nvPr/>
+        </p:nvSpPr>
+        <p:spPr>
+          <a:xfrm>
+            <a:off x="838200" y="367725"/>
+            <a:ext cx="1739579" cy="584775"/>
+          </a:xfrm>
+          <a:prstGeom prst="rect">
+            <a:avLst/>
+          </a:prstGeom>
+          <a:noFill/>
+        </p:spPr>
+        <p:txBody>
+          <a:bodyPr wrap="none">
+            <a:spAutoFit/>
+          </a:bodyPr>
+          <a:lstStyle/>
+          <a:p>
+            <a:pPr lvl="0">
+              <a:defRPr/>
+            </a:pPr>
+            <a:r>
+              <a:rPr lang="ko-KR" altLang="en-US" sz="3200" spc="-300">
+                <a:solidFill>
+                  <a:schemeClr val="accent4">
+                    <a:lumMod val="50000"/>
+                  </a:schemeClr>
+                </a:solidFill>
+              </a:rPr>
+              <a:t>기능  구현 </a:t>
+            </a:r>
+            <a:endParaRPr lang="ko-KR" altLang="en-US" sz="3200" spc="-300">
+              <a:solidFill>
+                <a:schemeClr val="accent4">
+                  <a:lumMod val="50000"/>
+                </a:schemeClr>
+              </a:solidFill>
+            </a:endParaRPr>
+          </a:p>
+        </p:txBody>
+      </p:sp>
+      <p:sp>
+        <p:nvSpPr>
+          <p:cNvPr id="7" name="TextBox 6"/>
+          <p:cNvSpPr txBox="1"/>
+          <p:nvPr/>
+        </p:nvSpPr>
+        <p:spPr>
+          <a:xfrm>
+            <a:off x="146685" y="197703"/>
+            <a:ext cx="536446" cy="819567"/>
+          </a:xfrm>
+          <a:prstGeom prst="rect">
+            <a:avLst/>
+          </a:prstGeom>
+          <a:noFill/>
+        </p:spPr>
+        <p:txBody>
+          <a:bodyPr wrap="none">
+            <a:spAutoFit/>
+          </a:bodyPr>
+          <a:lstStyle/>
+          <a:p>
+            <a:pPr lvl="0">
+              <a:defRPr/>
+            </a:pPr>
+            <a:r>
+              <a:rPr lang="en-US" altLang="ko-KR" sz="4800" b="1">
+                <a:solidFill>
+                  <a:schemeClr val="tx1">
+                    <a:lumMod val="75000"/>
+                    <a:lumOff val="25000"/>
+                  </a:schemeClr>
+                </a:solidFill>
+              </a:rPr>
+              <a:t>5</a:t>
+            </a:r>
+            <a:endParaRPr lang="en-US" altLang="ko-KR" sz="4800" b="1">
+              <a:solidFill>
+                <a:schemeClr val="tx1">
+                  <a:lumMod val="75000"/>
+                  <a:lumOff val="25000"/>
+                </a:schemeClr>
+              </a:solidFill>
+            </a:endParaRPr>
+          </a:p>
+        </p:txBody>
+      </p:sp>
+    </p:spTree>
+    <p:extLst>
+      <p:ext uri="{BB962C8B-B14F-4D97-AF65-F5344CB8AC3E}">
+        <p14:creationId xmlns:p14="http://schemas.microsoft.com/office/powerpoint/2010/main" val="2583135733"/>
+      </p:ext>
+    </p:extLst>
+  </p:cSld>
+  <p:clrMapOvr>
+    <a:masterClrMapping/>
+  </p:clrMapOvr>
+  <p:timing>
+    <p:tnLst>
+      <p:par>
+        <p:cTn id="1" dur="indefinite" restart="never" nodeType="tmRoot"/>
+      </p:par>
+    </p:tnLst>
+  </p:timing>
+</p:sld>
+</file>
+
+<file path=ppt/slides/slide12.xml><?xml version="1.0" encoding="utf-8"?>
+<p:sld xmlns:r="http://schemas.openxmlformats.org/officeDocument/2006/relationships" xmlns:c="http://schemas.openxmlformats.org/drawingml/2006/chart" xmlns:a="http://schemas.openxmlformats.org/drawingml/2006/main" xmlns:dgm="http://schemas.openxmlformats.org/drawingml/2006/diagram" xmlns:dsp="http://schemas.microsoft.com/office/drawing/2008/diagram" xmlns:p="http://schemas.openxmlformats.org/presentationml/2006/main">
+  <p:cSld>
+    <p:spTree>
+      <p:nvGrpSpPr>
+        <p:cNvPr id="1" name=""/>
+        <p:cNvGrpSpPr/>
+        <p:nvPr/>
+      </p:nvGrpSpPr>
+      <p:grpSpPr>
+        <a:xfrm>
+          <a:off x="0" y="0"/>
+          <a:ext cx="0" cy="0"/>
+          <a:chOff x="0" y="0"/>
+          <a:chExt cx="0" cy="0"/>
+        </a:xfrm>
+      </p:grpSpPr>
+      <p:sp>
+        <p:nvSpPr>
+          <p:cNvPr id="39" name="직사각형 38"/>
+          <p:cNvSpPr/>
+          <p:nvPr/>
+        </p:nvSpPr>
+        <p:spPr>
+          <a:xfrm>
+            <a:off x="720000" y="1049009"/>
+            <a:ext cx="5760000" cy="108000"/>
+          </a:xfrm>
+          <a:prstGeom prst="rect">
+            <a:avLst/>
+          </a:prstGeom>
+          <a:solidFill>
+            <a:schemeClr val="bg2">
+              <a:lumMod val="90000"/>
+            </a:schemeClr>
+          </a:solidFill>
+          <a:ln>
+            <a:noFill/>
+          </a:ln>
+        </p:spPr>
+        <p:style>
+          <a:lnRef idx="2">
+            <a:schemeClr val="accent1">
+              <a:shade val="50000"/>
+            </a:schemeClr>
+          </a:lnRef>
+          <a:fillRef idx="1">
+            <a:schemeClr val="accent1"/>
+          </a:fillRef>
+          <a:effectRef idx="0">
+            <a:schemeClr val="accent1"/>
+          </a:effectRef>
+          <a:fontRef idx="minor">
+            <a:schemeClr val="lt1"/>
+          </a:fontRef>
+        </p:style>
+        <p:txBody>
+          <a:bodyPr anchor="ctr"/>
+          <a:lstStyle/>
+          <a:p>
+            <a:pPr lvl="0" algn="ctr">
+              <a:defRPr/>
+            </a:pPr>
+            <a:endParaRPr lang="ko-KR" altLang="en-US"/>
+          </a:p>
+        </p:txBody>
+      </p:sp>
+      <p:sp>
+        <p:nvSpPr>
+          <p:cNvPr id="40" name="직사각형 39"/>
+          <p:cNvSpPr/>
+          <p:nvPr/>
+        </p:nvSpPr>
+        <p:spPr>
+          <a:xfrm>
+            <a:off x="0" y="1049009"/>
+            <a:ext cx="720000" cy="108000"/>
+          </a:xfrm>
+          <a:prstGeom prst="rect">
+            <a:avLst/>
+          </a:prstGeom>
+          <a:solidFill>
+            <a:schemeClr val="bg1">
+              <a:lumMod val="50000"/>
+            </a:schemeClr>
+          </a:solidFill>
+          <a:ln>
+            <a:noFill/>
+          </a:ln>
+        </p:spPr>
+        <p:style>
+          <a:lnRef idx="2">
+            <a:schemeClr val="accent1">
+              <a:shade val="50000"/>
+            </a:schemeClr>
+          </a:lnRef>
+          <a:fillRef idx="1">
+            <a:schemeClr val="accent1"/>
+          </a:fillRef>
+          <a:effectRef idx="0">
+            <a:schemeClr val="accent1"/>
+          </a:effectRef>
+          <a:fontRef idx="minor">
+            <a:schemeClr val="lt1"/>
+          </a:fontRef>
+        </p:style>
+        <p:txBody>
+          <a:bodyPr anchor="ctr"/>
+          <a:lstStyle/>
+          <a:p>
+            <a:pPr lvl="0" algn="ctr">
+              <a:defRPr/>
+            </a:pPr>
+            <a:endParaRPr lang="ko-KR" altLang="en-US"/>
+          </a:p>
+        </p:txBody>
+      </p:sp>
+      <p:sp>
+        <p:nvSpPr>
+          <p:cNvPr id="6" name="TextBox 5"/>
+          <p:cNvSpPr txBox="1"/>
+          <p:nvPr/>
+        </p:nvSpPr>
+        <p:spPr>
+          <a:xfrm>
+            <a:off x="838200" y="367725"/>
+            <a:ext cx="1739579" cy="584775"/>
+          </a:xfrm>
+          <a:prstGeom prst="rect">
+            <a:avLst/>
+          </a:prstGeom>
+          <a:noFill/>
+        </p:spPr>
+        <p:txBody>
+          <a:bodyPr wrap="none">
+            <a:spAutoFit/>
+          </a:bodyPr>
+          <a:lstStyle/>
+          <a:p>
+            <a:pPr lvl="0">
+              <a:defRPr/>
+            </a:pPr>
+            <a:r>
+              <a:rPr lang="ko-KR" altLang="en-US" sz="3200" spc="-300">
+                <a:solidFill>
+                  <a:schemeClr val="accent4">
+                    <a:lumMod val="50000"/>
+                  </a:schemeClr>
+                </a:solidFill>
+              </a:rPr>
+              <a:t>기능  구현 </a:t>
+            </a:r>
+            <a:endParaRPr lang="ko-KR" altLang="en-US" sz="3200" spc="-300">
+              <a:solidFill>
+                <a:schemeClr val="accent4">
+                  <a:lumMod val="50000"/>
+                </a:schemeClr>
+              </a:solidFill>
+            </a:endParaRPr>
+          </a:p>
+        </p:txBody>
+      </p:sp>
+      <p:sp>
+        <p:nvSpPr>
+          <p:cNvPr id="7" name="TextBox 6"/>
+          <p:cNvSpPr txBox="1"/>
+          <p:nvPr/>
+        </p:nvSpPr>
+        <p:spPr>
+          <a:xfrm>
+            <a:off x="146685" y="197703"/>
+            <a:ext cx="536446" cy="819567"/>
+          </a:xfrm>
+          <a:prstGeom prst="rect">
+            <a:avLst/>
+          </a:prstGeom>
+          <a:noFill/>
+        </p:spPr>
+        <p:txBody>
+          <a:bodyPr wrap="none">
+            <a:spAutoFit/>
+          </a:bodyPr>
+          <a:lstStyle/>
+          <a:p>
+            <a:pPr lvl="0">
+              <a:defRPr/>
+            </a:pPr>
+            <a:r>
+              <a:rPr lang="en-US" altLang="ko-KR" sz="4800" b="1">
+                <a:solidFill>
+                  <a:schemeClr val="tx1">
+                    <a:lumMod val="75000"/>
+                    <a:lumOff val="25000"/>
+                  </a:schemeClr>
+                </a:solidFill>
+              </a:rPr>
+              <a:t>5</a:t>
+            </a:r>
+            <a:endParaRPr lang="en-US" altLang="ko-KR" sz="4800" b="1">
+              <a:solidFill>
+                <a:schemeClr val="tx1">
+                  <a:lumMod val="75000"/>
+                  <a:lumOff val="25000"/>
+                </a:schemeClr>
+              </a:solidFill>
+            </a:endParaRPr>
+          </a:p>
+        </p:txBody>
+      </p:sp>
+    </p:spTree>
+    <p:extLst>
+      <p:ext uri="{BB962C8B-B14F-4D97-AF65-F5344CB8AC3E}">
+        <p14:creationId xmlns:p14="http://schemas.microsoft.com/office/powerpoint/2010/main" val="961676284"/>
+      </p:ext>
+    </p:extLst>
+  </p:cSld>
+  <p:clrMapOvr>
+    <a:masterClrMapping/>
+  </p:clrMapOvr>
+  <p:timing>
+    <p:tnLst>
+      <p:par>
+        <p:cTn id="1" dur="indefinite" restart="never" nodeType="tmRoot"/>
+      </p:par>
+    </p:tnLst>
+  </p:timing>
+</p:sld>
+</file>
+
+<file path=ppt/slides/slide13.xml><?xml version="1.0" encoding="utf-8"?>
+<p:sld xmlns:r="http://schemas.openxmlformats.org/officeDocument/2006/relationships" xmlns:c="http://schemas.openxmlformats.org/drawingml/2006/chart" xmlns:a="http://schemas.openxmlformats.org/drawingml/2006/main" xmlns:dgm="http://schemas.openxmlformats.org/drawingml/2006/diagram" xmlns:dsp="http://schemas.microsoft.com/office/drawing/2008/diagram" xmlns:p="http://schemas.openxmlformats.org/presentationml/2006/main">
+  <p:cSld>
+    <p:spTree>
+      <p:nvGrpSpPr>
+        <p:cNvPr id="1" name=""/>
+        <p:cNvGrpSpPr/>
+        <p:nvPr/>
+      </p:nvGrpSpPr>
+      <p:grpSpPr>
+        <a:xfrm>
+          <a:off x="0" y="0"/>
+          <a:ext cx="0" cy="0"/>
+          <a:chOff x="0" y="0"/>
+          <a:chExt cx="0" cy="0"/>
+        </a:xfrm>
+      </p:grpSpPr>
+      <p:sp>
+        <p:nvSpPr>
+          <p:cNvPr id="39" name="직사각형 38"/>
+          <p:cNvSpPr/>
+          <p:nvPr/>
+        </p:nvSpPr>
+        <p:spPr>
+          <a:xfrm>
+            <a:off x="720000" y="1049009"/>
+            <a:ext cx="5760000" cy="108000"/>
+          </a:xfrm>
+          <a:prstGeom prst="rect">
+            <a:avLst/>
+          </a:prstGeom>
+          <a:solidFill>
+            <a:schemeClr val="bg2">
+              <a:lumMod val="90000"/>
+            </a:schemeClr>
+          </a:solidFill>
+          <a:ln>
+            <a:noFill/>
+          </a:ln>
+        </p:spPr>
+        <p:style>
+          <a:lnRef idx="2">
+            <a:schemeClr val="accent1">
+              <a:shade val="50000"/>
+            </a:schemeClr>
+          </a:lnRef>
+          <a:fillRef idx="1">
+            <a:schemeClr val="accent1"/>
+          </a:fillRef>
+          <a:effectRef idx="0">
+            <a:schemeClr val="accent1"/>
+          </a:effectRef>
+          <a:fontRef idx="minor">
+            <a:schemeClr val="lt1"/>
+          </a:fontRef>
+        </p:style>
+        <p:txBody>
+          <a:bodyPr anchor="ctr"/>
+          <a:lstStyle/>
+          <a:p>
+            <a:pPr lvl="0" algn="ctr">
+              <a:defRPr/>
+            </a:pPr>
+            <a:endParaRPr lang="ko-KR" altLang="en-US"/>
+          </a:p>
+        </p:txBody>
+      </p:sp>
+      <p:sp>
+        <p:nvSpPr>
+          <p:cNvPr id="40" name="직사각형 39"/>
+          <p:cNvSpPr/>
+          <p:nvPr/>
+        </p:nvSpPr>
+        <p:spPr>
+          <a:xfrm>
+            <a:off x="0" y="1049009"/>
+            <a:ext cx="720000" cy="108000"/>
+          </a:xfrm>
+          <a:prstGeom prst="rect">
+            <a:avLst/>
+          </a:prstGeom>
+          <a:solidFill>
+            <a:schemeClr val="bg1">
+              <a:lumMod val="50000"/>
+            </a:schemeClr>
+          </a:solidFill>
+          <a:ln>
+            <a:noFill/>
+          </a:ln>
+        </p:spPr>
+        <p:style>
+          <a:lnRef idx="2">
+            <a:schemeClr val="accent1">
+              <a:shade val="50000"/>
+            </a:schemeClr>
+          </a:lnRef>
+          <a:fillRef idx="1">
+            <a:schemeClr val="accent1"/>
+          </a:fillRef>
+          <a:effectRef idx="0">
+            <a:schemeClr val="accent1"/>
+          </a:effectRef>
+          <a:fontRef idx="minor">
+            <a:schemeClr val="lt1"/>
+          </a:fontRef>
+        </p:style>
+        <p:txBody>
+          <a:bodyPr anchor="ctr"/>
+          <a:lstStyle/>
+          <a:p>
+            <a:pPr lvl="0" algn="ctr">
+              <a:defRPr/>
+            </a:pPr>
+            <a:endParaRPr lang="ko-KR" altLang="en-US"/>
+          </a:p>
+        </p:txBody>
+      </p:sp>
+      <p:sp>
+        <p:nvSpPr>
+          <p:cNvPr id="6" name="TextBox 5"/>
+          <p:cNvSpPr txBox="1"/>
+          <p:nvPr/>
+        </p:nvSpPr>
+        <p:spPr>
+          <a:xfrm>
+            <a:off x="838200" y="367725"/>
+            <a:ext cx="1739579" cy="584775"/>
+          </a:xfrm>
+          <a:prstGeom prst="rect">
+            <a:avLst/>
+          </a:prstGeom>
+          <a:noFill/>
+        </p:spPr>
+        <p:txBody>
+          <a:bodyPr wrap="none">
+            <a:spAutoFit/>
+          </a:bodyPr>
+          <a:lstStyle/>
+          <a:p>
+            <a:pPr lvl="0">
+              <a:defRPr/>
+            </a:pPr>
+            <a:r>
+              <a:rPr lang="ko-KR" altLang="en-US" sz="3200" spc="-300">
+                <a:solidFill>
+                  <a:schemeClr val="accent4">
+                    <a:lumMod val="50000"/>
+                  </a:schemeClr>
+                </a:solidFill>
+              </a:rPr>
+              <a:t>기능  구현 </a:t>
+            </a:r>
+            <a:endParaRPr lang="ko-KR" altLang="en-US" sz="3200" spc="-300">
+              <a:solidFill>
+                <a:schemeClr val="accent4">
+                  <a:lumMod val="50000"/>
+                </a:schemeClr>
+              </a:solidFill>
+            </a:endParaRPr>
+          </a:p>
+        </p:txBody>
+      </p:sp>
+      <p:sp>
+        <p:nvSpPr>
+          <p:cNvPr id="7" name="TextBox 6"/>
+          <p:cNvSpPr txBox="1"/>
+          <p:nvPr/>
+        </p:nvSpPr>
+        <p:spPr>
+          <a:xfrm>
+            <a:off x="146685" y="197703"/>
+            <a:ext cx="536446" cy="819567"/>
+          </a:xfrm>
+          <a:prstGeom prst="rect">
+            <a:avLst/>
+          </a:prstGeom>
+          <a:noFill/>
+        </p:spPr>
+        <p:txBody>
+          <a:bodyPr wrap="none">
+            <a:spAutoFit/>
+          </a:bodyPr>
+          <a:lstStyle/>
+          <a:p>
+            <a:pPr lvl="0">
+              <a:defRPr/>
+            </a:pPr>
+            <a:r>
+              <a:rPr lang="en-US" altLang="ko-KR" sz="4800" b="1">
+                <a:solidFill>
+                  <a:schemeClr val="tx1">
+                    <a:lumMod val="75000"/>
+                    <a:lumOff val="25000"/>
+                  </a:schemeClr>
+                </a:solidFill>
+              </a:rPr>
+              <a:t>5</a:t>
+            </a:r>
+            <a:endParaRPr lang="en-US" altLang="ko-KR" sz="4800" b="1">
+              <a:solidFill>
+                <a:schemeClr val="tx1">
+                  <a:lumMod val="75000"/>
+                  <a:lumOff val="25000"/>
+                </a:schemeClr>
+              </a:solidFill>
+            </a:endParaRPr>
+          </a:p>
+        </p:txBody>
+      </p:sp>
+    </p:spTree>
+    <p:extLst>
+      <p:ext uri="{BB962C8B-B14F-4D97-AF65-F5344CB8AC3E}">
+        <p14:creationId xmlns:p14="http://schemas.microsoft.com/office/powerpoint/2010/main" val="251525689"/>
+      </p:ext>
+    </p:extLst>
+  </p:cSld>
+  <p:clrMapOvr>
+    <a:masterClrMapping/>
+  </p:clrMapOvr>
+  <p:timing>
+    <p:tnLst>
+      <p:par>
+        <p:cTn id="1" dur="indefinite" restart="never" nodeType="tmRoot"/>
+      </p:par>
+    </p:tnLst>
+  </p:timing>
+</p:sld>
+</file>
+
+<file path=ppt/slides/slide14.xml><?xml version="1.0" encoding="utf-8"?>
+<p:sld xmlns:r="http://schemas.openxmlformats.org/officeDocument/2006/relationships" xmlns:c="http://schemas.openxmlformats.org/drawingml/2006/chart" xmlns:a="http://schemas.openxmlformats.org/drawingml/2006/main" xmlns:dgm="http://schemas.openxmlformats.org/drawingml/2006/diagram" xmlns:dsp="http://schemas.microsoft.com/office/drawing/2008/diagram" xmlns:p="http://schemas.openxmlformats.org/presentationml/2006/main">
+  <p:cSld>
+    <p:spTree>
+      <p:nvGrpSpPr>
+        <p:cNvPr id="1" name=""/>
+        <p:cNvGrpSpPr/>
+        <p:nvPr/>
+      </p:nvGrpSpPr>
+      <p:grpSpPr>
+        <a:xfrm>
+          <a:off x="0" y="0"/>
+          <a:ext cx="0" cy="0"/>
+          <a:chOff x="0" y="0"/>
+          <a:chExt cx="0" cy="0"/>
+        </a:xfrm>
+      </p:grpSpPr>
+      <p:sp>
+        <p:nvSpPr>
+          <p:cNvPr id="39" name="직사각형 38"/>
+          <p:cNvSpPr/>
+          <p:nvPr/>
+        </p:nvSpPr>
+        <p:spPr>
+          <a:xfrm>
+            <a:off x="720000" y="1049009"/>
+            <a:ext cx="5760000" cy="108000"/>
+          </a:xfrm>
+          <a:prstGeom prst="rect">
+            <a:avLst/>
+          </a:prstGeom>
+          <a:solidFill>
+            <a:schemeClr val="bg2">
+              <a:lumMod val="90000"/>
+            </a:schemeClr>
+          </a:solidFill>
+          <a:ln>
+            <a:noFill/>
+          </a:ln>
+        </p:spPr>
+        <p:style>
+          <a:lnRef idx="2">
+            <a:schemeClr val="accent1">
+              <a:shade val="50000"/>
+            </a:schemeClr>
+          </a:lnRef>
+          <a:fillRef idx="1">
+            <a:schemeClr val="accent1"/>
+          </a:fillRef>
+          <a:effectRef idx="0">
+            <a:schemeClr val="accent1"/>
+          </a:effectRef>
+          <a:fontRef idx="minor">
+            <a:schemeClr val="lt1"/>
+          </a:fontRef>
+        </p:style>
+        <p:txBody>
+          <a:bodyPr anchor="ctr"/>
+          <a:lstStyle/>
+          <a:p>
+            <a:pPr lvl="0" algn="ctr">
+              <a:defRPr/>
+            </a:pPr>
+            <a:endParaRPr lang="ko-KR" altLang="en-US"/>
+          </a:p>
+        </p:txBody>
+      </p:sp>
+      <p:sp>
+        <p:nvSpPr>
+          <p:cNvPr id="40" name="직사각형 39"/>
+          <p:cNvSpPr/>
+          <p:nvPr/>
+        </p:nvSpPr>
+        <p:spPr>
+          <a:xfrm>
+            <a:off x="0" y="1049009"/>
+            <a:ext cx="720000" cy="108000"/>
+          </a:xfrm>
+          <a:prstGeom prst="rect">
+            <a:avLst/>
+          </a:prstGeom>
+          <a:solidFill>
+            <a:schemeClr val="bg1">
+              <a:lumMod val="50000"/>
+            </a:schemeClr>
+          </a:solidFill>
+          <a:ln>
+            <a:noFill/>
+          </a:ln>
+        </p:spPr>
+        <p:style>
+          <a:lnRef idx="2">
+            <a:schemeClr val="accent1">
+              <a:shade val="50000"/>
+            </a:schemeClr>
+          </a:lnRef>
+          <a:fillRef idx="1">
+            <a:schemeClr val="accent1"/>
+          </a:fillRef>
+          <a:effectRef idx="0">
+            <a:schemeClr val="accent1"/>
+          </a:effectRef>
+          <a:fontRef idx="minor">
+            <a:schemeClr val="lt1"/>
+          </a:fontRef>
+        </p:style>
+        <p:txBody>
+          <a:bodyPr anchor="ctr"/>
+          <a:lstStyle/>
+          <a:p>
+            <a:pPr lvl="0" algn="ctr">
+              <a:defRPr/>
+            </a:pPr>
+            <a:endParaRPr lang="ko-KR" altLang="en-US"/>
+          </a:p>
+        </p:txBody>
+      </p:sp>
+      <p:sp>
+        <p:nvSpPr>
+          <p:cNvPr id="6" name="TextBox 5"/>
+          <p:cNvSpPr txBox="1"/>
+          <p:nvPr/>
+        </p:nvSpPr>
+        <p:spPr>
+          <a:xfrm>
+            <a:off x="838200" y="367725"/>
+            <a:ext cx="1739579" cy="584775"/>
+          </a:xfrm>
+          <a:prstGeom prst="rect">
+            <a:avLst/>
+          </a:prstGeom>
+          <a:noFill/>
+        </p:spPr>
+        <p:txBody>
+          <a:bodyPr wrap="none">
+            <a:spAutoFit/>
+          </a:bodyPr>
+          <a:lstStyle/>
+          <a:p>
+            <a:pPr lvl="0">
+              <a:defRPr/>
+            </a:pPr>
+            <a:r>
+              <a:rPr lang="ko-KR" altLang="en-US" sz="3200" spc="-300">
+                <a:solidFill>
+                  <a:schemeClr val="accent4">
+                    <a:lumMod val="50000"/>
+                  </a:schemeClr>
+                </a:solidFill>
+              </a:rPr>
+              <a:t>기능  구현 </a:t>
+            </a:r>
+            <a:endParaRPr lang="ko-KR" altLang="en-US" sz="3200" spc="-300">
+              <a:solidFill>
+                <a:schemeClr val="accent4">
+                  <a:lumMod val="50000"/>
+                </a:schemeClr>
+              </a:solidFill>
+            </a:endParaRPr>
+          </a:p>
+        </p:txBody>
+      </p:sp>
+      <p:sp>
+        <p:nvSpPr>
+          <p:cNvPr id="7" name="TextBox 6"/>
+          <p:cNvSpPr txBox="1"/>
+          <p:nvPr/>
+        </p:nvSpPr>
+        <p:spPr>
+          <a:xfrm>
+            <a:off x="146685" y="197703"/>
+            <a:ext cx="536446" cy="819567"/>
+          </a:xfrm>
+          <a:prstGeom prst="rect">
+            <a:avLst/>
+          </a:prstGeom>
+          <a:noFill/>
+        </p:spPr>
+        <p:txBody>
+          <a:bodyPr wrap="none">
+            <a:spAutoFit/>
+          </a:bodyPr>
+          <a:lstStyle/>
+          <a:p>
+            <a:pPr lvl="0">
+              <a:defRPr/>
+            </a:pPr>
+            <a:r>
+              <a:rPr lang="en-US" altLang="ko-KR" sz="4800" b="1">
+                <a:solidFill>
+                  <a:schemeClr val="tx1">
+                    <a:lumMod val="75000"/>
+                    <a:lumOff val="25000"/>
+                  </a:schemeClr>
+                </a:solidFill>
+              </a:rPr>
+              <a:t>5</a:t>
+            </a:r>
+            <a:endParaRPr lang="en-US" altLang="ko-KR" sz="4800" b="1">
+              <a:solidFill>
+                <a:schemeClr val="tx1">
+                  <a:lumMod val="75000"/>
+                  <a:lumOff val="25000"/>
+                </a:schemeClr>
+              </a:solidFill>
+            </a:endParaRPr>
+          </a:p>
+        </p:txBody>
+      </p:sp>
+    </p:spTree>
+    <p:extLst>
+      <p:ext uri="{BB962C8B-B14F-4D97-AF65-F5344CB8AC3E}">
+        <p14:creationId xmlns:p14="http://schemas.microsoft.com/office/powerpoint/2010/main" val="2764572295"/>
+      </p:ext>
+    </p:extLst>
+  </p:cSld>
+  <p:clrMapOvr>
+    <a:masterClrMapping/>
+  </p:clrMapOvr>
+  <p:timing>
+    <p:tnLst>
+      <p:par>
+        <p:cTn id="1" dur="indefinite" restart="never" nodeType="tmRoot"/>
+      </p:par>
+    </p:tnLst>
+  </p:timing>
+</p:sld>
+</file>
+
+<file path=ppt/slides/slide15.xml><?xml version="1.0" encoding="utf-8"?>
+<p:sld xmlns:r="http://schemas.openxmlformats.org/officeDocument/2006/relationships" xmlns:c="http://schemas.openxmlformats.org/drawingml/2006/chart" xmlns:a="http://schemas.openxmlformats.org/drawingml/2006/main" xmlns:dgm="http://schemas.openxmlformats.org/drawingml/2006/diagram" xmlns:dsp="http://schemas.microsoft.com/office/drawing/2008/diagram" xmlns:p="http://schemas.openxmlformats.org/presentationml/2006/main">
+  <p:cSld>
+    <p:spTree>
+      <p:nvGrpSpPr>
+        <p:cNvPr id="1" name=""/>
+        <p:cNvGrpSpPr/>
+        <p:nvPr/>
+      </p:nvGrpSpPr>
+      <p:grpSpPr>
+        <a:xfrm>
+          <a:off x="0" y="0"/>
+          <a:ext cx="0" cy="0"/>
+          <a:chOff x="0" y="0"/>
+          <a:chExt cx="0" cy="0"/>
+        </a:xfrm>
+      </p:grpSpPr>
+      <p:sp>
+        <p:nvSpPr>
+          <p:cNvPr id="39" name="직사각형 38"/>
+          <p:cNvSpPr/>
+          <p:nvPr/>
+        </p:nvSpPr>
+        <p:spPr>
+          <a:xfrm>
+            <a:off x="720000" y="1049009"/>
+            <a:ext cx="5760000" cy="108000"/>
+          </a:xfrm>
+          <a:prstGeom prst="rect">
+            <a:avLst/>
+          </a:prstGeom>
+          <a:solidFill>
+            <a:schemeClr val="bg2">
+              <a:lumMod val="90000"/>
+            </a:schemeClr>
+          </a:solidFill>
+          <a:ln>
+            <a:noFill/>
+          </a:ln>
+        </p:spPr>
+        <p:style>
+          <a:lnRef idx="2">
+            <a:schemeClr val="accent1">
+              <a:shade val="50000"/>
+            </a:schemeClr>
+          </a:lnRef>
+          <a:fillRef idx="1">
+            <a:schemeClr val="accent1"/>
+          </a:fillRef>
+          <a:effectRef idx="0">
+            <a:schemeClr val="accent1"/>
+          </a:effectRef>
+          <a:fontRef idx="minor">
+            <a:schemeClr val="lt1"/>
+          </a:fontRef>
+        </p:style>
+        <p:txBody>
+          <a:bodyPr anchor="ctr"/>
+          <a:lstStyle/>
+          <a:p>
+            <a:pPr lvl="0" algn="ctr">
+              <a:defRPr/>
+            </a:pPr>
+            <a:endParaRPr lang="ko-KR" altLang="en-US"/>
+          </a:p>
+        </p:txBody>
+      </p:sp>
+      <p:sp>
+        <p:nvSpPr>
+          <p:cNvPr id="40" name="직사각형 39"/>
+          <p:cNvSpPr/>
+          <p:nvPr/>
+        </p:nvSpPr>
+        <p:spPr>
+          <a:xfrm>
+            <a:off x="0" y="1049009"/>
+            <a:ext cx="720000" cy="108000"/>
+          </a:xfrm>
+          <a:prstGeom prst="rect">
+            <a:avLst/>
+          </a:prstGeom>
+          <a:solidFill>
+            <a:schemeClr val="bg1">
+              <a:lumMod val="50000"/>
+            </a:schemeClr>
+          </a:solidFill>
+          <a:ln>
+            <a:noFill/>
+          </a:ln>
+        </p:spPr>
+        <p:style>
+          <a:lnRef idx="2">
+            <a:schemeClr val="accent1">
+              <a:shade val="50000"/>
+            </a:schemeClr>
+          </a:lnRef>
+          <a:fillRef idx="1">
+            <a:schemeClr val="accent1"/>
+          </a:fillRef>
+          <a:effectRef idx="0">
+            <a:schemeClr val="accent1"/>
+          </a:effectRef>
+          <a:fontRef idx="minor">
+            <a:schemeClr val="lt1"/>
+          </a:fontRef>
+        </p:style>
+        <p:txBody>
+          <a:bodyPr anchor="ctr"/>
+          <a:lstStyle/>
+          <a:p>
+            <a:pPr lvl="0" algn="ctr">
+              <a:defRPr/>
+            </a:pPr>
+            <a:endParaRPr lang="ko-KR" altLang="en-US"/>
+          </a:p>
+        </p:txBody>
+      </p:sp>
+      <p:sp>
+        <p:nvSpPr>
+          <p:cNvPr id="6" name="TextBox 5"/>
+          <p:cNvSpPr txBox="1"/>
+          <p:nvPr/>
+        </p:nvSpPr>
+        <p:spPr>
+          <a:xfrm>
+            <a:off x="838200" y="367725"/>
+            <a:ext cx="1739579" cy="584775"/>
+          </a:xfrm>
+          <a:prstGeom prst="rect">
+            <a:avLst/>
+          </a:prstGeom>
+          <a:noFill/>
+        </p:spPr>
+        <p:txBody>
+          <a:bodyPr wrap="none">
+            <a:spAutoFit/>
+          </a:bodyPr>
+          <a:lstStyle/>
+          <a:p>
+            <a:pPr lvl="0">
+              <a:defRPr/>
+            </a:pPr>
+            <a:r>
+              <a:rPr lang="ko-KR" altLang="en-US" sz="3200" spc="-300">
+                <a:solidFill>
+                  <a:schemeClr val="accent4">
+                    <a:lumMod val="50000"/>
+                  </a:schemeClr>
+                </a:solidFill>
+              </a:rPr>
+              <a:t>기능  구현 </a:t>
+            </a:r>
+            <a:endParaRPr lang="ko-KR" altLang="en-US" sz="3200" spc="-300">
+              <a:solidFill>
+                <a:schemeClr val="accent4">
+                  <a:lumMod val="50000"/>
+                </a:schemeClr>
+              </a:solidFill>
+            </a:endParaRPr>
+          </a:p>
+        </p:txBody>
+      </p:sp>
+      <p:sp>
+        <p:nvSpPr>
+          <p:cNvPr id="7" name="TextBox 6"/>
+          <p:cNvSpPr txBox="1"/>
+          <p:nvPr/>
+        </p:nvSpPr>
+        <p:spPr>
+          <a:xfrm>
+            <a:off x="146685" y="197703"/>
+            <a:ext cx="536446" cy="819567"/>
+          </a:xfrm>
+          <a:prstGeom prst="rect">
+            <a:avLst/>
+          </a:prstGeom>
+          <a:noFill/>
+        </p:spPr>
+        <p:txBody>
+          <a:bodyPr wrap="none">
+            <a:spAutoFit/>
+          </a:bodyPr>
+          <a:lstStyle/>
+          <a:p>
+            <a:pPr lvl="0">
+              <a:defRPr/>
+            </a:pPr>
+            <a:r>
+              <a:rPr lang="en-US" altLang="ko-KR" sz="4800" b="1">
+                <a:solidFill>
+                  <a:schemeClr val="tx1">
+                    <a:lumMod val="75000"/>
+                    <a:lumOff val="25000"/>
+                  </a:schemeClr>
+                </a:solidFill>
+              </a:rPr>
+              <a:t>5</a:t>
+            </a:r>
+            <a:endParaRPr lang="en-US" altLang="ko-KR" sz="4800" b="1">
+              <a:solidFill>
+                <a:schemeClr val="tx1">
+                  <a:lumMod val="75000"/>
+                  <a:lumOff val="25000"/>
+                </a:schemeClr>
+              </a:solidFill>
+            </a:endParaRPr>
+          </a:p>
+        </p:txBody>
+      </p:sp>
+    </p:spTree>
+    <p:extLst>
+      <p:ext uri="{BB962C8B-B14F-4D97-AF65-F5344CB8AC3E}">
+        <p14:creationId xmlns:p14="http://schemas.microsoft.com/office/powerpoint/2010/main" val="2326217833"/>
+      </p:ext>
+    </p:extLst>
+  </p:cSld>
+  <p:clrMapOvr>
+    <a:masterClrMapping/>
+  </p:clrMapOvr>
+  <p:timing>
+    <p:tnLst>
+      <p:par>
+        <p:cTn id="1" dur="indefinite" restart="never" nodeType="tmRoot"/>
+      </p:par>
+    </p:tnLst>
+  </p:timing>
+</p:sld>
+</file>
+
+<file path=ppt/slides/slide16.xml><?xml version="1.0" encoding="utf-8"?>
+<p:sld xmlns:r="http://schemas.openxmlformats.org/officeDocument/2006/relationships" xmlns:c="http://schemas.openxmlformats.org/drawingml/2006/chart" xmlns:a="http://schemas.openxmlformats.org/drawingml/2006/main" xmlns:dgm="http://schemas.openxmlformats.org/drawingml/2006/diagram" xmlns:dsp="http://schemas.microsoft.com/office/drawing/2008/diagram" xmlns:p="http://schemas.openxmlformats.org/presentationml/2006/main">
+  <p:cSld>
+    <p:spTree>
+      <p:nvGrpSpPr>
+        <p:cNvPr id="1" name=""/>
+        <p:cNvGrpSpPr/>
+        <p:nvPr/>
+      </p:nvGrpSpPr>
+      <p:grpSpPr>
+        <a:xfrm>
+          <a:off x="0" y="0"/>
+          <a:ext cx="0" cy="0"/>
+          <a:chOff x="0" y="0"/>
+          <a:chExt cx="0" cy="0"/>
+        </a:xfrm>
+      </p:grpSpPr>
+      <p:sp>
+        <p:nvSpPr>
+          <p:cNvPr id="39" name="직사각형 38"/>
+          <p:cNvSpPr/>
+          <p:nvPr/>
+        </p:nvSpPr>
+        <p:spPr>
+          <a:xfrm>
+            <a:off x="720000" y="1049009"/>
+            <a:ext cx="5760000" cy="108000"/>
+          </a:xfrm>
+          <a:prstGeom prst="rect">
+            <a:avLst/>
+          </a:prstGeom>
+          <a:solidFill>
+            <a:schemeClr val="bg2">
+              <a:lumMod val="90000"/>
+            </a:schemeClr>
+          </a:solidFill>
+          <a:ln>
+            <a:noFill/>
+          </a:ln>
+        </p:spPr>
+        <p:style>
+          <a:lnRef idx="2">
+            <a:schemeClr val="accent1">
+              <a:shade val="50000"/>
+            </a:schemeClr>
+          </a:lnRef>
+          <a:fillRef idx="1">
+            <a:schemeClr val="accent1"/>
+          </a:fillRef>
+          <a:effectRef idx="0">
+            <a:schemeClr val="accent1"/>
+          </a:effectRef>
+          <a:fontRef idx="minor">
+            <a:schemeClr val="lt1"/>
+          </a:fontRef>
+        </p:style>
+        <p:txBody>
+          <a:bodyPr anchor="ctr"/>
+          <a:lstStyle/>
+          <a:p>
+            <a:pPr lvl="0" algn="ctr">
+              <a:defRPr/>
+            </a:pPr>
+            <a:endParaRPr lang="ko-KR" altLang="en-US"/>
+          </a:p>
+        </p:txBody>
+      </p:sp>
+      <p:sp>
+        <p:nvSpPr>
+          <p:cNvPr id="40" name="직사각형 39"/>
+          <p:cNvSpPr/>
+          <p:nvPr/>
+        </p:nvSpPr>
+        <p:spPr>
+          <a:xfrm>
+            <a:off x="0" y="1049009"/>
+            <a:ext cx="720000" cy="108000"/>
+          </a:xfrm>
+          <a:prstGeom prst="rect">
+            <a:avLst/>
+          </a:prstGeom>
+          <a:solidFill>
+            <a:schemeClr val="bg1">
+              <a:lumMod val="50000"/>
+            </a:schemeClr>
+          </a:solidFill>
+          <a:ln>
+            <a:noFill/>
+          </a:ln>
+        </p:spPr>
+        <p:style>
+          <a:lnRef idx="2">
+            <a:schemeClr val="accent1">
+              <a:shade val="50000"/>
+            </a:schemeClr>
+          </a:lnRef>
+          <a:fillRef idx="1">
+            <a:schemeClr val="accent1"/>
+          </a:fillRef>
+          <a:effectRef idx="0">
+            <a:schemeClr val="accent1"/>
+          </a:effectRef>
+          <a:fontRef idx="minor">
+            <a:schemeClr val="lt1"/>
+          </a:fontRef>
+        </p:style>
+        <p:txBody>
+          <a:bodyPr anchor="ctr"/>
+          <a:lstStyle/>
+          <a:p>
+            <a:pPr lvl="0" algn="ctr">
+              <a:defRPr/>
+            </a:pPr>
+            <a:endParaRPr lang="ko-KR" altLang="en-US"/>
+          </a:p>
+        </p:txBody>
+      </p:sp>
+      <p:sp>
+        <p:nvSpPr>
+          <p:cNvPr id="6" name="TextBox 5"/>
+          <p:cNvSpPr txBox="1"/>
+          <p:nvPr/>
+        </p:nvSpPr>
+        <p:spPr>
+          <a:xfrm>
+            <a:off x="838200" y="367725"/>
+            <a:ext cx="1739579" cy="584775"/>
+          </a:xfrm>
+          <a:prstGeom prst="rect">
+            <a:avLst/>
+          </a:prstGeom>
+          <a:noFill/>
+        </p:spPr>
+        <p:txBody>
+          <a:bodyPr wrap="none">
+            <a:spAutoFit/>
+          </a:bodyPr>
+          <a:lstStyle/>
+          <a:p>
+            <a:pPr lvl="0">
+              <a:defRPr/>
+            </a:pPr>
+            <a:r>
+              <a:rPr lang="ko-KR" altLang="en-US" sz="3200" spc="-300">
+                <a:solidFill>
+                  <a:schemeClr val="accent4">
+                    <a:lumMod val="50000"/>
+                  </a:schemeClr>
+                </a:solidFill>
+              </a:rPr>
+              <a:t>기능  구현 </a:t>
+            </a:r>
+            <a:endParaRPr lang="ko-KR" altLang="en-US" sz="3200" spc="-300">
+              <a:solidFill>
+                <a:schemeClr val="accent4">
+                  <a:lumMod val="50000"/>
+                </a:schemeClr>
+              </a:solidFill>
+            </a:endParaRPr>
+          </a:p>
+        </p:txBody>
+      </p:sp>
+      <p:sp>
+        <p:nvSpPr>
+          <p:cNvPr id="7" name="TextBox 6"/>
+          <p:cNvSpPr txBox="1"/>
+          <p:nvPr/>
+        </p:nvSpPr>
+        <p:spPr>
+          <a:xfrm>
+            <a:off x="146685" y="197703"/>
+            <a:ext cx="536446" cy="819567"/>
+          </a:xfrm>
+          <a:prstGeom prst="rect">
+            <a:avLst/>
+          </a:prstGeom>
+          <a:noFill/>
+        </p:spPr>
+        <p:txBody>
+          <a:bodyPr wrap="none">
+            <a:spAutoFit/>
+          </a:bodyPr>
+          <a:lstStyle/>
+          <a:p>
+            <a:pPr lvl="0">
+              <a:defRPr/>
+            </a:pPr>
+            <a:r>
+              <a:rPr lang="en-US" altLang="ko-KR" sz="4800" b="1">
+                <a:solidFill>
+                  <a:schemeClr val="tx1">
+                    <a:lumMod val="75000"/>
+                    <a:lumOff val="25000"/>
+                  </a:schemeClr>
+                </a:solidFill>
+              </a:rPr>
+              <a:t>5</a:t>
+            </a:r>
+            <a:endParaRPr lang="en-US" altLang="ko-KR" sz="4800" b="1">
+              <a:solidFill>
+                <a:schemeClr val="tx1">
+                  <a:lumMod val="75000"/>
+                  <a:lumOff val="25000"/>
+                </a:schemeClr>
+              </a:solidFill>
+            </a:endParaRPr>
+          </a:p>
+        </p:txBody>
+      </p:sp>
+    </p:spTree>
+    <p:extLst>
+      <p:ext uri="{BB962C8B-B14F-4D97-AF65-F5344CB8AC3E}">
+        <p14:creationId xmlns:p14="http://schemas.microsoft.com/office/powerpoint/2010/main" val="3148378138"/>
+      </p:ext>
+    </p:extLst>
+  </p:cSld>
+  <p:clrMapOvr>
+    <a:masterClrMapping/>
+  </p:clrMapOvr>
+  <p:timing>
+    <p:tnLst>
+      <p:par>
+        <p:cTn id="1" dur="indefinite" restart="never" nodeType="tmRoot"/>
+      </p:par>
+    </p:tnLst>
+  </p:timing>
+</p:sld>
+</file>
+
+<file path=ppt/slides/slide17.xml><?xml version="1.0" encoding="utf-8"?>
+<p:sld xmlns:r="http://schemas.openxmlformats.org/officeDocument/2006/relationships" xmlns:c="http://schemas.openxmlformats.org/drawingml/2006/chart" xmlns:a="http://schemas.openxmlformats.org/drawingml/2006/main" xmlns:dgm="http://schemas.openxmlformats.org/drawingml/2006/diagram" xmlns:dsp="http://schemas.microsoft.com/office/drawing/2008/diagram" xmlns:p="http://schemas.openxmlformats.org/presentationml/2006/main">
+  <p:cSld>
+    <p:spTree>
+      <p:nvGrpSpPr>
+        <p:cNvPr id="1" name=""/>
+        <p:cNvGrpSpPr/>
+        <p:nvPr/>
+      </p:nvGrpSpPr>
+      <p:grpSpPr>
+        <a:xfrm>
+          <a:off x="0" y="0"/>
+          <a:ext cx="0" cy="0"/>
+          <a:chOff x="0" y="0"/>
+          <a:chExt cx="0" cy="0"/>
+        </a:xfrm>
+      </p:grpSpPr>
+      <p:sp>
+        <p:nvSpPr>
+          <p:cNvPr id="39" name="직사각형 38"/>
+          <p:cNvSpPr/>
+          <p:nvPr/>
+        </p:nvSpPr>
+        <p:spPr>
+          <a:xfrm>
+            <a:off x="720000" y="1049009"/>
+            <a:ext cx="5760000" cy="108000"/>
+          </a:xfrm>
+          <a:prstGeom prst="rect">
+            <a:avLst/>
+          </a:prstGeom>
+          <a:solidFill>
+            <a:schemeClr val="bg2">
+              <a:lumMod val="90000"/>
+            </a:schemeClr>
+          </a:solidFill>
+          <a:ln>
+            <a:noFill/>
+          </a:ln>
+        </p:spPr>
+        <p:style>
+          <a:lnRef idx="2">
+            <a:schemeClr val="accent1">
+              <a:shade val="50000"/>
+            </a:schemeClr>
+          </a:lnRef>
+          <a:fillRef idx="1">
+            <a:schemeClr val="accent1"/>
+          </a:fillRef>
+          <a:effectRef idx="0">
+            <a:schemeClr val="accent1"/>
+          </a:effectRef>
+          <a:fontRef idx="minor">
+            <a:schemeClr val="lt1"/>
+          </a:fontRef>
+        </p:style>
+        <p:txBody>
+          <a:bodyPr anchor="ctr"/>
+          <a:lstStyle/>
+          <a:p>
+            <a:pPr lvl="0" algn="ctr">
+              <a:defRPr/>
+            </a:pPr>
+            <a:endParaRPr lang="ko-KR" altLang="en-US"/>
+          </a:p>
+        </p:txBody>
+      </p:sp>
+      <p:sp>
+        <p:nvSpPr>
+          <p:cNvPr id="40" name="직사각형 39"/>
+          <p:cNvSpPr/>
+          <p:nvPr/>
+        </p:nvSpPr>
+        <p:spPr>
+          <a:xfrm>
+            <a:off x="0" y="1049009"/>
+            <a:ext cx="720000" cy="108000"/>
+          </a:xfrm>
+          <a:prstGeom prst="rect">
+            <a:avLst/>
+          </a:prstGeom>
+          <a:solidFill>
+            <a:schemeClr val="bg1">
+              <a:lumMod val="50000"/>
+            </a:schemeClr>
+          </a:solidFill>
+          <a:ln>
+            <a:noFill/>
+          </a:ln>
+        </p:spPr>
+        <p:style>
+          <a:lnRef idx="2">
+            <a:schemeClr val="accent1">
+              <a:shade val="50000"/>
+            </a:schemeClr>
+          </a:lnRef>
+          <a:fillRef idx="1">
+            <a:schemeClr val="accent1"/>
+          </a:fillRef>
+          <a:effectRef idx="0">
+            <a:schemeClr val="accent1"/>
+          </a:effectRef>
+          <a:fontRef idx="minor">
+            <a:schemeClr val="lt1"/>
+          </a:fontRef>
+        </p:style>
+        <p:txBody>
+          <a:bodyPr anchor="ctr"/>
+          <a:lstStyle/>
+          <a:p>
+            <a:pPr lvl="0" algn="ctr">
+              <a:defRPr/>
+            </a:pPr>
+            <a:endParaRPr lang="ko-KR" altLang="en-US"/>
+          </a:p>
+        </p:txBody>
+      </p:sp>
+      <p:sp>
+        <p:nvSpPr>
+          <p:cNvPr id="6" name="TextBox 5"/>
+          <p:cNvSpPr txBox="1"/>
+          <p:nvPr/>
+        </p:nvSpPr>
+        <p:spPr>
+          <a:xfrm>
+            <a:off x="838200" y="367725"/>
+            <a:ext cx="1739579" cy="584775"/>
+          </a:xfrm>
+          <a:prstGeom prst="rect">
+            <a:avLst/>
+          </a:prstGeom>
+          <a:noFill/>
+        </p:spPr>
+        <p:txBody>
+          <a:bodyPr wrap="none">
+            <a:spAutoFit/>
+          </a:bodyPr>
+          <a:lstStyle/>
+          <a:p>
+            <a:pPr lvl="0">
+              <a:defRPr/>
+            </a:pPr>
+            <a:r>
+              <a:rPr lang="ko-KR" altLang="en-US" sz="3200" spc="-300">
+                <a:solidFill>
+                  <a:schemeClr val="accent4">
+                    <a:lumMod val="50000"/>
+                  </a:schemeClr>
+                </a:solidFill>
+              </a:rPr>
+              <a:t>기능  구현 </a:t>
+            </a:r>
+            <a:endParaRPr lang="ko-KR" altLang="en-US" sz="3200" spc="-300">
+              <a:solidFill>
+                <a:schemeClr val="accent4">
+                  <a:lumMod val="50000"/>
+                </a:schemeClr>
+              </a:solidFill>
+            </a:endParaRPr>
+          </a:p>
+        </p:txBody>
+      </p:sp>
+      <p:sp>
+        <p:nvSpPr>
+          <p:cNvPr id="7" name="TextBox 6"/>
+          <p:cNvSpPr txBox="1"/>
+          <p:nvPr/>
+        </p:nvSpPr>
+        <p:spPr>
+          <a:xfrm>
+            <a:off x="146685" y="197703"/>
+            <a:ext cx="536446" cy="819567"/>
+          </a:xfrm>
+          <a:prstGeom prst="rect">
+            <a:avLst/>
+          </a:prstGeom>
+          <a:noFill/>
+        </p:spPr>
+        <p:txBody>
+          <a:bodyPr wrap="none">
+            <a:spAutoFit/>
+          </a:bodyPr>
+          <a:lstStyle/>
+          <a:p>
+            <a:pPr lvl="0">
+              <a:defRPr/>
+            </a:pPr>
+            <a:r>
+              <a:rPr lang="en-US" altLang="ko-KR" sz="4800" b="1">
+                <a:solidFill>
+                  <a:schemeClr val="tx1">
+                    <a:lumMod val="75000"/>
+                    <a:lumOff val="25000"/>
+                  </a:schemeClr>
+                </a:solidFill>
+              </a:rPr>
+              <a:t>5</a:t>
+            </a:r>
+            <a:endParaRPr lang="en-US" altLang="ko-KR" sz="4800" b="1">
+              <a:solidFill>
+                <a:schemeClr val="tx1">
+                  <a:lumMod val="75000"/>
+                  <a:lumOff val="25000"/>
+                </a:schemeClr>
+              </a:solidFill>
+            </a:endParaRPr>
+          </a:p>
+        </p:txBody>
+      </p:sp>
+    </p:spTree>
+    <p:extLst>
+      <p:ext uri="{BB962C8B-B14F-4D97-AF65-F5344CB8AC3E}">
+        <p14:creationId xmlns:p14="http://schemas.microsoft.com/office/powerpoint/2010/main" val="3648176298"/>
+      </p:ext>
+    </p:extLst>
+  </p:cSld>
+  <p:clrMapOvr>
+    <a:masterClrMapping/>
+  </p:clrMapOvr>
+  <p:timing>
+    <p:tnLst>
+      <p:par>
+        <p:cTn id="1" dur="indefinite" restart="never" nodeType="tmRoot"/>
+      </p:par>
+    </p:tnLst>
+  </p:timing>
+</p:sld>
+</file>
+
+<file path=ppt/slides/slide18.xml><?xml version="1.0" encoding="utf-8"?>
+<p:sld xmlns:r="http://schemas.openxmlformats.org/officeDocument/2006/relationships" xmlns:c="http://schemas.openxmlformats.org/drawingml/2006/chart" xmlns:a="http://schemas.openxmlformats.org/drawingml/2006/main" xmlns:dgm="http://schemas.openxmlformats.org/drawingml/2006/diagram" xmlns:dsp="http://schemas.microsoft.com/office/drawing/2008/diagram" xmlns:p="http://schemas.openxmlformats.org/presentationml/2006/main">
+  <p:cSld>
+    <p:spTree>
+      <p:nvGrpSpPr>
+        <p:cNvPr id="1" name=""/>
+        <p:cNvGrpSpPr/>
+        <p:nvPr/>
+      </p:nvGrpSpPr>
+      <p:grpSpPr>
+        <a:xfrm>
+          <a:off x="0" y="0"/>
+          <a:ext cx="0" cy="0"/>
+          <a:chOff x="0" y="0"/>
+          <a:chExt cx="0" cy="0"/>
+        </a:xfrm>
+      </p:grpSpPr>
+      <p:sp>
+        <p:nvSpPr>
+          <p:cNvPr id="39" name="직사각형 38">
+            <a:extLst>
+              <a:ext uri="{FF2B5EF4-FFF2-40B4-BE49-F238E27FC236}">
+                <a16:creationId xmlns:a16="http://schemas.microsoft.com/office/drawing/2014/main" id="{8F6FC153-1422-1251-C1CB-11A8462CAC1F}"/>
+              </a:ext>
+            </a:extLst>
+          </p:cNvPr>
+          <p:cNvSpPr/>
+          <p:nvPr/>
+        </p:nvSpPr>
+        <p:spPr>
+          <a:xfrm>
+            <a:off x="720000" y="1049009"/>
+            <a:ext cx="5760000" cy="108000"/>
+          </a:xfrm>
+          <a:prstGeom prst="rect">
+            <a:avLst/>
+          </a:prstGeom>
+          <a:solidFill>
+            <a:schemeClr val="bg2">
+              <a:lumMod val="90000"/>
+            </a:schemeClr>
+          </a:solidFill>
+          <a:ln>
+            <a:noFill/>
+          </a:ln>
+        </p:spPr>
+        <p:style>
+          <a:lnRef idx="2">
+            <a:schemeClr val="accent1">
+              <a:shade val="50000"/>
+            </a:schemeClr>
+          </a:lnRef>
+          <a:fillRef idx="1">
+            <a:schemeClr val="accent1"/>
+          </a:fillRef>
+          <a:effectRef idx="0">
+            <a:schemeClr val="accent1"/>
+          </a:effectRef>
+          <a:fontRef idx="minor">
+            <a:schemeClr val="lt1"/>
+          </a:fontRef>
+        </p:style>
+        <p:txBody>
+          <a:bodyPr rtlCol="0" anchor="ctr"/>
+          <a:lstStyle/>
+          <a:p>
+            <a:pPr algn="ctr"/>
+            <a:endParaRPr lang="ko-KR" altLang="en-US"/>
+          </a:p>
+        </p:txBody>
+      </p:sp>
+      <p:sp>
+        <p:nvSpPr>
+          <p:cNvPr id="40" name="직사각형 39">
+            <a:extLst>
+              <a:ext uri="{FF2B5EF4-FFF2-40B4-BE49-F238E27FC236}">
+                <a16:creationId xmlns:a16="http://schemas.microsoft.com/office/drawing/2014/main" id="{383BE435-4A4C-0797-D09B-7BB8406D0730}"/>
+              </a:ext>
+            </a:extLst>
+          </p:cNvPr>
+          <p:cNvSpPr/>
+          <p:nvPr/>
+        </p:nvSpPr>
+        <p:spPr>
+          <a:xfrm>
+            <a:off x="0" y="1049009"/>
+            <a:ext cx="720000" cy="108000"/>
+          </a:xfrm>
+          <a:prstGeom prst="rect">
+            <a:avLst/>
+          </a:prstGeom>
+          <a:solidFill>
+            <a:schemeClr val="bg1">
+              <a:lumMod val="50000"/>
+            </a:schemeClr>
+          </a:solidFill>
+          <a:ln>
+            <a:noFill/>
+          </a:ln>
+        </p:spPr>
+        <p:style>
+          <a:lnRef idx="2">
+            <a:schemeClr val="accent1">
+              <a:shade val="50000"/>
+            </a:schemeClr>
+          </a:lnRef>
+          <a:fillRef idx="1">
+            <a:schemeClr val="accent1"/>
+          </a:fillRef>
+          <a:effectRef idx="0">
+            <a:schemeClr val="accent1"/>
+          </a:effectRef>
+          <a:fontRef idx="minor">
+            <a:schemeClr val="lt1"/>
+          </a:fontRef>
+        </p:style>
+        <p:txBody>
+          <a:bodyPr rtlCol="0" anchor="ctr"/>
+          <a:lstStyle/>
+          <a:p>
+            <a:pPr algn="ctr"/>
+            <a:endParaRPr lang="ko-KR" altLang="en-US"/>
+          </a:p>
+        </p:txBody>
+      </p:sp>
+      <p:sp>
+        <p:nvSpPr>
+          <p:cNvPr id="41" name="TextBox 40">
+            <a:extLst>
+              <a:ext uri="{FF2B5EF4-FFF2-40B4-BE49-F238E27FC236}">
+                <a16:creationId xmlns:a16="http://schemas.microsoft.com/office/drawing/2014/main" id="{B1597C43-05DC-F61A-33A0-883C35C8AD60}"/>
+              </a:ext>
+            </a:extLst>
+          </p:cNvPr>
+          <p:cNvSpPr txBox="1"/>
+          <p:nvPr/>
+        </p:nvSpPr>
+        <p:spPr>
+          <a:xfrm>
+            <a:off x="838200" y="367725"/>
+            <a:ext cx="934871" cy="584775"/>
+          </a:xfrm>
+          <a:prstGeom prst="rect">
+            <a:avLst/>
+          </a:prstGeom>
+          <a:noFill/>
+        </p:spPr>
+        <p:txBody>
+          <a:bodyPr wrap="none" rtlCol="0">
+            <a:spAutoFit/>
+          </a:bodyPr>
+          <a:lstStyle/>
+          <a:p>
+            <a:r>
+              <a:rPr lang="ko-KR" altLang="en-US" sz="3200" spc="-300" dirty="0" smtClean="0">
+                <a:solidFill>
+                  <a:schemeClr val="accent4">
+                    <a:lumMod val="50000"/>
+                  </a:schemeClr>
+                </a:solidFill>
+              </a:rPr>
+              <a:t>총평 </a:t>
+            </a:r>
+            <a:endParaRPr lang="ko-KR" altLang="en-US" sz="3200" spc="-300" dirty="0">
+              <a:solidFill>
+                <a:schemeClr val="accent4">
+                  <a:lumMod val="50000"/>
+                </a:schemeClr>
+              </a:solidFill>
+            </a:endParaRPr>
+          </a:p>
+        </p:txBody>
+      </p:sp>
+      <p:sp>
+        <p:nvSpPr>
+          <p:cNvPr id="43" name="TextBox 42"/>
+          <p:cNvSpPr txBox="1"/>
+          <p:nvPr/>
+        </p:nvSpPr>
+        <p:spPr>
+          <a:xfrm>
+            <a:off x="146685" y="197703"/>
+            <a:ext cx="536446" cy="819567"/>
+          </a:xfrm>
+          <a:prstGeom prst="rect">
+            <a:avLst/>
+          </a:prstGeom>
+          <a:noFill/>
+        </p:spPr>
+        <p:txBody>
+          <a:bodyPr wrap="none">
+            <a:spAutoFit/>
+          </a:bodyPr>
+          <a:lstStyle/>
+          <a:p>
+            <a:pPr lvl="0">
+              <a:defRPr/>
+            </a:pPr>
+            <a:r>
+              <a:rPr lang="en-US" altLang="ko-KR" sz="4800" b="1">
+                <a:solidFill>
+                  <a:schemeClr val="tx1">
+                    <a:lumMod val="75000"/>
+                    <a:lumOff val="25000"/>
+                  </a:schemeClr>
+                </a:solidFill>
+              </a:rPr>
+              <a:t>6</a:t>
+            </a:r>
+            <a:endParaRPr lang="en-US" altLang="ko-KR" sz="4800" b="1">
+              <a:solidFill>
+                <a:schemeClr val="tx1">
+                  <a:lumMod val="75000"/>
+                  <a:lumOff val="25000"/>
+                </a:schemeClr>
+              </a:solidFill>
+            </a:endParaRPr>
+          </a:p>
+        </p:txBody>
+      </p:sp>
+    </p:spTree>
+    <p:extLst>
+      <p:ext uri="{BB962C8B-B14F-4D97-AF65-F5344CB8AC3E}">
+        <p14:creationId xmlns:p14="http://schemas.microsoft.com/office/powerpoint/2010/main" val="4277603870"/>
+      </p:ext>
+    </p:extLst>
+  </p:cSld>
+  <p:clrMapOvr>
+    <a:masterClrMapping/>
+  </p:clrMapOvr>
+  <p:timing>
+    <p:tnLst>
+      <p:par>
+        <p:cTn id="1" dur="indefinite" restart="never" nodeType="tmRoot"/>
+      </p:par>
+    </p:tnLst>
+  </p:timing>
+</p:sld>
+</file>
+
+<file path=ppt/slides/slide19.xml><?xml version="1.0" encoding="utf-8"?>
 <p:sld xmlns:a="http://schemas.openxmlformats.org/drawingml/2006/main" xmlns:r="http://schemas.openxmlformats.org/officeDocument/2006/relationships" xmlns:p="http://schemas.openxmlformats.org/presentationml/2006/main">
   <p:cSld>
     <p:spTree>
@@ -5919,7 +8053,7 @@
 </file>
 
 <file path=ppt/slides/slide2.xml><?xml version="1.0" encoding="utf-8"?>
-<p:sld xmlns:a="http://schemas.openxmlformats.org/drawingml/2006/main" xmlns:r="http://schemas.openxmlformats.org/officeDocument/2006/relationships" xmlns:p="http://schemas.openxmlformats.org/presentationml/2006/main">
+<p:sld xmlns:r="http://schemas.openxmlformats.org/officeDocument/2006/relationships" xmlns:c="http://schemas.openxmlformats.org/drawingml/2006/chart" xmlns:a="http://schemas.openxmlformats.org/drawingml/2006/main" xmlns:dgm="http://schemas.openxmlformats.org/drawingml/2006/diagram" xmlns:dsp="http://schemas.microsoft.com/office/drawing/2008/diagram" xmlns:p="http://schemas.openxmlformats.org/presentationml/2006/main">
   <p:cSld>
     <p:spTree>
       <p:nvGrpSpPr>
@@ -6030,19 +8164,13 @@
       </p:pic>
       <p:sp>
         <p:nvSpPr>
-          <p:cNvPr id="13" name="타원 12">
-            <a:extLst>
-              <a:ext uri="{FF2B5EF4-FFF2-40B4-BE49-F238E27FC236}">
-                <a16:creationId xmlns:a16="http://schemas.microsoft.com/office/drawing/2014/main" id="{4BBB6C1C-97E1-AA83-8CEB-A2A257050450}"/>
-              </a:ext>
-            </a:extLst>
-          </p:cNvPr>
+          <p:cNvPr id="13" name="타원 12"/>
           <p:cNvSpPr/>
           <p:nvPr/>
         </p:nvSpPr>
         <p:spPr>
           <a:xfrm>
-            <a:off x="8610600" y="2420120"/>
+            <a:off x="8718069" y="2444470"/>
             <a:ext cx="838200" cy="838200"/>
           </a:xfrm>
           <a:prstGeom prst="ellipse">
@@ -6078,12 +8206,14 @@
           </a:fontRef>
         </p:style>
         <p:txBody>
-          <a:bodyPr rtlCol="0" anchor="ctr"/>
+          <a:bodyPr anchor="ctr"/>
           <a:lstStyle/>
           <a:p>
-            <a:pPr algn="ctr"/>
+            <a:pPr lvl="0" algn="ctr">
+              <a:defRPr/>
+            </a:pPr>
             <a:r>
-              <a:rPr lang="en-US" altLang="ko-KR" sz="3600" b="1" dirty="0">
+              <a:rPr lang="en-US" altLang="ko-KR" sz="3600" b="1">
                 <a:solidFill>
                   <a:schemeClr val="tx1">
                     <a:lumMod val="65000"/>
@@ -6093,7 +8223,7 @@
               </a:rPr>
               <a:t>1</a:t>
             </a:r>
-            <a:endParaRPr lang="ko-KR" altLang="en-US" sz="3600" b="1" dirty="0">
+            <a:endParaRPr lang="ko-KR" altLang="en-US" sz="3600" b="1">
               <a:solidFill>
                 <a:schemeClr val="tx1">
                   <a:lumMod val="65000"/>
@@ -6106,10 +8236,10 @@
       </p:sp>
       <p:sp>
         <p:nvSpPr>
-          <p:cNvPr id="20" name="타원 19">
+          <p:cNvPr id="24" name="직사각형 23">
             <a:extLst>
               <a:ext uri="{FF2B5EF4-FFF2-40B4-BE49-F238E27FC236}">
-                <a16:creationId xmlns:a16="http://schemas.microsoft.com/office/drawing/2014/main" id="{9B0B49F8-1BB3-4CF6-C008-1704D9A76C47}"/>
+                <a16:creationId xmlns:a16="http://schemas.microsoft.com/office/drawing/2014/main" id="{E3D8A3C9-7119-F9D5-0EB4-B17F8BB0AB40}"/>
               </a:ext>
             </a:extLst>
           </p:cNvPr>
@@ -6118,7 +8248,130 @@
         </p:nvSpPr>
         <p:spPr>
           <a:xfrm>
-            <a:off x="8610600" y="3891685"/>
+            <a:off x="7655560" y="1412906"/>
+            <a:ext cx="10632440" cy="142641"/>
+          </a:xfrm>
+          <a:prstGeom prst="rect">
+            <a:avLst/>
+          </a:prstGeom>
+          <a:solidFill>
+            <a:schemeClr val="tx1">
+              <a:lumMod val="65000"/>
+              <a:lumOff val="35000"/>
+            </a:schemeClr>
+          </a:solidFill>
+          <a:ln>
+            <a:noFill/>
+          </a:ln>
+        </p:spPr>
+        <p:style>
+          <a:lnRef idx="2">
+            <a:schemeClr val="accent1">
+              <a:shade val="50000"/>
+            </a:schemeClr>
+          </a:lnRef>
+          <a:fillRef idx="1">
+            <a:schemeClr val="accent1"/>
+          </a:fillRef>
+          <a:effectRef idx="0">
+            <a:schemeClr val="accent1"/>
+          </a:effectRef>
+          <a:fontRef idx="minor">
+            <a:schemeClr val="lt1"/>
+          </a:fontRef>
+        </p:style>
+        <p:txBody>
+          <a:bodyPr rtlCol="0" anchor="ctr"/>
+          <a:lstStyle/>
+          <a:p>
+            <a:pPr algn="ctr"/>
+            <a:endParaRPr lang="ko-KR" altLang="en-US"/>
+          </a:p>
+        </p:txBody>
+      </p:sp>
+      <p:sp>
+        <p:nvSpPr>
+          <p:cNvPr id="25" name="TextBox 24">
+            <a:extLst>
+              <a:ext uri="{FF2B5EF4-FFF2-40B4-BE49-F238E27FC236}">
+                <a16:creationId xmlns:a16="http://schemas.microsoft.com/office/drawing/2014/main" id="{4FDDBF1F-6472-3477-0134-788944E146B1}"/>
+              </a:ext>
+            </a:extLst>
+          </p:cNvPr>
+          <p:cNvSpPr txBox="1"/>
+          <p:nvPr/>
+        </p:nvSpPr>
+        <p:spPr>
+          <a:xfrm>
+            <a:off x="8001000" y="261467"/>
+            <a:ext cx="1877437" cy="1107996"/>
+          </a:xfrm>
+          <a:prstGeom prst="rect">
+            <a:avLst/>
+          </a:prstGeom>
+          <a:noFill/>
+        </p:spPr>
+        <p:txBody>
+          <a:bodyPr wrap="none" rtlCol="0">
+            <a:spAutoFit/>
+          </a:bodyPr>
+          <a:lstStyle/>
+          <a:p>
+            <a:r>
+              <a:rPr lang="ko-KR" altLang="en-US" sz="6600" b="1" dirty="0">
+                <a:solidFill>
+                  <a:schemeClr val="tx2">
+                    <a:lumMod val="50000"/>
+                  </a:schemeClr>
+                </a:solidFill>
+              </a:rPr>
+              <a:t>목차</a:t>
+            </a:r>
+          </a:p>
+        </p:txBody>
+      </p:sp>
+      <p:sp>
+        <p:nvSpPr>
+          <p:cNvPr id="18" name="TextBox 17"/>
+          <p:cNvSpPr txBox="1"/>
+          <p:nvPr/>
+        </p:nvSpPr>
+        <p:spPr>
+          <a:xfrm>
+            <a:off x="9923145" y="2625684"/>
+            <a:ext cx="1682115" cy="515661"/>
+          </a:xfrm>
+          <a:prstGeom prst="rect">
+            <a:avLst/>
+          </a:prstGeom>
+          <a:noFill/>
+        </p:spPr>
+        <p:txBody>
+          <a:bodyPr wrap="none">
+            <a:spAutoFit/>
+          </a:bodyPr>
+          <a:lstStyle/>
+          <a:p>
+            <a:pPr lvl="0">
+              <a:defRPr/>
+            </a:pPr>
+            <a:r>
+              <a:rPr lang="ko-KR" altLang="en-US" sz="2800"/>
+              <a:t>팀원 소개</a:t>
+            </a:r>
+            <a:endParaRPr lang="ko-KR" altLang="en-US" sz="2800"/>
+          </a:p>
+        </p:txBody>
+      </p:sp>
+      <p:sp>
+        <p:nvSpPr>
+          <p:cNvPr id="32" name="타원 31"/>
+          <p:cNvSpPr/>
+          <p:nvPr/>
+        </p:nvSpPr>
+        <p:spPr>
+          <a:xfrm>
+            <a:off x="8718069" y="3619500"/>
             <a:ext cx="838200" cy="838200"/>
           </a:xfrm>
           <a:prstGeom prst="ellipse">
@@ -6154,12 +8407,14 @@
           </a:fontRef>
         </p:style>
         <p:txBody>
-          <a:bodyPr rtlCol="0" anchor="ctr"/>
+          <a:bodyPr anchor="ctr"/>
           <a:lstStyle/>
           <a:p>
-            <a:pPr algn="ctr"/>
+            <a:pPr lvl="0" algn="ctr">
+              <a:defRPr/>
+            </a:pPr>
             <a:r>
-              <a:rPr lang="en-US" altLang="ko-KR" sz="3600" b="1" dirty="0">
+              <a:rPr lang="en-US" altLang="ko-KR" sz="3600" b="1">
                 <a:solidFill>
                   <a:schemeClr val="tx1">
                     <a:lumMod val="65000"/>
@@ -6169,7 +8424,7 @@
               </a:rPr>
               <a:t>2</a:t>
             </a:r>
-            <a:endParaRPr lang="ko-KR" altLang="en-US" sz="3600" b="1" dirty="0">
+            <a:endParaRPr lang="en-US" altLang="ko-KR" sz="3600" b="1">
               <a:solidFill>
                 <a:schemeClr val="tx1">
                   <a:lumMod val="65000"/>
@@ -6182,19 +8437,46 @@
       </p:sp>
       <p:sp>
         <p:nvSpPr>
-          <p:cNvPr id="21" name="타원 20">
-            <a:extLst>
-              <a:ext uri="{FF2B5EF4-FFF2-40B4-BE49-F238E27FC236}">
-                <a16:creationId xmlns:a16="http://schemas.microsoft.com/office/drawing/2014/main" id="{7825DF5D-1BC2-2396-7EA3-2CC772BCA07D}"/>
-              </a:ext>
-            </a:extLst>
-          </p:cNvPr>
+          <p:cNvPr id="33" name="TextBox 17"/>
+          <p:cNvSpPr txBox="1"/>
+          <p:nvPr/>
+        </p:nvSpPr>
+        <p:spPr>
+          <a:xfrm>
+            <a:off x="9919335" y="3800714"/>
+            <a:ext cx="1685925" cy="515661"/>
+          </a:xfrm>
+          <a:prstGeom prst="rect">
+            <a:avLst/>
+          </a:prstGeom>
+          <a:noFill/>
+        </p:spPr>
+        <p:txBody>
+          <a:bodyPr wrap="none">
+            <a:spAutoFit/>
+          </a:bodyPr>
+          <a:lstStyle/>
+          <a:p>
+            <a:pPr lvl="0">
+              <a:defRPr/>
+            </a:pPr>
+            <a:r>
+              <a:rPr lang="ko-KR" altLang="en-US" sz="2800"/>
+              <a:t>개발 목적</a:t>
+            </a:r>
+            <a:endParaRPr lang="ko-KR" altLang="en-US" sz="2800"/>
+          </a:p>
+        </p:txBody>
+      </p:sp>
+      <p:sp>
+        <p:nvSpPr>
+          <p:cNvPr id="34" name="타원 33"/>
           <p:cNvSpPr/>
           <p:nvPr/>
         </p:nvSpPr>
         <p:spPr>
           <a:xfrm>
-            <a:off x="8625840" y="5359635"/>
+            <a:off x="8718069" y="4838700"/>
             <a:ext cx="838200" cy="838200"/>
           </a:xfrm>
           <a:prstGeom prst="ellipse">
@@ -6230,12 +8512,14 @@
           </a:fontRef>
         </p:style>
         <p:txBody>
-          <a:bodyPr rtlCol="0" anchor="ctr"/>
+          <a:bodyPr anchor="ctr"/>
           <a:lstStyle/>
           <a:p>
-            <a:pPr algn="ctr"/>
+            <a:pPr lvl="0" algn="ctr">
+              <a:defRPr/>
+            </a:pPr>
             <a:r>
-              <a:rPr lang="en-US" altLang="ko-KR" sz="3600" b="1" dirty="0">
+              <a:rPr lang="en-US" altLang="ko-KR" sz="3600" b="1">
                 <a:solidFill>
                   <a:schemeClr val="tx1">
                     <a:lumMod val="65000"/>
@@ -6245,7 +8529,7 @@
               </a:rPr>
               <a:t>3</a:t>
             </a:r>
-            <a:endParaRPr lang="ko-KR" altLang="en-US" sz="3600" b="1" dirty="0">
+            <a:endParaRPr lang="en-US" altLang="ko-KR" sz="3600" b="1">
               <a:solidFill>
                 <a:schemeClr val="tx1">
                   <a:lumMod val="65000"/>
@@ -6258,19 +8542,46 @@
       </p:sp>
       <p:sp>
         <p:nvSpPr>
-          <p:cNvPr id="22" name="타원 21">
-            <a:extLst>
-              <a:ext uri="{FF2B5EF4-FFF2-40B4-BE49-F238E27FC236}">
-                <a16:creationId xmlns:a16="http://schemas.microsoft.com/office/drawing/2014/main" id="{45252B5A-E8AA-F433-E397-9DE333FD87E3}"/>
-              </a:ext>
-            </a:extLst>
-          </p:cNvPr>
+          <p:cNvPr id="35" name="TextBox 17"/>
+          <p:cNvSpPr txBox="1"/>
+          <p:nvPr/>
+        </p:nvSpPr>
+        <p:spPr>
+          <a:xfrm>
+            <a:off x="9919335" y="5019914"/>
+            <a:ext cx="1685925" cy="515661"/>
+          </a:xfrm>
+          <a:prstGeom prst="rect">
+            <a:avLst/>
+          </a:prstGeom>
+          <a:noFill/>
+        </p:spPr>
+        <p:txBody>
+          <a:bodyPr wrap="none">
+            <a:spAutoFit/>
+          </a:bodyPr>
+          <a:lstStyle/>
+          <a:p>
+            <a:pPr lvl="0">
+              <a:defRPr/>
+            </a:pPr>
+            <a:r>
+              <a:rPr lang="ko-KR" altLang="en-US" sz="2800"/>
+              <a:t>개발 환경</a:t>
+            </a:r>
+            <a:endParaRPr lang="ko-KR" altLang="en-US" sz="2800"/>
+          </a:p>
+        </p:txBody>
+      </p:sp>
+      <p:sp>
+        <p:nvSpPr>
+          <p:cNvPr id="36" name="타원 35"/>
           <p:cNvSpPr/>
           <p:nvPr/>
         </p:nvSpPr>
         <p:spPr>
           <a:xfrm>
-            <a:off x="8610600" y="6827585"/>
+            <a:off x="8718069" y="5981700"/>
             <a:ext cx="838200" cy="838200"/>
           </a:xfrm>
           <a:prstGeom prst="ellipse">
@@ -6306,12 +8617,14 @@
           </a:fontRef>
         </p:style>
         <p:txBody>
-          <a:bodyPr rtlCol="0" anchor="ctr"/>
+          <a:bodyPr anchor="ctr"/>
           <a:lstStyle/>
           <a:p>
-            <a:pPr algn="ctr"/>
+            <a:pPr lvl="0" algn="ctr">
+              <a:defRPr/>
+            </a:pPr>
             <a:r>
-              <a:rPr lang="en-US" altLang="ko-KR" sz="3600" b="1" dirty="0">
+              <a:rPr lang="en-US" altLang="ko-KR" sz="3600" b="1">
                 <a:solidFill>
                   <a:schemeClr val="tx1">
                     <a:lumMod val="65000"/>
@@ -6321,7 +8634,7 @@
               </a:rPr>
               <a:t>4</a:t>
             </a:r>
-            <a:endParaRPr lang="ko-KR" altLang="en-US" sz="3600" b="1" dirty="0">
+            <a:endParaRPr lang="en-US" altLang="ko-KR" sz="3600" b="1">
               <a:solidFill>
                 <a:schemeClr val="tx1">
                   <a:lumMod val="65000"/>
@@ -6334,19 +8647,46 @@
       </p:sp>
       <p:sp>
         <p:nvSpPr>
-          <p:cNvPr id="23" name="타원 22">
-            <a:extLst>
-              <a:ext uri="{FF2B5EF4-FFF2-40B4-BE49-F238E27FC236}">
-                <a16:creationId xmlns:a16="http://schemas.microsoft.com/office/drawing/2014/main" id="{6AF6B030-A230-DBD1-4BE1-868477A61353}"/>
-              </a:ext>
-            </a:extLst>
-          </p:cNvPr>
+          <p:cNvPr id="37" name="TextBox 17"/>
+          <p:cNvSpPr txBox="1"/>
+          <p:nvPr/>
+        </p:nvSpPr>
+        <p:spPr>
+          <a:xfrm>
+            <a:off x="9934575" y="6162914"/>
+            <a:ext cx="2028825" cy="515661"/>
+          </a:xfrm>
+          <a:prstGeom prst="rect">
+            <a:avLst/>
+          </a:prstGeom>
+          <a:noFill/>
+        </p:spPr>
+        <p:txBody>
+          <a:bodyPr wrap="none">
+            <a:spAutoFit/>
+          </a:bodyPr>
+          <a:lstStyle/>
+          <a:p>
+            <a:pPr lvl="0">
+              <a:defRPr/>
+            </a:pPr>
+            <a:r>
+              <a:rPr lang="ko-KR" altLang="en-US" sz="2800"/>
+              <a:t>개발 설계도</a:t>
+            </a:r>
+            <a:endParaRPr lang="ko-KR" altLang="en-US" sz="2800"/>
+          </a:p>
+        </p:txBody>
+      </p:sp>
+      <p:sp>
+        <p:nvSpPr>
+          <p:cNvPr id="38" name="타원 37"/>
           <p:cNvSpPr/>
           <p:nvPr/>
         </p:nvSpPr>
         <p:spPr>
           <a:xfrm>
-            <a:off x="8610600" y="8295535"/>
+            <a:off x="8718069" y="7200900"/>
             <a:ext cx="838200" cy="838200"/>
           </a:xfrm>
           <a:prstGeom prst="ellipse">
@@ -6382,12 +8722,14 @@
           </a:fontRef>
         </p:style>
         <p:txBody>
-          <a:bodyPr rtlCol="0" anchor="ctr"/>
+          <a:bodyPr anchor="ctr"/>
           <a:lstStyle/>
           <a:p>
-            <a:pPr algn="ctr"/>
+            <a:pPr lvl="0" algn="ctr">
+              <a:defRPr/>
+            </a:pPr>
             <a:r>
-              <a:rPr lang="en-US" altLang="ko-KR" sz="3600" b="1" dirty="0">
+              <a:rPr lang="en-US" altLang="ko-KR" sz="3600" b="1">
                 <a:solidFill>
                   <a:schemeClr val="tx1">
                     <a:lumMod val="65000"/>
@@ -6397,7 +8739,7 @@
               </a:rPr>
               <a:t>5</a:t>
             </a:r>
-            <a:endParaRPr lang="ko-KR" altLang="en-US" sz="3600" b="1" dirty="0">
+            <a:endParaRPr lang="en-US" altLang="ko-KR" sz="3600" b="1">
               <a:solidFill>
                 <a:schemeClr val="tx1">
                   <a:lumMod val="65000"/>
@@ -6410,38 +8752,68 @@
       </p:sp>
       <p:sp>
         <p:nvSpPr>
-          <p:cNvPr id="24" name="직사각형 23">
-            <a:extLst>
-              <a:ext uri="{FF2B5EF4-FFF2-40B4-BE49-F238E27FC236}">
-                <a16:creationId xmlns:a16="http://schemas.microsoft.com/office/drawing/2014/main" id="{E3D8A3C9-7119-F9D5-0EB4-B17F8BB0AB40}"/>
-              </a:ext>
-            </a:extLst>
-          </p:cNvPr>
-          <p:cNvSpPr/>
+          <p:cNvPr id="39" name="TextBox 17"/>
+          <p:cNvSpPr txBox="1"/>
           <p:nvPr/>
         </p:nvSpPr>
         <p:spPr>
           <a:xfrm>
-            <a:off x="7655560" y="1412906"/>
-            <a:ext cx="10632440" cy="142641"/>
+            <a:off x="9919335" y="7382114"/>
+            <a:ext cx="1685924" cy="515661"/>
           </a:xfrm>
           <a:prstGeom prst="rect">
             <a:avLst/>
           </a:prstGeom>
+          <a:noFill/>
+        </p:spPr>
+        <p:txBody>
+          <a:bodyPr wrap="none">
+            <a:spAutoFit/>
+          </a:bodyPr>
+          <a:lstStyle/>
+          <a:p>
+            <a:pPr lvl="0">
+              <a:defRPr/>
+            </a:pPr>
+            <a:r>
+              <a:rPr lang="ko-KR" altLang="en-US" sz="2800"/>
+              <a:t>기능 구현</a:t>
+            </a:r>
+            <a:endParaRPr lang="ko-KR" altLang="en-US" sz="2800"/>
+          </a:p>
+        </p:txBody>
+      </p:sp>
+      <p:sp>
+        <p:nvSpPr>
+          <p:cNvPr id="40" name="타원 39"/>
+          <p:cNvSpPr/>
+          <p:nvPr/>
+        </p:nvSpPr>
+        <p:spPr>
+          <a:xfrm>
+            <a:off x="8718069" y="8420100"/>
+            <a:ext cx="838200" cy="838200"/>
+          </a:xfrm>
+          <a:prstGeom prst="ellipse">
+            <a:avLst/>
+          </a:prstGeom>
           <a:solidFill>
-            <a:schemeClr val="tx1">
-              <a:lumMod val="65000"/>
-              <a:lumOff val="35000"/>
+            <a:schemeClr val="bg1">
+              <a:lumMod val="75000"/>
             </a:schemeClr>
           </a:solidFill>
           <a:ln>
-            <a:noFill/>
+            <a:solidFill>
+              <a:schemeClr val="bg1">
+                <a:lumMod val="75000"/>
+              </a:schemeClr>
+            </a:solidFill>
           </a:ln>
         </p:spPr>
         <p:style>
           <a:lnRef idx="2">
             <a:schemeClr val="accent1">
-              <a:shade val="50000"/>
+              <a:shade val="15000"/>
             </a:schemeClr>
           </a:lnRef>
           <a:fillRef idx="1">
@@ -6455,30 +8827,44 @@
           </a:fontRef>
         </p:style>
         <p:txBody>
-          <a:bodyPr rtlCol="0" anchor="ctr"/>
+          <a:bodyPr anchor="ctr"/>
           <a:lstStyle/>
           <a:p>
-            <a:pPr algn="ctr"/>
-            <a:endParaRPr lang="ko-KR" altLang="en-US"/>
-          </a:p>
-        </p:txBody>
-      </p:sp>
-      <p:sp>
-        <p:nvSpPr>
-          <p:cNvPr id="25" name="TextBox 24">
-            <a:extLst>
-              <a:ext uri="{FF2B5EF4-FFF2-40B4-BE49-F238E27FC236}">
-                <a16:creationId xmlns:a16="http://schemas.microsoft.com/office/drawing/2014/main" id="{4FDDBF1F-6472-3477-0134-788944E146B1}"/>
-              </a:ext>
-            </a:extLst>
-          </p:cNvPr>
+            <a:pPr lvl="0" algn="ctr">
+              <a:defRPr/>
+            </a:pPr>
+            <a:r>
+              <a:rPr lang="en-US" altLang="ko-KR" sz="3600" b="1">
+                <a:solidFill>
+                  <a:schemeClr val="tx1">
+                    <a:lumMod val="65000"/>
+                    <a:lumOff val="35000"/>
+                  </a:schemeClr>
+                </a:solidFill>
+              </a:rPr>
+              <a:t>6</a:t>
+            </a:r>
+            <a:endParaRPr lang="en-US" altLang="ko-KR" sz="3600" b="1">
+              <a:solidFill>
+                <a:schemeClr val="tx1">
+                  <a:lumMod val="65000"/>
+                  <a:lumOff val="35000"/>
+                </a:schemeClr>
+              </a:solidFill>
+            </a:endParaRPr>
+          </a:p>
+        </p:txBody>
+      </p:sp>
+      <p:sp>
+        <p:nvSpPr>
+          <p:cNvPr id="41" name="TextBox 17"/>
           <p:cNvSpPr txBox="1"/>
           <p:nvPr/>
         </p:nvSpPr>
         <p:spPr>
           <a:xfrm>
-            <a:off x="8001000" y="261467"/>
-            <a:ext cx="1877437" cy="1107996"/>
+            <a:off x="9982200" y="8601314"/>
+            <a:ext cx="914400" cy="515661"/>
           </a:xfrm>
           <a:prstGeom prst="rect">
             <a:avLst/>
@@ -6486,171 +8872,19 @@
           <a:noFill/>
         </p:spPr>
         <p:txBody>
-          <a:bodyPr wrap="none" rtlCol="0">
+          <a:bodyPr wrap="none">
             <a:spAutoFit/>
           </a:bodyPr>
           <a:lstStyle/>
           <a:p>
+            <a:pPr lvl="0">
+              <a:defRPr/>
+            </a:pPr>
             <a:r>
-              <a:rPr lang="ko-KR" altLang="en-US" sz="6600" b="1" dirty="0">
-                <a:solidFill>
-                  <a:schemeClr val="tx2">
-                    <a:lumMod val="50000"/>
-                  </a:schemeClr>
-                </a:solidFill>
-              </a:rPr>
-              <a:t>목차</a:t>
-            </a:r>
-          </a:p>
-        </p:txBody>
-      </p:sp>
-      <p:sp>
-        <p:nvSpPr>
-          <p:cNvPr id="2" name="TextBox 1"/>
-          <p:cNvSpPr txBox="1"/>
-          <p:nvPr/>
-        </p:nvSpPr>
-        <p:spPr>
-          <a:xfrm>
-            <a:off x="9878437" y="4076700"/>
-            <a:ext cx="1619354" cy="523220"/>
-          </a:xfrm>
-          <a:prstGeom prst="rect">
-            <a:avLst/>
-          </a:prstGeom>
-          <a:noFill/>
-        </p:spPr>
-        <p:txBody>
-          <a:bodyPr wrap="none" rtlCol="0">
-            <a:spAutoFit/>
-          </a:bodyPr>
-          <a:lstStyle/>
-          <a:p>
-            <a:r>
-              <a:rPr lang="ko-KR" altLang="en-US" sz="2800" dirty="0" smtClean="0"/>
-              <a:t>개발 목적</a:t>
-            </a:r>
-            <a:endParaRPr lang="ko-KR" altLang="en-US" sz="2800" dirty="0"/>
-          </a:p>
-        </p:txBody>
-      </p:sp>
-      <p:sp>
-        <p:nvSpPr>
-          <p:cNvPr id="14" name="TextBox 13"/>
-          <p:cNvSpPr txBox="1"/>
-          <p:nvPr/>
-        </p:nvSpPr>
-        <p:spPr>
-          <a:xfrm>
-            <a:off x="9878437" y="5544065"/>
-            <a:ext cx="3135795" cy="523220"/>
-          </a:xfrm>
-          <a:prstGeom prst="rect">
-            <a:avLst/>
-          </a:prstGeom>
-          <a:noFill/>
-        </p:spPr>
-        <p:txBody>
-          <a:bodyPr wrap="none" rtlCol="0">
-            <a:spAutoFit/>
-          </a:bodyPr>
-          <a:lstStyle/>
-          <a:p>
-            <a:r>
-              <a:rPr lang="ko-KR" altLang="en-US" sz="2800" dirty="0" smtClean="0"/>
-              <a:t>개발 환경 및 설계도</a:t>
-            </a:r>
-            <a:endParaRPr lang="ko-KR" altLang="en-US" sz="2800" dirty="0"/>
-          </a:p>
-        </p:txBody>
-      </p:sp>
-      <p:sp>
-        <p:nvSpPr>
-          <p:cNvPr id="15" name="TextBox 14"/>
-          <p:cNvSpPr txBox="1"/>
-          <p:nvPr/>
-        </p:nvSpPr>
-        <p:spPr>
-          <a:xfrm>
-            <a:off x="9878437" y="7012015"/>
-            <a:ext cx="1619354" cy="523220"/>
-          </a:xfrm>
-          <a:prstGeom prst="rect">
-            <a:avLst/>
-          </a:prstGeom>
-          <a:noFill/>
-        </p:spPr>
-        <p:txBody>
-          <a:bodyPr wrap="none" rtlCol="0">
-            <a:spAutoFit/>
-          </a:bodyPr>
-          <a:lstStyle/>
-          <a:p>
-            <a:r>
-              <a:rPr lang="ko-KR" altLang="en-US" sz="2800" dirty="0" smtClean="0"/>
-              <a:t>기능 소개</a:t>
-            </a:r>
-            <a:endParaRPr lang="ko-KR" altLang="en-US" sz="2800" dirty="0"/>
-          </a:p>
-        </p:txBody>
-      </p:sp>
-      <p:sp>
-        <p:nvSpPr>
-          <p:cNvPr id="16" name="TextBox 15"/>
-          <p:cNvSpPr txBox="1"/>
-          <p:nvPr/>
-        </p:nvSpPr>
-        <p:spPr>
-          <a:xfrm>
-            <a:off x="9883517" y="8453025"/>
-            <a:ext cx="861133" cy="523220"/>
-          </a:xfrm>
-          <a:prstGeom prst="rect">
-            <a:avLst/>
-          </a:prstGeom>
-          <a:noFill/>
-        </p:spPr>
-        <p:txBody>
-          <a:bodyPr wrap="none" rtlCol="0">
-            <a:spAutoFit/>
-          </a:bodyPr>
-          <a:lstStyle/>
-          <a:p>
-            <a:r>
-              <a:rPr lang="ko-KR" altLang="en-US" sz="2800" dirty="0" smtClean="0"/>
+              <a:rPr lang="ko-KR" altLang="en-US" sz="2800"/>
               <a:t>총평</a:t>
             </a:r>
-            <a:endParaRPr lang="ko-KR" altLang="en-US" sz="2800" dirty="0"/>
-          </a:p>
-        </p:txBody>
-      </p:sp>
-      <p:sp>
-        <p:nvSpPr>
-          <p:cNvPr id="18" name="TextBox 17"/>
-          <p:cNvSpPr txBox="1"/>
-          <p:nvPr/>
-        </p:nvSpPr>
-        <p:spPr>
-          <a:xfrm>
-            <a:off x="9878437" y="2601334"/>
-            <a:ext cx="1619354" cy="523220"/>
-          </a:xfrm>
-          <a:prstGeom prst="rect">
-            <a:avLst/>
-          </a:prstGeom>
-          <a:noFill/>
-        </p:spPr>
-        <p:txBody>
-          <a:bodyPr wrap="none" rtlCol="0">
-            <a:spAutoFit/>
-          </a:bodyPr>
-          <a:lstStyle/>
-          <a:p>
-            <a:r>
-              <a:rPr lang="ko-KR" altLang="en-US" sz="2800" dirty="0" smtClean="0"/>
-              <a:t>팀원 소개</a:t>
-            </a:r>
-            <a:endParaRPr lang="ko-KR" altLang="en-US" sz="2800" dirty="0"/>
+            <a:endParaRPr lang="ko-KR" altLang="en-US" sz="2800"/>
           </a:p>
         </p:txBody>
       </p:sp>
@@ -6664,13 +8898,6 @@
   <p:clrMapOvr>
     <a:masterClrMapping/>
   </p:clrMapOvr>
-  <p:timing>
-    <p:tnLst>
-      <p:par>
-        <p:cTn id="1" dur="indefinite" restart="never" nodeType="tmRoot"/>
-      </p:par>
-    </p:tnLst>
-  </p:timing>
 </p:sld>
 </file>
 
@@ -7397,7 +9624,7 @@
 </file>
 
 <file path=ppt/slides/slide4.xml><?xml version="1.0" encoding="utf-8"?>
-<p:sld xmlns:a="http://schemas.openxmlformats.org/drawingml/2006/main" xmlns:r="http://schemas.openxmlformats.org/officeDocument/2006/relationships" xmlns:p="http://schemas.openxmlformats.org/presentationml/2006/main">
+<p:sld xmlns:r="http://schemas.openxmlformats.org/officeDocument/2006/relationships" xmlns:c="http://schemas.openxmlformats.org/drawingml/2006/chart" xmlns:a="http://schemas.openxmlformats.org/drawingml/2006/main" xmlns:dgm="http://schemas.openxmlformats.org/drawingml/2006/diagram" xmlns:dsp="http://schemas.microsoft.com/office/drawing/2008/diagram" xmlns:p="http://schemas.openxmlformats.org/presentationml/2006/main">
   <p:cSld>
     <p:spTree>
       <p:nvGrpSpPr>
@@ -7469,20 +9696,14 @@
       </p:sp>
       <p:sp>
         <p:nvSpPr>
-          <p:cNvPr id="5" name="TextBox 4">
-            <a:extLst>
-              <a:ext uri="{FF2B5EF4-FFF2-40B4-BE49-F238E27FC236}">
-                <a16:creationId xmlns:a16="http://schemas.microsoft.com/office/drawing/2014/main" id="{FC672949-35DA-468F-B607-86E1AF6A7935}"/>
-              </a:ext>
-            </a:extLst>
-          </p:cNvPr>
+          <p:cNvPr id="5" name="TextBox 4"/>
           <p:cNvSpPr txBox="1"/>
           <p:nvPr/>
         </p:nvSpPr>
         <p:spPr>
           <a:xfrm>
             <a:off x="1755060" y="1444250"/>
-            <a:ext cx="13155561" cy="738664"/>
+            <a:ext cx="13155560" cy="725545"/>
           </a:xfrm>
           <a:prstGeom prst="rect">
             <a:avLst/>
@@ -7490,80 +9711,62 @@
           <a:noFill/>
         </p:spPr>
         <p:txBody>
-          <a:bodyPr wrap="square" rtlCol="0">
+          <a:bodyPr wrap="square">
             <a:spAutoFit/>
           </a:bodyPr>
           <a:lstStyle/>
           <a:p>
-            <a:pPr lvl="0" eaLnBrk="0" fontAlgn="base" latinLnBrk="0" hangingPunct="0">
+            <a:pPr lvl="0" eaLnBrk="0" latinLnBrk="0" hangingPunct="0">
               <a:spcBef>
                 <a:spcPct val="0"/>
               </a:spcBef>
               <a:spcAft>
                 <a:spcPct val="0"/>
               </a:spcAft>
+              <a:defRPr/>
             </a:pPr>
             <a:r>
-              <a:rPr lang="ko-KR" altLang="en-US" sz="4200" b="1" dirty="0" err="1">
+              <a:rPr lang="ko-KR" altLang="en-US" sz="4200" b="1">
                 <a:solidFill>
                   <a:schemeClr val="tx1">
                     <a:lumMod val="65000"/>
                     <a:lumOff val="35000"/>
                   </a:schemeClr>
                 </a:solidFill>
-                <a:latin typeface="나눔고딕" panose="020D0604000000000000" pitchFamily="50" charset="-127"/>
-                <a:ea typeface="비트로 코어 TTF" pitchFamily="2" charset="-127"/>
+                <a:latin typeface="나눔고딕"/>
+                <a:ea typeface="비트로 코어 TTF"/>
               </a:rPr>
-              <a:t>미세먼지란</a:t>
+              <a:t>개발 목적</a:t>
             </a:r>
             <a:r>
-              <a:rPr lang="en-US" altLang="ko-KR" sz="4200" b="1" dirty="0">
+              <a:rPr lang="ko-KR" altLang="ko-KR" sz="1650" b="1">
                 <a:solidFill>
                   <a:schemeClr val="tx1">
                     <a:lumMod val="65000"/>
                     <a:lumOff val="35000"/>
                   </a:schemeClr>
                 </a:solidFill>
-                <a:latin typeface="나눔고딕" panose="020D0604000000000000" pitchFamily="50" charset="-127"/>
-                <a:ea typeface="비트로 코어 TTF" pitchFamily="2" charset="-127"/>
-              </a:rPr>
-              <a:t>?</a:t>
-            </a:r>
-            <a:r>
-              <a:rPr lang="ko-KR" altLang="ko-KR" sz="1650" b="1" dirty="0">
-                <a:solidFill>
-                  <a:schemeClr val="tx1">
-                    <a:lumMod val="65000"/>
-                    <a:lumOff val="35000"/>
-                  </a:schemeClr>
-                </a:solidFill>
-                <a:latin typeface="나눔고딕" panose="020D0604000000000000" pitchFamily="50" charset="-127"/>
-                <a:ea typeface="나눔고딕" panose="020D0604000000000000" pitchFamily="50" charset="-127"/>
+                <a:latin typeface="나눔고딕"/>
+                <a:ea typeface="나눔고딕"/>
               </a:rPr>
               <a:t> </a:t>
             </a:r>
-            <a:endParaRPr lang="en-US" altLang="ko-KR" sz="1650" b="1" dirty="0">
+            <a:endParaRPr lang="ko-KR" altLang="ko-KR" sz="1650" b="1">
               <a:solidFill>
                 <a:schemeClr val="tx1">
                   <a:lumMod val="65000"/>
                   <a:lumOff val="35000"/>
                 </a:schemeClr>
               </a:solidFill>
-              <a:latin typeface="나눔고딕" panose="020D0604000000000000" pitchFamily="50" charset="-127"/>
-              <a:ea typeface="나눔고딕" panose="020D0604000000000000" pitchFamily="50" charset="-127"/>
+              <a:latin typeface="나눔고딕"/>
+              <a:ea typeface="나눔고딕"/>
             </a:endParaRPr>
           </a:p>
         </p:txBody>
       </p:sp>
       <p:sp>
         <p:nvSpPr>
-          <p:cNvPr id="9" name="TextBox 8">
-            <a:extLst>
-              <a:ext uri="{FF2B5EF4-FFF2-40B4-BE49-F238E27FC236}">
-                <a16:creationId xmlns:a16="http://schemas.microsoft.com/office/drawing/2014/main" id="{E51D457D-7F9A-423B-8D70-04E00FD83D8B}"/>
-              </a:ext>
-            </a:extLst>
-          </p:cNvPr>
+          <p:cNvPr id="9" name="TextBox 8"/>
           <p:cNvSpPr txBox="1"/>
           <p:nvPr/>
         </p:nvSpPr>
@@ -7578,19 +9781,19 @@
           <a:noFill/>
         </p:spPr>
         <p:txBody>
-          <a:bodyPr wrap="square" rtlCol="0">
+          <a:bodyPr wrap="square">
             <a:spAutoFit/>
           </a:bodyPr>
           <a:lstStyle/>
           <a:p>
+            <a:pPr lvl="0">
+              <a:defRPr/>
+            </a:pPr>
             <a:r>
-              <a:rPr lang="ko-KR" altLang="en-US" sz="2700" dirty="0" err="1"/>
-              <a:t>뭔지</a:t>
+              <a:rPr lang="ko-KR" altLang="en-US" sz="2700"/>
+              <a:t>내용</a:t>
             </a:r>
-            <a:r>
-              <a:rPr lang="ko-KR" altLang="en-US" sz="2700" dirty="0"/>
-              <a:t> 모르겠는데 내용 적어</a:t>
-            </a:r>
+            <a:endParaRPr lang="ko-KR" altLang="en-US" sz="2700"/>
           </a:p>
         </p:txBody>
       </p:sp>
@@ -8786,7 +10989,7 @@
 </file>
 
 <file path=ppt/slides/slide5.xml><?xml version="1.0" encoding="utf-8"?>
-<p:sld xmlns:a="http://schemas.openxmlformats.org/drawingml/2006/main" xmlns:r="http://schemas.openxmlformats.org/officeDocument/2006/relationships" xmlns:p="http://schemas.openxmlformats.org/presentationml/2006/main">
+<p:sld xmlns:r="http://schemas.openxmlformats.org/officeDocument/2006/relationships" xmlns:c="http://schemas.openxmlformats.org/drawingml/2006/chart" xmlns:a="http://schemas.openxmlformats.org/drawingml/2006/main" xmlns:dgm="http://schemas.openxmlformats.org/drawingml/2006/diagram" xmlns:dsp="http://schemas.microsoft.com/office/drawing/2008/diagram" xmlns:p="http://schemas.openxmlformats.org/presentationml/2006/main">
   <p:cSld>
     <p:spTree>
       <p:nvGrpSpPr>
@@ -8804,31 +11007,25 @@
       </p:grpSpPr>
       <p:sp>
         <p:nvSpPr>
-          <p:cNvPr id="39" name="직사각형 38">
-            <a:extLst>
-              <a:ext uri="{FF2B5EF4-FFF2-40B4-BE49-F238E27FC236}">
-                <a16:creationId xmlns:a16="http://schemas.microsoft.com/office/drawing/2014/main" id="{8F6FC153-1422-1251-C1CB-11A8462CAC1F}"/>
-              </a:ext>
-            </a:extLst>
-          </p:cNvPr>
+          <p:cNvPr id="2" name="직사각형 1"/>
           <p:cNvSpPr/>
           <p:nvPr/>
         </p:nvSpPr>
         <p:spPr>
           <a:xfrm>
-            <a:off x="720000" y="1049009"/>
-            <a:ext cx="5760000" cy="108000"/>
+            <a:off x="1460090" y="892277"/>
+            <a:ext cx="15367821" cy="8546691"/>
           </a:xfrm>
           <a:prstGeom prst="rect">
             <a:avLst/>
           </a:prstGeom>
-          <a:solidFill>
-            <a:schemeClr val="bg2">
-              <a:lumMod val="90000"/>
-            </a:schemeClr>
-          </a:solidFill>
-          <a:ln>
-            <a:noFill/>
+          <a:noFill/>
+          <a:ln w="85725" cmpd="sng">
+            <a:solidFill>
+              <a:schemeClr val="bg1">
+                <a:lumMod val="65000"/>
+              </a:schemeClr>
+            </a:solidFill>
           </a:ln>
         </p:spPr>
         <p:style>
@@ -8848,38 +11045,135 @@
           </a:fontRef>
         </p:style>
         <p:txBody>
-          <a:bodyPr rtlCol="0" anchor="ctr"/>
+          <a:bodyPr anchor="ctr"/>
           <a:lstStyle/>
           <a:p>
-            <a:pPr algn="ctr"/>
-            <a:endParaRPr lang="ko-KR" altLang="en-US"/>
-          </a:p>
-        </p:txBody>
-      </p:sp>
-      <p:sp>
-        <p:nvSpPr>
-          <p:cNvPr id="40" name="직사각형 39">
-            <a:extLst>
-              <a:ext uri="{FF2B5EF4-FFF2-40B4-BE49-F238E27FC236}">
-                <a16:creationId xmlns:a16="http://schemas.microsoft.com/office/drawing/2014/main" id="{383BE435-4A4C-0797-D09B-7BB8406D0730}"/>
-              </a:ext>
-            </a:extLst>
-          </p:cNvPr>
+            <a:pPr lvl="0" algn="ctr">
+              <a:defRPr/>
+            </a:pPr>
+            <a:endParaRPr lang="ko-KR" altLang="en-US" sz="2700"/>
+          </a:p>
+        </p:txBody>
+      </p:sp>
+      <p:sp>
+        <p:nvSpPr>
+          <p:cNvPr id="5" name="TextBox 4"/>
+          <p:cNvSpPr txBox="1"/>
+          <p:nvPr/>
+        </p:nvSpPr>
+        <p:spPr>
+          <a:xfrm>
+            <a:off x="1755060" y="1444250"/>
+            <a:ext cx="13155560" cy="725545"/>
+          </a:xfrm>
+          <a:prstGeom prst="rect">
+            <a:avLst/>
+          </a:prstGeom>
+          <a:noFill/>
+        </p:spPr>
+        <p:txBody>
+          <a:bodyPr wrap="square">
+            <a:spAutoFit/>
+          </a:bodyPr>
+          <a:lstStyle/>
+          <a:p>
+            <a:pPr lvl="0" eaLnBrk="0" latinLnBrk="0" hangingPunct="0">
+              <a:spcBef>
+                <a:spcPct val="0"/>
+              </a:spcBef>
+              <a:spcAft>
+                <a:spcPct val="0"/>
+              </a:spcAft>
+              <a:defRPr/>
+            </a:pPr>
+            <a:r>
+              <a:rPr lang="ko-KR" altLang="en-US" sz="4200" b="1">
+                <a:solidFill>
+                  <a:schemeClr val="tx1">
+                    <a:lumMod val="65000"/>
+                    <a:lumOff val="35000"/>
+                  </a:schemeClr>
+                </a:solidFill>
+                <a:latin typeface="나눔고딕"/>
+                <a:ea typeface="비트로 코어 TTF"/>
+              </a:rPr>
+              <a:t>참고</a:t>
+            </a:r>
+            <a:r>
+              <a:rPr lang="ko-KR" altLang="ko-KR" sz="1650" b="1">
+                <a:solidFill>
+                  <a:schemeClr val="tx1">
+                    <a:lumMod val="65000"/>
+                    <a:lumOff val="35000"/>
+                  </a:schemeClr>
+                </a:solidFill>
+                <a:latin typeface="나눔고딕"/>
+                <a:ea typeface="나눔고딕"/>
+              </a:rPr>
+              <a:t> </a:t>
+            </a:r>
+            <a:endParaRPr lang="ko-KR" altLang="ko-KR" sz="1650" b="1">
+              <a:solidFill>
+                <a:schemeClr val="tx1">
+                  <a:lumMod val="65000"/>
+                  <a:lumOff val="35000"/>
+                </a:schemeClr>
+              </a:solidFill>
+              <a:latin typeface="나눔고딕"/>
+              <a:ea typeface="나눔고딕"/>
+            </a:endParaRPr>
+          </a:p>
+        </p:txBody>
+      </p:sp>
+      <p:sp>
+        <p:nvSpPr>
+          <p:cNvPr id="9" name="TextBox 8"/>
+          <p:cNvSpPr txBox="1"/>
+          <p:nvPr/>
+        </p:nvSpPr>
+        <p:spPr>
+          <a:xfrm>
+            <a:off x="1755060" y="2479804"/>
+            <a:ext cx="14468166" cy="507831"/>
+          </a:xfrm>
+          <a:prstGeom prst="rect">
+            <a:avLst/>
+          </a:prstGeom>
+          <a:noFill/>
+        </p:spPr>
+        <p:txBody>
+          <a:bodyPr wrap="square">
+            <a:spAutoFit/>
+          </a:bodyPr>
+          <a:lstStyle/>
+          <a:p>
+            <a:pPr lvl="0">
+              <a:defRPr/>
+            </a:pPr>
+            <a:r>
+              <a:rPr lang="ko-KR" altLang="en-US" sz="2700"/>
+              <a:t>내용</a:t>
+            </a:r>
+            <a:endParaRPr lang="ko-KR" altLang="en-US" sz="2700"/>
+          </a:p>
+        </p:txBody>
+      </p:sp>
+      <p:sp>
+        <p:nvSpPr>
+          <p:cNvPr id="3" name="직사각형 2"/>
           <p:cNvSpPr/>
           <p:nvPr/>
         </p:nvSpPr>
         <p:spPr>
           <a:xfrm>
-            <a:off x="0" y="1049009"/>
-            <a:ext cx="720000" cy="108000"/>
+            <a:off x="12772108" y="8915754"/>
+            <a:ext cx="3495368" cy="907026"/>
           </a:xfrm>
           <a:prstGeom prst="rect">
             <a:avLst/>
           </a:prstGeom>
           <a:solidFill>
-            <a:schemeClr val="bg1">
-              <a:lumMod val="50000"/>
-            </a:schemeClr>
+            <a:schemeClr val="bg1"/>
           </a:solidFill>
           <a:ln>
             <a:noFill/>
@@ -8902,30 +11196,26 @@
           </a:fontRef>
         </p:style>
         <p:txBody>
-          <a:bodyPr rtlCol="0" anchor="ctr"/>
+          <a:bodyPr anchor="ctr"/>
           <a:lstStyle/>
           <a:p>
-            <a:pPr algn="ctr"/>
-            <a:endParaRPr lang="ko-KR" altLang="en-US"/>
-          </a:p>
-        </p:txBody>
-      </p:sp>
-      <p:sp>
-        <p:nvSpPr>
-          <p:cNvPr id="41" name="TextBox 40">
-            <a:extLst>
-              <a:ext uri="{FF2B5EF4-FFF2-40B4-BE49-F238E27FC236}">
-                <a16:creationId xmlns:a16="http://schemas.microsoft.com/office/drawing/2014/main" id="{B1597C43-05DC-F61A-33A0-883C35C8AD60}"/>
-              </a:ext>
-            </a:extLst>
-          </p:cNvPr>
+            <a:pPr lvl="0" algn="ctr">
+              <a:defRPr/>
+            </a:pPr>
+            <a:endParaRPr lang="ko-KR" altLang="en-US" sz="2700"/>
+          </a:p>
+        </p:txBody>
+      </p:sp>
+      <p:sp>
+        <p:nvSpPr>
+          <p:cNvPr id="4" name="TextBox 3"/>
           <p:cNvSpPr txBox="1"/>
           <p:nvPr/>
         </p:nvSpPr>
         <p:spPr>
           <a:xfrm>
-            <a:off x="838200" y="190500"/>
-            <a:ext cx="1781257" cy="584775"/>
+            <a:off x="13030204" y="7461511"/>
+            <a:ext cx="2979173" cy="2862322"/>
           </a:xfrm>
           <a:prstGeom prst="rect">
             <a:avLst/>
@@ -8933,99 +11223,1129 @@
           <a:noFill/>
         </p:spPr>
         <p:txBody>
-          <a:bodyPr wrap="none" rtlCol="0">
+          <a:bodyPr wrap="square">
             <a:spAutoFit/>
           </a:bodyPr>
           <a:lstStyle/>
           <a:p>
+            <a:pPr lvl="0">
+              <a:defRPr/>
+            </a:pPr>
             <a:r>
-              <a:rPr lang="ko-KR" altLang="en-US" sz="3200" spc="-300" dirty="0">
+              <a:rPr lang="en-US" altLang="ko-KR" sz="18000">
                 <a:solidFill>
-                  <a:schemeClr val="accent4">
-                    <a:lumMod val="50000"/>
+                  <a:schemeClr val="tx1">
+                    <a:lumMod val="65000"/>
+                    <a:lumOff val="35000"/>
                   </a:schemeClr>
                 </a:solidFill>
+                <a:latin typeface="비트로 코어 TTF"/>
+                <a:ea typeface="비트로 코어 TTF"/>
               </a:rPr>
-              <a:t>개발 환경</a:t>
+              <a:t>01</a:t>
             </a:r>
-          </a:p>
-        </p:txBody>
-      </p:sp>
-      <p:sp>
-        <p:nvSpPr>
-          <p:cNvPr id="43" name="TextBox 42">
-            <a:extLst>
-              <a:ext uri="{FF2B5EF4-FFF2-40B4-BE49-F238E27FC236}">
-                <a16:creationId xmlns:a16="http://schemas.microsoft.com/office/drawing/2014/main" id="{0AF81D5E-32D7-3B0F-B000-CF618CAC5DAF}"/>
-              </a:ext>
-            </a:extLst>
-          </p:cNvPr>
-          <p:cNvSpPr txBox="1"/>
+            <a:endParaRPr lang="ko-KR" altLang="en-US" sz="18000">
+              <a:solidFill>
+                <a:schemeClr val="tx1">
+                  <a:lumMod val="65000"/>
+                  <a:lumOff val="35000"/>
+                </a:schemeClr>
+              </a:solidFill>
+              <a:latin typeface="비트로 코어 TTF"/>
+              <a:ea typeface="비트로 코어 TTF"/>
+            </a:endParaRPr>
+          </a:p>
+        </p:txBody>
+      </p:sp>
+      <p:grpSp>
+        <p:nvGrpSpPr>
+          <p:cNvPr id="7" name="그룹 6"/>
+          <p:cNvGrpSpPr/>
           <p:nvPr/>
-        </p:nvSpPr>
-        <p:spPr>
-          <a:xfrm>
-            <a:off x="185879" y="46855"/>
-            <a:ext cx="497252" cy="830997"/>
+        </p:nvGrpSpPr>
+        <p:grpSpPr>
+          <a:xfrm rot="0">
+            <a:off x="13288002" y="324235"/>
+            <a:ext cx="4602090" cy="1697324"/>
+            <a:chOff x="8858668" y="216156"/>
+            <a:chExt cx="3068060" cy="1131549"/>
+          </a:xfrm>
+        </p:grpSpPr>
+        <p:grpSp>
+          <p:nvGrpSpPr>
+            <p:cNvPr id="50" name="그룹 49"/>
+            <p:cNvGrpSpPr/>
+            <p:nvPr/>
+          </p:nvGrpSpPr>
+          <p:grpSpPr>
+            <a:xfrm rot="0">
+              <a:off x="8858668" y="468779"/>
+              <a:ext cx="3068060" cy="878926"/>
+              <a:chOff x="8001364" y="850150"/>
+              <a:chExt cx="3068060" cy="878926"/>
+            </a:xfrm>
+          </p:grpSpPr>
+          <p:sp>
+            <p:nvSpPr>
+              <p:cNvPr id="52" name="자유형: 도형 51"/>
+              <p:cNvSpPr/>
+              <p:nvPr/>
+            </p:nvSpPr>
+            <p:spPr>
+              <a:xfrm>
+                <a:off x="8001364" y="1030679"/>
+                <a:ext cx="1885808" cy="698397"/>
+              </a:xfrm>
+              <a:custGeom>
+                <a:avLst/>
+                <a:gdLst>
+                  <a:gd name="connsiteX0" fmla="*/ 2402605 w 3975969"/>
+                  <a:gd name="connsiteY0" fmla="*/ 0 h 1466355"/>
+                  <a:gd name="connsiteX1" fmla="*/ 3189862 w 3975969"/>
+                  <a:gd name="connsiteY1" fmla="*/ 251691 h 1466355"/>
+                  <a:gd name="connsiteX2" fmla="*/ 3173868 w 3975969"/>
+                  <a:gd name="connsiteY2" fmla="*/ 302415 h 1466355"/>
+                  <a:gd name="connsiteX3" fmla="*/ 3166493 w 3975969"/>
+                  <a:gd name="connsiteY3" fmla="*/ 310011 h 1466355"/>
+                  <a:gd name="connsiteX4" fmla="*/ 3188712 w 3975969"/>
+                  <a:gd name="connsiteY4" fmla="*/ 309295 h 1466355"/>
+                  <a:gd name="connsiteX5" fmla="*/ 3975969 w 3975969"/>
+                  <a:gd name="connsiteY5" fmla="*/ 560986 h 1466355"/>
+                  <a:gd name="connsiteX6" fmla="*/ 3689480 w 3975969"/>
+                  <a:gd name="connsiteY6" fmla="*/ 755203 h 1466355"/>
+                  <a:gd name="connsiteX7" fmla="*/ 3592229 w 3975969"/>
+                  <a:gd name="connsiteY7" fmla="*/ 774067 h 1466355"/>
+                  <a:gd name="connsiteX8" fmla="*/ 3593274 w 3975969"/>
+                  <a:gd name="connsiteY8" fmla="*/ 774343 h 1466355"/>
+                  <a:gd name="connsiteX9" fmla="*/ 3823856 w 3975969"/>
+                  <a:gd name="connsiteY9" fmla="*/ 952315 h 1466355"/>
+                  <a:gd name="connsiteX10" fmla="*/ 3195259 w 3975969"/>
+                  <a:gd name="connsiteY10" fmla="*/ 1198893 h 1466355"/>
+                  <a:gd name="connsiteX11" fmla="*/ 3108564 w 3975969"/>
+                  <a:gd name="connsiteY11" fmla="*/ 1201687 h 1466355"/>
+                  <a:gd name="connsiteX12" fmla="*/ 3112656 w 3975969"/>
+                  <a:gd name="connsiteY12" fmla="*/ 1214664 h 1466355"/>
+                  <a:gd name="connsiteX13" fmla="*/ 2325399 w 3975969"/>
+                  <a:gd name="connsiteY13" fmla="*/ 1466355 h 1466355"/>
+                  <a:gd name="connsiteX14" fmla="*/ 1600009 w 3975969"/>
+                  <a:gd name="connsiteY14" fmla="*/ 1312634 h 1466355"/>
+                  <a:gd name="connsiteX15" fmla="*/ 1570502 w 3975969"/>
+                  <a:gd name="connsiteY15" fmla="*/ 1282243 h 1466355"/>
+                  <a:gd name="connsiteX16" fmla="*/ 1452733 w 3975969"/>
+                  <a:gd name="connsiteY16" fmla="*/ 1300344 h 1466355"/>
+                  <a:gd name="connsiteX17" fmla="*/ 1218626 w 3975969"/>
+                  <a:gd name="connsiteY17" fmla="*/ 1311659 h 1466355"/>
+                  <a:gd name="connsiteX18" fmla="*/ 431369 w 3975969"/>
+                  <a:gd name="connsiteY18" fmla="*/ 1059968 h 1466355"/>
+                  <a:gd name="connsiteX19" fmla="*/ 447363 w 3975969"/>
+                  <a:gd name="connsiteY19" fmla="*/ 1009244 h 1466355"/>
+                  <a:gd name="connsiteX20" fmla="*/ 461827 w 3975969"/>
+                  <a:gd name="connsiteY20" fmla="*/ 994347 h 1466355"/>
+                  <a:gd name="connsiteX21" fmla="*/ 347094 w 3975969"/>
+                  <a:gd name="connsiteY21" fmla="*/ 974437 h 1466355"/>
+                  <a:gd name="connsiteX22" fmla="*/ 0 w 3975969"/>
+                  <a:gd name="connsiteY22" fmla="*/ 765731 h 1466355"/>
+                  <a:gd name="connsiteX23" fmla="*/ 347094 w 3975969"/>
+                  <a:gd name="connsiteY23" fmla="*/ 557025 h 1466355"/>
+                  <a:gd name="connsiteX24" fmla="*/ 383452 w 3975969"/>
+                  <a:gd name="connsiteY24" fmla="*/ 550716 h 1466355"/>
+                  <a:gd name="connsiteX25" fmla="*/ 383815 w 3975969"/>
+                  <a:gd name="connsiteY25" fmla="*/ 549343 h 1466355"/>
+                  <a:gd name="connsiteX26" fmla="*/ 1618202 w 3975969"/>
+                  <a:gd name="connsiteY26" fmla="*/ 90197 h 1466355"/>
+                  <a:gd name="connsiteX27" fmla="*/ 1821019 w 3975969"/>
+                  <a:gd name="connsiteY27" fmla="*/ 83372 h 1466355"/>
+                  <a:gd name="connsiteX28" fmla="*/ 1845931 w 3975969"/>
+                  <a:gd name="connsiteY28" fmla="*/ 73719 h 1466355"/>
+                  <a:gd name="connsiteX29" fmla="*/ 2402605 w 3975969"/>
+                  <a:gd name="connsiteY29" fmla="*/ 0 h 1466355"/>
+                </a:gdLst>
+                <a:cxnLst>
+                  <a:cxn ang="0">
+                    <a:pos x="connsiteX0" y="connsiteY0"/>
+                  </a:cxn>
+                  <a:cxn ang="0">
+                    <a:pos x="connsiteX1" y="connsiteY1"/>
+                  </a:cxn>
+                  <a:cxn ang="0">
+                    <a:pos x="connsiteX2" y="connsiteY2"/>
+                  </a:cxn>
+                  <a:cxn ang="0">
+                    <a:pos x="connsiteX3" y="connsiteY3"/>
+                  </a:cxn>
+                  <a:cxn ang="0">
+                    <a:pos x="connsiteX4" y="connsiteY4"/>
+                  </a:cxn>
+                  <a:cxn ang="0">
+                    <a:pos x="connsiteX5" y="connsiteY5"/>
+                  </a:cxn>
+                  <a:cxn ang="0">
+                    <a:pos x="connsiteX6" y="connsiteY6"/>
+                  </a:cxn>
+                  <a:cxn ang="0">
+                    <a:pos x="connsiteX7" y="connsiteY7"/>
+                  </a:cxn>
+                  <a:cxn ang="0">
+                    <a:pos x="connsiteX8" y="connsiteY8"/>
+                  </a:cxn>
+                  <a:cxn ang="0">
+                    <a:pos x="connsiteX9" y="connsiteY9"/>
+                  </a:cxn>
+                  <a:cxn ang="0">
+                    <a:pos x="connsiteX10" y="connsiteY10"/>
+                  </a:cxn>
+                  <a:cxn ang="0">
+                    <a:pos x="connsiteX11" y="connsiteY11"/>
+                  </a:cxn>
+                  <a:cxn ang="0">
+                    <a:pos x="connsiteX12" y="connsiteY12"/>
+                  </a:cxn>
+                  <a:cxn ang="0">
+                    <a:pos x="connsiteX13" y="connsiteY13"/>
+                  </a:cxn>
+                  <a:cxn ang="0">
+                    <a:pos x="connsiteX14" y="connsiteY14"/>
+                  </a:cxn>
+                  <a:cxn ang="0">
+                    <a:pos x="connsiteX15" y="connsiteY15"/>
+                  </a:cxn>
+                  <a:cxn ang="0">
+                    <a:pos x="connsiteX16" y="connsiteY16"/>
+                  </a:cxn>
+                  <a:cxn ang="0">
+                    <a:pos x="connsiteX17" y="connsiteY17"/>
+                  </a:cxn>
+                  <a:cxn ang="0">
+                    <a:pos x="connsiteX18" y="connsiteY18"/>
+                  </a:cxn>
+                  <a:cxn ang="0">
+                    <a:pos x="connsiteX19" y="connsiteY19"/>
+                  </a:cxn>
+                  <a:cxn ang="0">
+                    <a:pos x="connsiteX20" y="connsiteY20"/>
+                  </a:cxn>
+                  <a:cxn ang="0">
+                    <a:pos x="connsiteX21" y="connsiteY21"/>
+                  </a:cxn>
+                  <a:cxn ang="0">
+                    <a:pos x="connsiteX22" y="connsiteY22"/>
+                  </a:cxn>
+                  <a:cxn ang="0">
+                    <a:pos x="connsiteX23" y="connsiteY23"/>
+                  </a:cxn>
+                  <a:cxn ang="0">
+                    <a:pos x="connsiteX24" y="connsiteY24"/>
+                  </a:cxn>
+                  <a:cxn ang="0">
+                    <a:pos x="connsiteX25" y="connsiteY25"/>
+                  </a:cxn>
+                  <a:cxn ang="0">
+                    <a:pos x="connsiteX26" y="connsiteY26"/>
+                  </a:cxn>
+                  <a:cxn ang="0">
+                    <a:pos x="connsiteX27" y="connsiteY27"/>
+                  </a:cxn>
+                  <a:cxn ang="0">
+                    <a:pos x="connsiteX28" y="connsiteY28"/>
+                  </a:cxn>
+                  <a:cxn ang="0">
+                    <a:pos x="connsiteX29" y="connsiteY29"/>
+                  </a:cxn>
+                </a:cxnLst>
+                <a:rect l="l" t="t" r="r" b="b"/>
+                <a:pathLst>
+                  <a:path w="3975969" h="1466355">
+                    <a:moveTo>
+                      <a:pt x="2402605" y="0"/>
+                    </a:moveTo>
+                    <a:cubicBezTo>
+                      <a:pt x="2837395" y="0"/>
+                      <a:pt x="3189862" y="112686"/>
+                      <a:pt x="3189862" y="251691"/>
+                    </a:cubicBezTo>
+                    <a:cubicBezTo>
+                      <a:pt x="3189862" y="269067"/>
+                      <a:pt x="3184355" y="286031"/>
+                      <a:pt x="3173868" y="302415"/>
+                    </a:cubicBezTo>
+                    <a:lnTo>
+                      <a:pt x="3166493" y="310011"/>
+                    </a:lnTo>
+                    <a:lnTo>
+                      <a:pt x="3188712" y="309295"/>
+                    </a:lnTo>
+                    <a:cubicBezTo>
+                      <a:pt x="3623502" y="309295"/>
+                      <a:pt x="3975969" y="421981"/>
+                      <a:pt x="3975969" y="560986"/>
+                    </a:cubicBezTo>
+                    <a:cubicBezTo>
+                      <a:pt x="3975969" y="639176"/>
+                      <a:pt x="3864446" y="709039"/>
+                      <a:pt x="3689480" y="755203"/>
+                    </a:cubicBezTo>
+                    <a:lnTo>
+                      <a:pt x="3592229" y="774067"/>
+                    </a:lnTo>
+                    <a:lnTo>
+                      <a:pt x="3593274" y="774343"/>
+                    </a:lnTo>
+                    <a:cubicBezTo>
+                      <a:pt x="3735739" y="819890"/>
+                      <a:pt x="3823856" y="882813"/>
+                      <a:pt x="3823856" y="952315"/>
+                    </a:cubicBezTo>
+                    <a:cubicBezTo>
+                      <a:pt x="3823856" y="1073944"/>
+                      <a:pt x="3553998" y="1175423"/>
+                      <a:pt x="3195259" y="1198893"/>
+                    </a:cubicBezTo>
+                    <a:lnTo>
+                      <a:pt x="3108564" y="1201687"/>
+                    </a:lnTo>
+                    <a:lnTo>
+                      <a:pt x="3112656" y="1214664"/>
+                    </a:lnTo>
+                    <a:cubicBezTo>
+                      <a:pt x="3112656" y="1353669"/>
+                      <a:pt x="2760189" y="1466355"/>
+                      <a:pt x="2325399" y="1466355"/>
+                    </a:cubicBezTo>
+                    <a:cubicBezTo>
+                      <a:pt x="1999307" y="1466355"/>
+                      <a:pt x="1719521" y="1402969"/>
+                      <a:pt x="1600009" y="1312634"/>
+                    </a:cubicBezTo>
+                    <a:lnTo>
+                      <a:pt x="1570502" y="1282243"/>
+                    </a:lnTo>
+                    <a:lnTo>
+                      <a:pt x="1452733" y="1300344"/>
+                    </a:lnTo>
+                    <a:cubicBezTo>
+                      <a:pt x="1378779" y="1307697"/>
+                      <a:pt x="1300150" y="1311659"/>
+                      <a:pt x="1218626" y="1311659"/>
+                    </a:cubicBezTo>
+                    <a:cubicBezTo>
+                      <a:pt x="783836" y="1311659"/>
+                      <a:pt x="431369" y="1198973"/>
+                      <a:pt x="431369" y="1059968"/>
+                    </a:cubicBezTo>
+                    <a:cubicBezTo>
+                      <a:pt x="431369" y="1042592"/>
+                      <a:pt x="436876" y="1025628"/>
+                      <a:pt x="447363" y="1009244"/>
+                    </a:cubicBezTo>
+                    <a:lnTo>
+                      <a:pt x="461827" y="994347"/>
+                    </a:lnTo>
+                    <a:lnTo>
+                      <a:pt x="347094" y="974437"/>
+                    </a:lnTo>
+                    <a:cubicBezTo>
+                      <a:pt x="137682" y="929206"/>
+                      <a:pt x="0" y="852609"/>
+                      <a:pt x="0" y="765731"/>
+                    </a:cubicBezTo>
+                    <a:cubicBezTo>
+                      <a:pt x="0" y="678853"/>
+                      <a:pt x="137682" y="602256"/>
+                      <a:pt x="347094" y="557025"/>
+                    </a:cubicBezTo>
+                    <a:lnTo>
+                      <a:pt x="383452" y="550716"/>
+                    </a:lnTo>
+                    <a:lnTo>
+                      <a:pt x="383815" y="549343"/>
+                    </a:lnTo>
+                    <a:cubicBezTo>
+                      <a:pt x="509289" y="315489"/>
+                      <a:pt x="999696" y="132332"/>
+                      <a:pt x="1618202" y="90197"/>
+                    </a:cubicBezTo>
+                    <a:lnTo>
+                      <a:pt x="1821019" y="83372"/>
+                    </a:lnTo>
+                    <a:lnTo>
+                      <a:pt x="1845931" y="73719"/>
+                    </a:lnTo>
+                    <a:cubicBezTo>
+                      <a:pt x="1988396" y="28171"/>
+                      <a:pt x="2185210" y="0"/>
+                      <a:pt x="2402605" y="0"/>
+                    </a:cubicBezTo>
+                    <a:close/>
+                  </a:path>
+                </a:pathLst>
+              </a:custGeom>
+              <a:solidFill>
+                <a:schemeClr val="bg1">
+                  <a:lumMod val="65000"/>
+                </a:schemeClr>
+              </a:solidFill>
+              <a:ln>
+                <a:solidFill>
+                  <a:schemeClr val="bg1">
+                    <a:lumMod val="65000"/>
+                  </a:schemeClr>
+                </a:solidFill>
+              </a:ln>
+            </p:spPr>
+            <p:style>
+              <a:lnRef idx="2">
+                <a:schemeClr val="accent1">
+                  <a:shade val="50000"/>
+                </a:schemeClr>
+              </a:lnRef>
+              <a:fillRef idx="1">
+                <a:schemeClr val="accent1"/>
+              </a:fillRef>
+              <a:effectRef idx="0">
+                <a:schemeClr val="accent1"/>
+              </a:effectRef>
+              <a:fontRef idx="minor">
+                <a:schemeClr val="lt1"/>
+              </a:fontRef>
+            </p:style>
+            <p:txBody>
+              <a:bodyPr wrap="square" anchor="ctr">
+                <a:noAutofit/>
+              </a:bodyPr>
+              <a:lstStyle/>
+              <a:p>
+                <a:pPr lvl="0" algn="ctr">
+                  <a:defRPr/>
+                </a:pPr>
+                <a:endParaRPr lang="ko-KR" altLang="en-US" sz="2700"/>
+              </a:p>
+            </p:txBody>
+          </p:sp>
+          <p:sp>
+            <p:nvSpPr>
+              <p:cNvPr id="53" name="자유형: 도형 52"/>
+              <p:cNvSpPr/>
+              <p:nvPr/>
+            </p:nvSpPr>
+            <p:spPr>
+              <a:xfrm>
+                <a:off x="9183616" y="850150"/>
+                <a:ext cx="1885808" cy="698397"/>
+              </a:xfrm>
+              <a:custGeom>
+                <a:avLst/>
+                <a:gdLst>
+                  <a:gd name="connsiteX0" fmla="*/ 2402605 w 3975969"/>
+                  <a:gd name="connsiteY0" fmla="*/ 0 h 1466355"/>
+                  <a:gd name="connsiteX1" fmla="*/ 3189862 w 3975969"/>
+                  <a:gd name="connsiteY1" fmla="*/ 251691 h 1466355"/>
+                  <a:gd name="connsiteX2" fmla="*/ 3173868 w 3975969"/>
+                  <a:gd name="connsiteY2" fmla="*/ 302415 h 1466355"/>
+                  <a:gd name="connsiteX3" fmla="*/ 3166493 w 3975969"/>
+                  <a:gd name="connsiteY3" fmla="*/ 310011 h 1466355"/>
+                  <a:gd name="connsiteX4" fmla="*/ 3188712 w 3975969"/>
+                  <a:gd name="connsiteY4" fmla="*/ 309295 h 1466355"/>
+                  <a:gd name="connsiteX5" fmla="*/ 3975969 w 3975969"/>
+                  <a:gd name="connsiteY5" fmla="*/ 560986 h 1466355"/>
+                  <a:gd name="connsiteX6" fmla="*/ 3689480 w 3975969"/>
+                  <a:gd name="connsiteY6" fmla="*/ 755203 h 1466355"/>
+                  <a:gd name="connsiteX7" fmla="*/ 3592229 w 3975969"/>
+                  <a:gd name="connsiteY7" fmla="*/ 774067 h 1466355"/>
+                  <a:gd name="connsiteX8" fmla="*/ 3593274 w 3975969"/>
+                  <a:gd name="connsiteY8" fmla="*/ 774343 h 1466355"/>
+                  <a:gd name="connsiteX9" fmla="*/ 3823856 w 3975969"/>
+                  <a:gd name="connsiteY9" fmla="*/ 952315 h 1466355"/>
+                  <a:gd name="connsiteX10" fmla="*/ 3195259 w 3975969"/>
+                  <a:gd name="connsiteY10" fmla="*/ 1198893 h 1466355"/>
+                  <a:gd name="connsiteX11" fmla="*/ 3108564 w 3975969"/>
+                  <a:gd name="connsiteY11" fmla="*/ 1201687 h 1466355"/>
+                  <a:gd name="connsiteX12" fmla="*/ 3112656 w 3975969"/>
+                  <a:gd name="connsiteY12" fmla="*/ 1214664 h 1466355"/>
+                  <a:gd name="connsiteX13" fmla="*/ 2325399 w 3975969"/>
+                  <a:gd name="connsiteY13" fmla="*/ 1466355 h 1466355"/>
+                  <a:gd name="connsiteX14" fmla="*/ 1600009 w 3975969"/>
+                  <a:gd name="connsiteY14" fmla="*/ 1312634 h 1466355"/>
+                  <a:gd name="connsiteX15" fmla="*/ 1570502 w 3975969"/>
+                  <a:gd name="connsiteY15" fmla="*/ 1282243 h 1466355"/>
+                  <a:gd name="connsiteX16" fmla="*/ 1452733 w 3975969"/>
+                  <a:gd name="connsiteY16" fmla="*/ 1300344 h 1466355"/>
+                  <a:gd name="connsiteX17" fmla="*/ 1218626 w 3975969"/>
+                  <a:gd name="connsiteY17" fmla="*/ 1311659 h 1466355"/>
+                  <a:gd name="connsiteX18" fmla="*/ 431369 w 3975969"/>
+                  <a:gd name="connsiteY18" fmla="*/ 1059968 h 1466355"/>
+                  <a:gd name="connsiteX19" fmla="*/ 447363 w 3975969"/>
+                  <a:gd name="connsiteY19" fmla="*/ 1009244 h 1466355"/>
+                  <a:gd name="connsiteX20" fmla="*/ 461827 w 3975969"/>
+                  <a:gd name="connsiteY20" fmla="*/ 994347 h 1466355"/>
+                  <a:gd name="connsiteX21" fmla="*/ 347094 w 3975969"/>
+                  <a:gd name="connsiteY21" fmla="*/ 974437 h 1466355"/>
+                  <a:gd name="connsiteX22" fmla="*/ 0 w 3975969"/>
+                  <a:gd name="connsiteY22" fmla="*/ 765731 h 1466355"/>
+                  <a:gd name="connsiteX23" fmla="*/ 347094 w 3975969"/>
+                  <a:gd name="connsiteY23" fmla="*/ 557025 h 1466355"/>
+                  <a:gd name="connsiteX24" fmla="*/ 383452 w 3975969"/>
+                  <a:gd name="connsiteY24" fmla="*/ 550716 h 1466355"/>
+                  <a:gd name="connsiteX25" fmla="*/ 383815 w 3975969"/>
+                  <a:gd name="connsiteY25" fmla="*/ 549343 h 1466355"/>
+                  <a:gd name="connsiteX26" fmla="*/ 1618202 w 3975969"/>
+                  <a:gd name="connsiteY26" fmla="*/ 90197 h 1466355"/>
+                  <a:gd name="connsiteX27" fmla="*/ 1821019 w 3975969"/>
+                  <a:gd name="connsiteY27" fmla="*/ 83372 h 1466355"/>
+                  <a:gd name="connsiteX28" fmla="*/ 1845931 w 3975969"/>
+                  <a:gd name="connsiteY28" fmla="*/ 73719 h 1466355"/>
+                  <a:gd name="connsiteX29" fmla="*/ 2402605 w 3975969"/>
+                  <a:gd name="connsiteY29" fmla="*/ 0 h 1466355"/>
+                </a:gdLst>
+                <a:cxnLst>
+                  <a:cxn ang="0">
+                    <a:pos x="connsiteX0" y="connsiteY0"/>
+                  </a:cxn>
+                  <a:cxn ang="0">
+                    <a:pos x="connsiteX1" y="connsiteY1"/>
+                  </a:cxn>
+                  <a:cxn ang="0">
+                    <a:pos x="connsiteX2" y="connsiteY2"/>
+                  </a:cxn>
+                  <a:cxn ang="0">
+                    <a:pos x="connsiteX3" y="connsiteY3"/>
+                  </a:cxn>
+                  <a:cxn ang="0">
+                    <a:pos x="connsiteX4" y="connsiteY4"/>
+                  </a:cxn>
+                  <a:cxn ang="0">
+                    <a:pos x="connsiteX5" y="connsiteY5"/>
+                  </a:cxn>
+                  <a:cxn ang="0">
+                    <a:pos x="connsiteX6" y="connsiteY6"/>
+                  </a:cxn>
+                  <a:cxn ang="0">
+                    <a:pos x="connsiteX7" y="connsiteY7"/>
+                  </a:cxn>
+                  <a:cxn ang="0">
+                    <a:pos x="connsiteX8" y="connsiteY8"/>
+                  </a:cxn>
+                  <a:cxn ang="0">
+                    <a:pos x="connsiteX9" y="connsiteY9"/>
+                  </a:cxn>
+                  <a:cxn ang="0">
+                    <a:pos x="connsiteX10" y="connsiteY10"/>
+                  </a:cxn>
+                  <a:cxn ang="0">
+                    <a:pos x="connsiteX11" y="connsiteY11"/>
+                  </a:cxn>
+                  <a:cxn ang="0">
+                    <a:pos x="connsiteX12" y="connsiteY12"/>
+                  </a:cxn>
+                  <a:cxn ang="0">
+                    <a:pos x="connsiteX13" y="connsiteY13"/>
+                  </a:cxn>
+                  <a:cxn ang="0">
+                    <a:pos x="connsiteX14" y="connsiteY14"/>
+                  </a:cxn>
+                  <a:cxn ang="0">
+                    <a:pos x="connsiteX15" y="connsiteY15"/>
+                  </a:cxn>
+                  <a:cxn ang="0">
+                    <a:pos x="connsiteX16" y="connsiteY16"/>
+                  </a:cxn>
+                  <a:cxn ang="0">
+                    <a:pos x="connsiteX17" y="connsiteY17"/>
+                  </a:cxn>
+                  <a:cxn ang="0">
+                    <a:pos x="connsiteX18" y="connsiteY18"/>
+                  </a:cxn>
+                  <a:cxn ang="0">
+                    <a:pos x="connsiteX19" y="connsiteY19"/>
+                  </a:cxn>
+                  <a:cxn ang="0">
+                    <a:pos x="connsiteX20" y="connsiteY20"/>
+                  </a:cxn>
+                  <a:cxn ang="0">
+                    <a:pos x="connsiteX21" y="connsiteY21"/>
+                  </a:cxn>
+                  <a:cxn ang="0">
+                    <a:pos x="connsiteX22" y="connsiteY22"/>
+                  </a:cxn>
+                  <a:cxn ang="0">
+                    <a:pos x="connsiteX23" y="connsiteY23"/>
+                  </a:cxn>
+                  <a:cxn ang="0">
+                    <a:pos x="connsiteX24" y="connsiteY24"/>
+                  </a:cxn>
+                  <a:cxn ang="0">
+                    <a:pos x="connsiteX25" y="connsiteY25"/>
+                  </a:cxn>
+                  <a:cxn ang="0">
+                    <a:pos x="connsiteX26" y="connsiteY26"/>
+                  </a:cxn>
+                  <a:cxn ang="0">
+                    <a:pos x="connsiteX27" y="connsiteY27"/>
+                  </a:cxn>
+                  <a:cxn ang="0">
+                    <a:pos x="connsiteX28" y="connsiteY28"/>
+                  </a:cxn>
+                  <a:cxn ang="0">
+                    <a:pos x="connsiteX29" y="connsiteY29"/>
+                  </a:cxn>
+                </a:cxnLst>
+                <a:rect l="l" t="t" r="r" b="b"/>
+                <a:pathLst>
+                  <a:path w="3975969" h="1466355">
+                    <a:moveTo>
+                      <a:pt x="2402605" y="0"/>
+                    </a:moveTo>
+                    <a:cubicBezTo>
+                      <a:pt x="2837395" y="0"/>
+                      <a:pt x="3189862" y="112686"/>
+                      <a:pt x="3189862" y="251691"/>
+                    </a:cubicBezTo>
+                    <a:cubicBezTo>
+                      <a:pt x="3189862" y="269067"/>
+                      <a:pt x="3184355" y="286031"/>
+                      <a:pt x="3173868" y="302415"/>
+                    </a:cubicBezTo>
+                    <a:lnTo>
+                      <a:pt x="3166493" y="310011"/>
+                    </a:lnTo>
+                    <a:lnTo>
+                      <a:pt x="3188712" y="309295"/>
+                    </a:lnTo>
+                    <a:cubicBezTo>
+                      <a:pt x="3623502" y="309295"/>
+                      <a:pt x="3975969" y="421981"/>
+                      <a:pt x="3975969" y="560986"/>
+                    </a:cubicBezTo>
+                    <a:cubicBezTo>
+                      <a:pt x="3975969" y="639176"/>
+                      <a:pt x="3864446" y="709039"/>
+                      <a:pt x="3689480" y="755203"/>
+                    </a:cubicBezTo>
+                    <a:lnTo>
+                      <a:pt x="3592229" y="774067"/>
+                    </a:lnTo>
+                    <a:lnTo>
+                      <a:pt x="3593274" y="774343"/>
+                    </a:lnTo>
+                    <a:cubicBezTo>
+                      <a:pt x="3735739" y="819890"/>
+                      <a:pt x="3823856" y="882813"/>
+                      <a:pt x="3823856" y="952315"/>
+                    </a:cubicBezTo>
+                    <a:cubicBezTo>
+                      <a:pt x="3823856" y="1073944"/>
+                      <a:pt x="3553998" y="1175423"/>
+                      <a:pt x="3195259" y="1198893"/>
+                    </a:cubicBezTo>
+                    <a:lnTo>
+                      <a:pt x="3108564" y="1201687"/>
+                    </a:lnTo>
+                    <a:lnTo>
+                      <a:pt x="3112656" y="1214664"/>
+                    </a:lnTo>
+                    <a:cubicBezTo>
+                      <a:pt x="3112656" y="1353669"/>
+                      <a:pt x="2760189" y="1466355"/>
+                      <a:pt x="2325399" y="1466355"/>
+                    </a:cubicBezTo>
+                    <a:cubicBezTo>
+                      <a:pt x="1999307" y="1466355"/>
+                      <a:pt x="1719521" y="1402969"/>
+                      <a:pt x="1600009" y="1312634"/>
+                    </a:cubicBezTo>
+                    <a:lnTo>
+                      <a:pt x="1570502" y="1282243"/>
+                    </a:lnTo>
+                    <a:lnTo>
+                      <a:pt x="1452733" y="1300344"/>
+                    </a:lnTo>
+                    <a:cubicBezTo>
+                      <a:pt x="1378779" y="1307697"/>
+                      <a:pt x="1300150" y="1311659"/>
+                      <a:pt x="1218626" y="1311659"/>
+                    </a:cubicBezTo>
+                    <a:cubicBezTo>
+                      <a:pt x="783836" y="1311659"/>
+                      <a:pt x="431369" y="1198973"/>
+                      <a:pt x="431369" y="1059968"/>
+                    </a:cubicBezTo>
+                    <a:cubicBezTo>
+                      <a:pt x="431369" y="1042592"/>
+                      <a:pt x="436876" y="1025628"/>
+                      <a:pt x="447363" y="1009244"/>
+                    </a:cubicBezTo>
+                    <a:lnTo>
+                      <a:pt x="461827" y="994347"/>
+                    </a:lnTo>
+                    <a:lnTo>
+                      <a:pt x="347094" y="974437"/>
+                    </a:lnTo>
+                    <a:cubicBezTo>
+                      <a:pt x="137682" y="929206"/>
+                      <a:pt x="0" y="852609"/>
+                      <a:pt x="0" y="765731"/>
+                    </a:cubicBezTo>
+                    <a:cubicBezTo>
+                      <a:pt x="0" y="678853"/>
+                      <a:pt x="137682" y="602256"/>
+                      <a:pt x="347094" y="557025"/>
+                    </a:cubicBezTo>
+                    <a:lnTo>
+                      <a:pt x="383452" y="550716"/>
+                    </a:lnTo>
+                    <a:lnTo>
+                      <a:pt x="383815" y="549343"/>
+                    </a:lnTo>
+                    <a:cubicBezTo>
+                      <a:pt x="509289" y="315489"/>
+                      <a:pt x="999696" y="132332"/>
+                      <a:pt x="1618202" y="90197"/>
+                    </a:cubicBezTo>
+                    <a:lnTo>
+                      <a:pt x="1821019" y="83372"/>
+                    </a:lnTo>
+                    <a:lnTo>
+                      <a:pt x="1845931" y="73719"/>
+                    </a:lnTo>
+                    <a:cubicBezTo>
+                      <a:pt x="1988396" y="28171"/>
+                      <a:pt x="2185210" y="0"/>
+                      <a:pt x="2402605" y="0"/>
+                    </a:cubicBezTo>
+                    <a:close/>
+                  </a:path>
+                </a:pathLst>
+              </a:custGeom>
+              <a:solidFill>
+                <a:schemeClr val="bg1">
+                  <a:lumMod val="75000"/>
+                </a:schemeClr>
+              </a:solidFill>
+              <a:ln>
+                <a:solidFill>
+                  <a:schemeClr val="bg1">
+                    <a:lumMod val="75000"/>
+                  </a:schemeClr>
+                </a:solidFill>
+              </a:ln>
+            </p:spPr>
+            <p:style>
+              <a:lnRef idx="2">
+                <a:schemeClr val="accent1">
+                  <a:shade val="50000"/>
+                </a:schemeClr>
+              </a:lnRef>
+              <a:fillRef idx="1">
+                <a:schemeClr val="accent1"/>
+              </a:fillRef>
+              <a:effectRef idx="0">
+                <a:schemeClr val="accent1"/>
+              </a:effectRef>
+              <a:fontRef idx="minor">
+                <a:schemeClr val="lt1"/>
+              </a:fontRef>
+            </p:style>
+            <p:txBody>
+              <a:bodyPr wrap="square" anchor="ctr">
+                <a:noAutofit/>
+              </a:bodyPr>
+              <a:lstStyle/>
+              <a:p>
+                <a:pPr lvl="0" algn="ctr">
+                  <a:defRPr/>
+                </a:pPr>
+                <a:endParaRPr lang="ko-KR" altLang="en-US" sz="2700"/>
+              </a:p>
+            </p:txBody>
+          </p:sp>
+        </p:grpSp>
+        <p:sp>
+          <p:nvSpPr>
+            <p:cNvPr id="6" name="자유형: 도형 5"/>
+            <p:cNvSpPr/>
+            <p:nvPr/>
+          </p:nvSpPr>
+          <p:spPr>
+            <a:xfrm>
+              <a:off x="9151599" y="216156"/>
+              <a:ext cx="1885808" cy="698397"/>
+            </a:xfrm>
+            <a:custGeom>
+              <a:avLst/>
+              <a:gdLst>
+                <a:gd name="connsiteX0" fmla="*/ 2402605 w 3975969"/>
+                <a:gd name="connsiteY0" fmla="*/ 0 h 1466355"/>
+                <a:gd name="connsiteX1" fmla="*/ 3189862 w 3975969"/>
+                <a:gd name="connsiteY1" fmla="*/ 251691 h 1466355"/>
+                <a:gd name="connsiteX2" fmla="*/ 3173868 w 3975969"/>
+                <a:gd name="connsiteY2" fmla="*/ 302415 h 1466355"/>
+                <a:gd name="connsiteX3" fmla="*/ 3166493 w 3975969"/>
+                <a:gd name="connsiteY3" fmla="*/ 310011 h 1466355"/>
+                <a:gd name="connsiteX4" fmla="*/ 3188712 w 3975969"/>
+                <a:gd name="connsiteY4" fmla="*/ 309295 h 1466355"/>
+                <a:gd name="connsiteX5" fmla="*/ 3975969 w 3975969"/>
+                <a:gd name="connsiteY5" fmla="*/ 560986 h 1466355"/>
+                <a:gd name="connsiteX6" fmla="*/ 3689480 w 3975969"/>
+                <a:gd name="connsiteY6" fmla="*/ 755203 h 1466355"/>
+                <a:gd name="connsiteX7" fmla="*/ 3592229 w 3975969"/>
+                <a:gd name="connsiteY7" fmla="*/ 774067 h 1466355"/>
+                <a:gd name="connsiteX8" fmla="*/ 3593274 w 3975969"/>
+                <a:gd name="connsiteY8" fmla="*/ 774343 h 1466355"/>
+                <a:gd name="connsiteX9" fmla="*/ 3823856 w 3975969"/>
+                <a:gd name="connsiteY9" fmla="*/ 952315 h 1466355"/>
+                <a:gd name="connsiteX10" fmla="*/ 3195259 w 3975969"/>
+                <a:gd name="connsiteY10" fmla="*/ 1198893 h 1466355"/>
+                <a:gd name="connsiteX11" fmla="*/ 3108564 w 3975969"/>
+                <a:gd name="connsiteY11" fmla="*/ 1201687 h 1466355"/>
+                <a:gd name="connsiteX12" fmla="*/ 3112656 w 3975969"/>
+                <a:gd name="connsiteY12" fmla="*/ 1214664 h 1466355"/>
+                <a:gd name="connsiteX13" fmla="*/ 2325399 w 3975969"/>
+                <a:gd name="connsiteY13" fmla="*/ 1466355 h 1466355"/>
+                <a:gd name="connsiteX14" fmla="*/ 1600009 w 3975969"/>
+                <a:gd name="connsiteY14" fmla="*/ 1312634 h 1466355"/>
+                <a:gd name="connsiteX15" fmla="*/ 1570502 w 3975969"/>
+                <a:gd name="connsiteY15" fmla="*/ 1282243 h 1466355"/>
+                <a:gd name="connsiteX16" fmla="*/ 1452733 w 3975969"/>
+                <a:gd name="connsiteY16" fmla="*/ 1300344 h 1466355"/>
+                <a:gd name="connsiteX17" fmla="*/ 1218626 w 3975969"/>
+                <a:gd name="connsiteY17" fmla="*/ 1311659 h 1466355"/>
+                <a:gd name="connsiteX18" fmla="*/ 431369 w 3975969"/>
+                <a:gd name="connsiteY18" fmla="*/ 1059968 h 1466355"/>
+                <a:gd name="connsiteX19" fmla="*/ 447363 w 3975969"/>
+                <a:gd name="connsiteY19" fmla="*/ 1009244 h 1466355"/>
+                <a:gd name="connsiteX20" fmla="*/ 461827 w 3975969"/>
+                <a:gd name="connsiteY20" fmla="*/ 994347 h 1466355"/>
+                <a:gd name="connsiteX21" fmla="*/ 347094 w 3975969"/>
+                <a:gd name="connsiteY21" fmla="*/ 974437 h 1466355"/>
+                <a:gd name="connsiteX22" fmla="*/ 0 w 3975969"/>
+                <a:gd name="connsiteY22" fmla="*/ 765731 h 1466355"/>
+                <a:gd name="connsiteX23" fmla="*/ 347094 w 3975969"/>
+                <a:gd name="connsiteY23" fmla="*/ 557025 h 1466355"/>
+                <a:gd name="connsiteX24" fmla="*/ 383452 w 3975969"/>
+                <a:gd name="connsiteY24" fmla="*/ 550716 h 1466355"/>
+                <a:gd name="connsiteX25" fmla="*/ 383815 w 3975969"/>
+                <a:gd name="connsiteY25" fmla="*/ 549343 h 1466355"/>
+                <a:gd name="connsiteX26" fmla="*/ 1618202 w 3975969"/>
+                <a:gd name="connsiteY26" fmla="*/ 90197 h 1466355"/>
+                <a:gd name="connsiteX27" fmla="*/ 1821019 w 3975969"/>
+                <a:gd name="connsiteY27" fmla="*/ 83372 h 1466355"/>
+                <a:gd name="connsiteX28" fmla="*/ 1845931 w 3975969"/>
+                <a:gd name="connsiteY28" fmla="*/ 73719 h 1466355"/>
+                <a:gd name="connsiteX29" fmla="*/ 2402605 w 3975969"/>
+                <a:gd name="connsiteY29" fmla="*/ 0 h 1466355"/>
+              </a:gdLst>
+              <a:cxnLst>
+                <a:cxn ang="0">
+                  <a:pos x="connsiteX0" y="connsiteY0"/>
+                </a:cxn>
+                <a:cxn ang="0">
+                  <a:pos x="connsiteX1" y="connsiteY1"/>
+                </a:cxn>
+                <a:cxn ang="0">
+                  <a:pos x="connsiteX2" y="connsiteY2"/>
+                </a:cxn>
+                <a:cxn ang="0">
+                  <a:pos x="connsiteX3" y="connsiteY3"/>
+                </a:cxn>
+                <a:cxn ang="0">
+                  <a:pos x="connsiteX4" y="connsiteY4"/>
+                </a:cxn>
+                <a:cxn ang="0">
+                  <a:pos x="connsiteX5" y="connsiteY5"/>
+                </a:cxn>
+                <a:cxn ang="0">
+                  <a:pos x="connsiteX6" y="connsiteY6"/>
+                </a:cxn>
+                <a:cxn ang="0">
+                  <a:pos x="connsiteX7" y="connsiteY7"/>
+                </a:cxn>
+                <a:cxn ang="0">
+                  <a:pos x="connsiteX8" y="connsiteY8"/>
+                </a:cxn>
+                <a:cxn ang="0">
+                  <a:pos x="connsiteX9" y="connsiteY9"/>
+                </a:cxn>
+                <a:cxn ang="0">
+                  <a:pos x="connsiteX10" y="connsiteY10"/>
+                </a:cxn>
+                <a:cxn ang="0">
+                  <a:pos x="connsiteX11" y="connsiteY11"/>
+                </a:cxn>
+                <a:cxn ang="0">
+                  <a:pos x="connsiteX12" y="connsiteY12"/>
+                </a:cxn>
+                <a:cxn ang="0">
+                  <a:pos x="connsiteX13" y="connsiteY13"/>
+                </a:cxn>
+                <a:cxn ang="0">
+                  <a:pos x="connsiteX14" y="connsiteY14"/>
+                </a:cxn>
+                <a:cxn ang="0">
+                  <a:pos x="connsiteX15" y="connsiteY15"/>
+                </a:cxn>
+                <a:cxn ang="0">
+                  <a:pos x="connsiteX16" y="connsiteY16"/>
+                </a:cxn>
+                <a:cxn ang="0">
+                  <a:pos x="connsiteX17" y="connsiteY17"/>
+                </a:cxn>
+                <a:cxn ang="0">
+                  <a:pos x="connsiteX18" y="connsiteY18"/>
+                </a:cxn>
+                <a:cxn ang="0">
+                  <a:pos x="connsiteX19" y="connsiteY19"/>
+                </a:cxn>
+                <a:cxn ang="0">
+                  <a:pos x="connsiteX20" y="connsiteY20"/>
+                </a:cxn>
+                <a:cxn ang="0">
+                  <a:pos x="connsiteX21" y="connsiteY21"/>
+                </a:cxn>
+                <a:cxn ang="0">
+                  <a:pos x="connsiteX22" y="connsiteY22"/>
+                </a:cxn>
+                <a:cxn ang="0">
+                  <a:pos x="connsiteX23" y="connsiteY23"/>
+                </a:cxn>
+                <a:cxn ang="0">
+                  <a:pos x="connsiteX24" y="connsiteY24"/>
+                </a:cxn>
+                <a:cxn ang="0">
+                  <a:pos x="connsiteX25" y="connsiteY25"/>
+                </a:cxn>
+                <a:cxn ang="0">
+                  <a:pos x="connsiteX26" y="connsiteY26"/>
+                </a:cxn>
+                <a:cxn ang="0">
+                  <a:pos x="connsiteX27" y="connsiteY27"/>
+                </a:cxn>
+                <a:cxn ang="0">
+                  <a:pos x="connsiteX28" y="connsiteY28"/>
+                </a:cxn>
+                <a:cxn ang="0">
+                  <a:pos x="connsiteX29" y="connsiteY29"/>
+                </a:cxn>
+              </a:cxnLst>
+              <a:rect l="l" t="t" r="r" b="b"/>
+              <a:pathLst>
+                <a:path w="3975969" h="1466355">
+                  <a:moveTo>
+                    <a:pt x="2402605" y="0"/>
+                  </a:moveTo>
+                  <a:cubicBezTo>
+                    <a:pt x="2837395" y="0"/>
+                    <a:pt x="3189862" y="112686"/>
+                    <a:pt x="3189862" y="251691"/>
+                  </a:cubicBezTo>
+                  <a:cubicBezTo>
+                    <a:pt x="3189862" y="269067"/>
+                    <a:pt x="3184355" y="286031"/>
+                    <a:pt x="3173868" y="302415"/>
+                  </a:cubicBezTo>
+                  <a:lnTo>
+                    <a:pt x="3166493" y="310011"/>
+                  </a:lnTo>
+                  <a:lnTo>
+                    <a:pt x="3188712" y="309295"/>
+                  </a:lnTo>
+                  <a:cubicBezTo>
+                    <a:pt x="3623502" y="309295"/>
+                    <a:pt x="3975969" y="421981"/>
+                    <a:pt x="3975969" y="560986"/>
+                  </a:cubicBezTo>
+                  <a:cubicBezTo>
+                    <a:pt x="3975969" y="639176"/>
+                    <a:pt x="3864446" y="709039"/>
+                    <a:pt x="3689480" y="755203"/>
+                  </a:cubicBezTo>
+                  <a:lnTo>
+                    <a:pt x="3592229" y="774067"/>
+                  </a:lnTo>
+                  <a:lnTo>
+                    <a:pt x="3593274" y="774343"/>
+                  </a:lnTo>
+                  <a:cubicBezTo>
+                    <a:pt x="3735739" y="819890"/>
+                    <a:pt x="3823856" y="882813"/>
+                    <a:pt x="3823856" y="952315"/>
+                  </a:cubicBezTo>
+                  <a:cubicBezTo>
+                    <a:pt x="3823856" y="1073944"/>
+                    <a:pt x="3553998" y="1175423"/>
+                    <a:pt x="3195259" y="1198893"/>
+                  </a:cubicBezTo>
+                  <a:lnTo>
+                    <a:pt x="3108564" y="1201687"/>
+                  </a:lnTo>
+                  <a:lnTo>
+                    <a:pt x="3112656" y="1214664"/>
+                  </a:lnTo>
+                  <a:cubicBezTo>
+                    <a:pt x="3112656" y="1353669"/>
+                    <a:pt x="2760189" y="1466355"/>
+                    <a:pt x="2325399" y="1466355"/>
+                  </a:cubicBezTo>
+                  <a:cubicBezTo>
+                    <a:pt x="1999307" y="1466355"/>
+                    <a:pt x="1719521" y="1402969"/>
+                    <a:pt x="1600009" y="1312634"/>
+                  </a:cubicBezTo>
+                  <a:lnTo>
+                    <a:pt x="1570502" y="1282243"/>
+                  </a:lnTo>
+                  <a:lnTo>
+                    <a:pt x="1452733" y="1300344"/>
+                  </a:lnTo>
+                  <a:cubicBezTo>
+                    <a:pt x="1378779" y="1307697"/>
+                    <a:pt x="1300150" y="1311659"/>
+                    <a:pt x="1218626" y="1311659"/>
+                  </a:cubicBezTo>
+                  <a:cubicBezTo>
+                    <a:pt x="783836" y="1311659"/>
+                    <a:pt x="431369" y="1198973"/>
+                    <a:pt x="431369" y="1059968"/>
+                  </a:cubicBezTo>
+                  <a:cubicBezTo>
+                    <a:pt x="431369" y="1042592"/>
+                    <a:pt x="436876" y="1025628"/>
+                    <a:pt x="447363" y="1009244"/>
+                  </a:cubicBezTo>
+                  <a:lnTo>
+                    <a:pt x="461827" y="994347"/>
+                  </a:lnTo>
+                  <a:lnTo>
+                    <a:pt x="347094" y="974437"/>
+                  </a:lnTo>
+                  <a:cubicBezTo>
+                    <a:pt x="137682" y="929206"/>
+                    <a:pt x="0" y="852609"/>
+                    <a:pt x="0" y="765731"/>
+                  </a:cubicBezTo>
+                  <a:cubicBezTo>
+                    <a:pt x="0" y="678853"/>
+                    <a:pt x="137682" y="602256"/>
+                    <a:pt x="347094" y="557025"/>
+                  </a:cubicBezTo>
+                  <a:lnTo>
+                    <a:pt x="383452" y="550716"/>
+                  </a:lnTo>
+                  <a:lnTo>
+                    <a:pt x="383815" y="549343"/>
+                  </a:lnTo>
+                  <a:cubicBezTo>
+                    <a:pt x="509289" y="315489"/>
+                    <a:pt x="999696" y="132332"/>
+                    <a:pt x="1618202" y="90197"/>
+                  </a:cubicBezTo>
+                  <a:lnTo>
+                    <a:pt x="1821019" y="83372"/>
+                  </a:lnTo>
+                  <a:lnTo>
+                    <a:pt x="1845931" y="73719"/>
+                  </a:lnTo>
+                  <a:cubicBezTo>
+                    <a:pt x="1988396" y="28171"/>
+                    <a:pt x="2185210" y="0"/>
+                    <a:pt x="2402605" y="0"/>
+                  </a:cubicBezTo>
+                  <a:close/>
+                </a:path>
+              </a:pathLst>
+            </a:custGeom>
+            <a:solidFill>
+              <a:schemeClr val="bg2">
+                <a:lumMod val="50000"/>
+              </a:schemeClr>
+            </a:solidFill>
+            <a:ln>
+              <a:solidFill>
+                <a:schemeClr val="bg2">
+                  <a:lumMod val="50000"/>
+                </a:schemeClr>
+              </a:solidFill>
+            </a:ln>
+          </p:spPr>
+          <p:style>
+            <a:lnRef idx="2">
+              <a:schemeClr val="accent1">
+                <a:shade val="50000"/>
+              </a:schemeClr>
+            </a:lnRef>
+            <a:fillRef idx="1">
+              <a:schemeClr val="accent1"/>
+            </a:fillRef>
+            <a:effectRef idx="0">
+              <a:schemeClr val="accent1"/>
+            </a:effectRef>
+            <a:fontRef idx="minor">
+              <a:schemeClr val="lt1"/>
+            </a:fontRef>
+          </p:style>
+          <p:txBody>
+            <a:bodyPr wrap="square" anchor="ctr">
+              <a:noAutofit/>
+            </a:bodyPr>
+            <a:lstStyle/>
+            <a:p>
+              <a:pPr lvl="0" algn="ctr">
+                <a:defRPr/>
+              </a:pPr>
+              <a:endParaRPr lang="ko-KR" altLang="en-US" sz="2700"/>
+            </a:p>
+          </p:txBody>
+        </p:sp>
+      </p:grpSp>
+    </p:spTree>
+    <p:extLst>
+      <p:ext uri="{BB962C8B-B14F-4D97-AF65-F5344CB8AC3E}">
+        <p14:creationId xmlns:p14="http://schemas.microsoft.com/office/powerpoint/2010/main" val="1529975584"/>
+      </p:ext>
+    </p:extLst>
+  </p:cSld>
+  <p:clrMapOvr>
+    <a:masterClrMapping/>
+  </p:clrMapOvr>
+</p:sld>
+</file>
+
+<file path=ppt/slides/slide6.xml><?xml version="1.0" encoding="utf-8"?>
+<p:sld xmlns:r="http://schemas.openxmlformats.org/officeDocument/2006/relationships" xmlns:c="http://schemas.openxmlformats.org/drawingml/2006/chart" xmlns:a="http://schemas.openxmlformats.org/drawingml/2006/main" xmlns:dgm="http://schemas.openxmlformats.org/drawingml/2006/diagram" xmlns:dsp="http://schemas.microsoft.com/office/drawing/2008/diagram" xmlns:p="http://schemas.openxmlformats.org/presentationml/2006/main">
+  <p:cSld>
+    <p:spTree>
+      <p:nvGrpSpPr>
+        <p:cNvPr id="1" name=""/>
+        <p:cNvGrpSpPr/>
+        <p:nvPr/>
+      </p:nvGrpSpPr>
+      <p:grpSpPr>
+        <a:xfrm>
+          <a:off x="0" y="0"/>
+          <a:ext cx="0" cy="0"/>
+          <a:chOff x="0" y="0"/>
+          <a:chExt cx="0" cy="0"/>
+        </a:xfrm>
+      </p:grpSpPr>
+      <p:sp>
+        <p:nvSpPr>
+          <p:cNvPr id="2" name="직사각형 1"/>
+          <p:cNvSpPr/>
+          <p:nvPr/>
+        </p:nvSpPr>
+        <p:spPr>
+          <a:xfrm>
+            <a:off x="1460090" y="892277"/>
+            <a:ext cx="15367821" cy="8546691"/>
           </a:xfrm>
           <a:prstGeom prst="rect">
             <a:avLst/>
           </a:prstGeom>
           <a:noFill/>
-        </p:spPr>
-        <p:txBody>
-          <a:bodyPr wrap="none" rtlCol="0">
-            <a:spAutoFit/>
-          </a:bodyPr>
-          <a:lstStyle/>
-          <a:p>
-            <a:r>
-              <a:rPr lang="en-US" altLang="ko-KR" sz="4800" b="1" dirty="0" smtClean="0">
-                <a:solidFill>
-                  <a:schemeClr val="tx1">
-                    <a:lumMod val="75000"/>
-                    <a:lumOff val="25000"/>
-                  </a:schemeClr>
-                </a:solidFill>
-              </a:rPr>
-              <a:t>2</a:t>
-            </a:r>
-            <a:endParaRPr lang="ko-KR" altLang="en-US" sz="4800" b="1" dirty="0">
-              <a:solidFill>
-                <a:schemeClr val="tx1">
-                  <a:lumMod val="75000"/>
-                  <a:lumOff val="25000"/>
-                </a:schemeClr>
-              </a:solidFill>
-            </a:endParaRPr>
-          </a:p>
-        </p:txBody>
-      </p:sp>
-      <p:sp>
-        <p:nvSpPr>
-          <p:cNvPr id="11" name="직사각형 10">
-            <a:extLst>
-              <a:ext uri="{FF2B5EF4-FFF2-40B4-BE49-F238E27FC236}">
-                <a16:creationId xmlns:a16="http://schemas.microsoft.com/office/drawing/2014/main" id="{987AA3FC-68DA-467C-64DA-97FB5E67CF38}"/>
-              </a:ext>
-            </a:extLst>
-          </p:cNvPr>
-          <p:cNvSpPr/>
-          <p:nvPr/>
-        </p:nvSpPr>
-        <p:spPr>
-          <a:xfrm>
-            <a:off x="922358" y="2288885"/>
-            <a:ext cx="5163338" cy="4160520"/>
-          </a:xfrm>
-          <a:prstGeom prst="rect">
-            <a:avLst/>
-          </a:prstGeom>
-          <a:solidFill>
-            <a:schemeClr val="bg2"/>
-          </a:solidFill>
-          <a:ln>
-            <a:noFill/>
+          <a:ln w="85725" cmpd="sng">
+            <a:solidFill>
+              <a:schemeClr val="bg1">
+                <a:lumMod val="65000"/>
+              </a:schemeClr>
+            </a:solidFill>
           </a:ln>
         </p:spPr>
         <p:style>
@@ -9045,30 +12365,26 @@
           </a:fontRef>
         </p:style>
         <p:txBody>
-          <a:bodyPr rtlCol="0" anchor="ctr"/>
+          <a:bodyPr anchor="ctr"/>
           <a:lstStyle/>
           <a:p>
-            <a:pPr algn="ctr"/>
-            <a:endParaRPr lang="ko-KR" altLang="en-US"/>
-          </a:p>
-        </p:txBody>
-      </p:sp>
-      <p:sp>
-        <p:nvSpPr>
-          <p:cNvPr id="12" name="TextBox 11">
-            <a:extLst>
-              <a:ext uri="{FF2B5EF4-FFF2-40B4-BE49-F238E27FC236}">
-                <a16:creationId xmlns:a16="http://schemas.microsoft.com/office/drawing/2014/main" id="{31CFD8C4-4DBF-E078-BE3C-8CF3EFC04ED5}"/>
-              </a:ext>
-            </a:extLst>
-          </p:cNvPr>
+            <a:pPr lvl="0" algn="ctr">
+              <a:defRPr/>
+            </a:pPr>
+            <a:endParaRPr lang="ko-KR" altLang="en-US" sz="2700"/>
+          </a:p>
+        </p:txBody>
+      </p:sp>
+      <p:sp>
+        <p:nvSpPr>
+          <p:cNvPr id="5" name="TextBox 4"/>
           <p:cNvSpPr txBox="1"/>
           <p:nvPr/>
         </p:nvSpPr>
         <p:spPr>
           <a:xfrm>
-            <a:off x="2207684" y="6898011"/>
-            <a:ext cx="2592686" cy="461665"/>
+            <a:off x="1755060" y="1444250"/>
+            <a:ext cx="13155560" cy="725545"/>
           </a:xfrm>
           <a:prstGeom prst="rect">
             <a:avLst/>
@@ -9076,115 +12392,62 @@
           <a:noFill/>
         </p:spPr>
         <p:txBody>
-          <a:bodyPr wrap="square" rtlCol="0">
+          <a:bodyPr wrap="square">
             <a:spAutoFit/>
           </a:bodyPr>
           <a:lstStyle/>
           <a:p>
-            <a:pPr algn="ctr"/>
+            <a:pPr lvl="0" eaLnBrk="0" latinLnBrk="0" hangingPunct="0">
+              <a:spcBef>
+                <a:spcPct val="0"/>
+              </a:spcBef>
+              <a:spcAft>
+                <a:spcPct val="0"/>
+              </a:spcAft>
+              <a:defRPr/>
+            </a:pPr>
             <a:r>
-              <a:rPr lang="ko-KR" altLang="en-US" sz="2400" spc="-300" dirty="0"/>
-              <a:t>프론트 엔드</a:t>
+              <a:rPr lang="ko-KR" altLang="en-US" sz="4200" b="1">
+                <a:solidFill>
+                  <a:schemeClr val="tx1">
+                    <a:lumMod val="65000"/>
+                    <a:lumOff val="35000"/>
+                  </a:schemeClr>
+                </a:solidFill>
+                <a:latin typeface="나눔고딕"/>
+                <a:ea typeface="비트로 코어 TTF"/>
+              </a:rPr>
+              <a:t>아이콘</a:t>
             </a:r>
-          </a:p>
-        </p:txBody>
-      </p:sp>
-      <p:sp>
-        <p:nvSpPr>
-          <p:cNvPr id="14" name="TextBox 13">
-            <a:extLst>
-              <a:ext uri="{FF2B5EF4-FFF2-40B4-BE49-F238E27FC236}">
-                <a16:creationId xmlns:a16="http://schemas.microsoft.com/office/drawing/2014/main" id="{CB1FD869-1DCD-6F7F-A80B-E38D5D1E8E62}"/>
-              </a:ext>
-            </a:extLst>
-          </p:cNvPr>
-          <p:cNvSpPr txBox="1"/>
-          <p:nvPr/>
-        </p:nvSpPr>
-        <p:spPr>
-          <a:xfrm>
-            <a:off x="7847657" y="6898011"/>
-            <a:ext cx="2592686" cy="461665"/>
-          </a:xfrm>
-          <a:prstGeom prst="rect">
-            <a:avLst/>
-          </a:prstGeom>
-          <a:noFill/>
-        </p:spPr>
-        <p:txBody>
-          <a:bodyPr wrap="square" rtlCol="0">
-            <a:spAutoFit/>
-          </a:bodyPr>
-          <a:lstStyle/>
-          <a:p>
-            <a:pPr algn="ctr"/>
-            <a:r>
-              <a:rPr lang="ko-KR" altLang="en-US" sz="2400" spc="-300" dirty="0"/>
-              <a:t>백 엔드</a:t>
-            </a:r>
-          </a:p>
-        </p:txBody>
-      </p:sp>
-      <p:sp>
-        <p:nvSpPr>
-          <p:cNvPr id="16" name="TextBox 15">
-            <a:extLst>
-              <a:ext uri="{FF2B5EF4-FFF2-40B4-BE49-F238E27FC236}">
-                <a16:creationId xmlns:a16="http://schemas.microsoft.com/office/drawing/2014/main" id="{7B8B3281-12F4-D6B1-3788-1E65F0AE3122}"/>
-              </a:ext>
-            </a:extLst>
-          </p:cNvPr>
-          <p:cNvSpPr txBox="1"/>
-          <p:nvPr/>
-        </p:nvSpPr>
-        <p:spPr>
-          <a:xfrm>
-            <a:off x="13583049" y="6892820"/>
-            <a:ext cx="2592686" cy="461665"/>
-          </a:xfrm>
-          <a:prstGeom prst="rect">
-            <a:avLst/>
-          </a:prstGeom>
-          <a:noFill/>
-        </p:spPr>
-        <p:txBody>
-          <a:bodyPr wrap="square" rtlCol="0">
-            <a:spAutoFit/>
-          </a:bodyPr>
-          <a:lstStyle/>
-          <a:p>
-            <a:pPr algn="ctr"/>
-            <a:r>
-              <a:rPr lang="ko-KR" altLang="en-US" sz="2400" spc="-300" dirty="0"/>
-              <a:t>그  외 </a:t>
-            </a:r>
-          </a:p>
-        </p:txBody>
-      </p:sp>
-      <p:sp>
-        <p:nvSpPr>
-          <p:cNvPr id="17" name="직사각형 16">
-            <a:extLst>
-              <a:ext uri="{FF2B5EF4-FFF2-40B4-BE49-F238E27FC236}">
-                <a16:creationId xmlns:a16="http://schemas.microsoft.com/office/drawing/2014/main" id="{D2D6448F-F038-70B1-EF37-728321CC16A2}"/>
-              </a:ext>
-            </a:extLst>
-          </p:cNvPr>
+            <a:endParaRPr lang="ko-KR" altLang="en-US" sz="4200" b="1">
+              <a:solidFill>
+                <a:schemeClr val="tx1">
+                  <a:lumMod val="65000"/>
+                  <a:lumOff val="35000"/>
+                </a:schemeClr>
+              </a:solidFill>
+              <a:latin typeface="나눔고딕"/>
+              <a:ea typeface="비트로 코어 TTF"/>
+            </a:endParaRPr>
+          </a:p>
+        </p:txBody>
+      </p:sp>
+      <p:sp>
+        <p:nvSpPr>
+          <p:cNvPr id="3" name="직사각형 2"/>
           <p:cNvSpPr/>
           <p:nvPr/>
         </p:nvSpPr>
         <p:spPr>
           <a:xfrm>
-            <a:off x="6562331" y="2299713"/>
-            <a:ext cx="5163338" cy="4160520"/>
+            <a:off x="12772108" y="8915754"/>
+            <a:ext cx="3495368" cy="907026"/>
           </a:xfrm>
           <a:prstGeom prst="rect">
             <a:avLst/>
           </a:prstGeom>
           <a:solidFill>
-            <a:schemeClr val="bg2">
-              <a:lumMod val="90000"/>
-            </a:schemeClr>
+            <a:schemeClr val="bg1"/>
           </a:solidFill>
           <a:ln>
             <a:noFill/>
@@ -9207,83 +12470,1114 @@
           </a:fontRef>
         </p:style>
         <p:txBody>
-          <a:bodyPr rtlCol="0" anchor="ctr"/>
+          <a:bodyPr anchor="ctr"/>
           <a:lstStyle/>
           <a:p>
-            <a:pPr algn="ctr"/>
-            <a:endParaRPr lang="ko-KR" altLang="en-US"/>
-          </a:p>
-        </p:txBody>
-      </p:sp>
-      <p:sp>
-        <p:nvSpPr>
-          <p:cNvPr id="18" name="직사각형 17">
-            <a:extLst>
-              <a:ext uri="{FF2B5EF4-FFF2-40B4-BE49-F238E27FC236}">
-                <a16:creationId xmlns:a16="http://schemas.microsoft.com/office/drawing/2014/main" id="{AC599C0C-C37E-F372-C6D1-231482D8444D}"/>
-              </a:ext>
-            </a:extLst>
-          </p:cNvPr>
-          <p:cNvSpPr/>
+            <a:pPr lvl="0" algn="ctr">
+              <a:defRPr/>
+            </a:pPr>
+            <a:endParaRPr lang="ko-KR" altLang="en-US" sz="2700"/>
+          </a:p>
+        </p:txBody>
+      </p:sp>
+      <p:sp>
+        <p:nvSpPr>
+          <p:cNvPr id="4" name="TextBox 3"/>
+          <p:cNvSpPr txBox="1"/>
           <p:nvPr/>
         </p:nvSpPr>
         <p:spPr>
           <a:xfrm>
-            <a:off x="12167813" y="2288885"/>
-            <a:ext cx="5163338" cy="4160520"/>
+            <a:off x="13030204" y="7461511"/>
+            <a:ext cx="2979172" cy="2833109"/>
           </a:xfrm>
           <a:prstGeom prst="rect">
             <a:avLst/>
           </a:prstGeom>
-          <a:solidFill>
-            <a:schemeClr val="bg2">
-              <a:lumMod val="75000"/>
-            </a:schemeClr>
-          </a:solidFill>
-          <a:ln>
-            <a:noFill/>
-          </a:ln>
-        </p:spPr>
-        <p:style>
-          <a:lnRef idx="2">
-            <a:schemeClr val="accent1">
-              <a:shade val="50000"/>
-            </a:schemeClr>
-          </a:lnRef>
-          <a:fillRef idx="1">
-            <a:schemeClr val="accent1"/>
-          </a:fillRef>
-          <a:effectRef idx="0">
-            <a:schemeClr val="accent1"/>
-          </a:effectRef>
-          <a:fontRef idx="minor">
-            <a:schemeClr val="lt1"/>
-          </a:fontRef>
-        </p:style>
-        <p:txBody>
-          <a:bodyPr rtlCol="0" anchor="ctr"/>
+          <a:noFill/>
+        </p:spPr>
+        <p:txBody>
+          <a:bodyPr wrap="square">
+            <a:spAutoFit/>
+          </a:bodyPr>
           <a:lstStyle/>
           <a:p>
-            <a:pPr algn="ctr"/>
-            <a:endParaRPr lang="ko-KR" altLang="en-US"/>
-          </a:p>
-        </p:txBody>
-      </p:sp>
+            <a:pPr lvl="0">
+              <a:defRPr/>
+            </a:pPr>
+            <a:r>
+              <a:rPr lang="en-US" altLang="ko-KR" sz="18000">
+                <a:solidFill>
+                  <a:schemeClr val="tx1">
+                    <a:lumMod val="65000"/>
+                    <a:lumOff val="35000"/>
+                  </a:schemeClr>
+                </a:solidFill>
+                <a:latin typeface="비트로 코어 TTF"/>
+                <a:ea typeface="비트로 코어 TTF"/>
+              </a:rPr>
+              <a:t>01</a:t>
+            </a:r>
+            <a:endParaRPr lang="ko-KR" altLang="en-US" sz="18000">
+              <a:solidFill>
+                <a:schemeClr val="tx1">
+                  <a:lumMod val="65000"/>
+                  <a:lumOff val="35000"/>
+                </a:schemeClr>
+              </a:solidFill>
+              <a:latin typeface="비트로 코어 TTF"/>
+              <a:ea typeface="비트로 코어 TTF"/>
+            </a:endParaRPr>
+          </a:p>
+        </p:txBody>
+      </p:sp>
+      <p:grpSp>
+        <p:nvGrpSpPr>
+          <p:cNvPr id="7" name="그룹 6"/>
+          <p:cNvGrpSpPr/>
+          <p:nvPr/>
+        </p:nvGrpSpPr>
+        <p:grpSpPr>
+          <a:xfrm rot="0">
+            <a:off x="13288002" y="324235"/>
+            <a:ext cx="4602090" cy="1697324"/>
+            <a:chOff x="8858668" y="216156"/>
+            <a:chExt cx="3068060" cy="1131549"/>
+          </a:xfrm>
+        </p:grpSpPr>
+        <p:grpSp>
+          <p:nvGrpSpPr>
+            <p:cNvPr id="50" name="그룹 49"/>
+            <p:cNvGrpSpPr/>
+            <p:nvPr/>
+          </p:nvGrpSpPr>
+          <p:grpSpPr>
+            <a:xfrm rot="0">
+              <a:off x="8858668" y="468779"/>
+              <a:ext cx="3068060" cy="878926"/>
+              <a:chOff x="8001364" y="850150"/>
+              <a:chExt cx="3068060" cy="878926"/>
+            </a:xfrm>
+          </p:grpSpPr>
+          <p:sp>
+            <p:nvSpPr>
+              <p:cNvPr id="52" name="자유형: 도형 51"/>
+              <p:cNvSpPr/>
+              <p:nvPr/>
+            </p:nvSpPr>
+            <p:spPr>
+              <a:xfrm>
+                <a:off x="8001364" y="1030679"/>
+                <a:ext cx="1885808" cy="698397"/>
+              </a:xfrm>
+              <a:custGeom>
+                <a:avLst/>
+                <a:gdLst>
+                  <a:gd name="connsiteX0" fmla="*/ 2402605 w 3975969"/>
+                  <a:gd name="connsiteY0" fmla="*/ 0 h 1466355"/>
+                  <a:gd name="connsiteX1" fmla="*/ 3189862 w 3975969"/>
+                  <a:gd name="connsiteY1" fmla="*/ 251691 h 1466355"/>
+                  <a:gd name="connsiteX2" fmla="*/ 3173868 w 3975969"/>
+                  <a:gd name="connsiteY2" fmla="*/ 302415 h 1466355"/>
+                  <a:gd name="connsiteX3" fmla="*/ 3166493 w 3975969"/>
+                  <a:gd name="connsiteY3" fmla="*/ 310011 h 1466355"/>
+                  <a:gd name="connsiteX4" fmla="*/ 3188712 w 3975969"/>
+                  <a:gd name="connsiteY4" fmla="*/ 309295 h 1466355"/>
+                  <a:gd name="connsiteX5" fmla="*/ 3975969 w 3975969"/>
+                  <a:gd name="connsiteY5" fmla="*/ 560986 h 1466355"/>
+                  <a:gd name="connsiteX6" fmla="*/ 3689480 w 3975969"/>
+                  <a:gd name="connsiteY6" fmla="*/ 755203 h 1466355"/>
+                  <a:gd name="connsiteX7" fmla="*/ 3592229 w 3975969"/>
+                  <a:gd name="connsiteY7" fmla="*/ 774067 h 1466355"/>
+                  <a:gd name="connsiteX8" fmla="*/ 3593274 w 3975969"/>
+                  <a:gd name="connsiteY8" fmla="*/ 774343 h 1466355"/>
+                  <a:gd name="connsiteX9" fmla="*/ 3823856 w 3975969"/>
+                  <a:gd name="connsiteY9" fmla="*/ 952315 h 1466355"/>
+                  <a:gd name="connsiteX10" fmla="*/ 3195259 w 3975969"/>
+                  <a:gd name="connsiteY10" fmla="*/ 1198893 h 1466355"/>
+                  <a:gd name="connsiteX11" fmla="*/ 3108564 w 3975969"/>
+                  <a:gd name="connsiteY11" fmla="*/ 1201687 h 1466355"/>
+                  <a:gd name="connsiteX12" fmla="*/ 3112656 w 3975969"/>
+                  <a:gd name="connsiteY12" fmla="*/ 1214664 h 1466355"/>
+                  <a:gd name="connsiteX13" fmla="*/ 2325399 w 3975969"/>
+                  <a:gd name="connsiteY13" fmla="*/ 1466355 h 1466355"/>
+                  <a:gd name="connsiteX14" fmla="*/ 1600009 w 3975969"/>
+                  <a:gd name="connsiteY14" fmla="*/ 1312634 h 1466355"/>
+                  <a:gd name="connsiteX15" fmla="*/ 1570502 w 3975969"/>
+                  <a:gd name="connsiteY15" fmla="*/ 1282243 h 1466355"/>
+                  <a:gd name="connsiteX16" fmla="*/ 1452733 w 3975969"/>
+                  <a:gd name="connsiteY16" fmla="*/ 1300344 h 1466355"/>
+                  <a:gd name="connsiteX17" fmla="*/ 1218626 w 3975969"/>
+                  <a:gd name="connsiteY17" fmla="*/ 1311659 h 1466355"/>
+                  <a:gd name="connsiteX18" fmla="*/ 431369 w 3975969"/>
+                  <a:gd name="connsiteY18" fmla="*/ 1059968 h 1466355"/>
+                  <a:gd name="connsiteX19" fmla="*/ 447363 w 3975969"/>
+                  <a:gd name="connsiteY19" fmla="*/ 1009244 h 1466355"/>
+                  <a:gd name="connsiteX20" fmla="*/ 461827 w 3975969"/>
+                  <a:gd name="connsiteY20" fmla="*/ 994347 h 1466355"/>
+                  <a:gd name="connsiteX21" fmla="*/ 347094 w 3975969"/>
+                  <a:gd name="connsiteY21" fmla="*/ 974437 h 1466355"/>
+                  <a:gd name="connsiteX22" fmla="*/ 0 w 3975969"/>
+                  <a:gd name="connsiteY22" fmla="*/ 765731 h 1466355"/>
+                  <a:gd name="connsiteX23" fmla="*/ 347094 w 3975969"/>
+                  <a:gd name="connsiteY23" fmla="*/ 557025 h 1466355"/>
+                  <a:gd name="connsiteX24" fmla="*/ 383452 w 3975969"/>
+                  <a:gd name="connsiteY24" fmla="*/ 550716 h 1466355"/>
+                  <a:gd name="connsiteX25" fmla="*/ 383815 w 3975969"/>
+                  <a:gd name="connsiteY25" fmla="*/ 549343 h 1466355"/>
+                  <a:gd name="connsiteX26" fmla="*/ 1618202 w 3975969"/>
+                  <a:gd name="connsiteY26" fmla="*/ 90197 h 1466355"/>
+                  <a:gd name="connsiteX27" fmla="*/ 1821019 w 3975969"/>
+                  <a:gd name="connsiteY27" fmla="*/ 83372 h 1466355"/>
+                  <a:gd name="connsiteX28" fmla="*/ 1845931 w 3975969"/>
+                  <a:gd name="connsiteY28" fmla="*/ 73719 h 1466355"/>
+                  <a:gd name="connsiteX29" fmla="*/ 2402605 w 3975969"/>
+                  <a:gd name="connsiteY29" fmla="*/ 0 h 1466355"/>
+                </a:gdLst>
+                <a:cxnLst>
+                  <a:cxn ang="0">
+                    <a:pos x="connsiteX0" y="connsiteY0"/>
+                  </a:cxn>
+                  <a:cxn ang="0">
+                    <a:pos x="connsiteX1" y="connsiteY1"/>
+                  </a:cxn>
+                  <a:cxn ang="0">
+                    <a:pos x="connsiteX2" y="connsiteY2"/>
+                  </a:cxn>
+                  <a:cxn ang="0">
+                    <a:pos x="connsiteX3" y="connsiteY3"/>
+                  </a:cxn>
+                  <a:cxn ang="0">
+                    <a:pos x="connsiteX4" y="connsiteY4"/>
+                  </a:cxn>
+                  <a:cxn ang="0">
+                    <a:pos x="connsiteX5" y="connsiteY5"/>
+                  </a:cxn>
+                  <a:cxn ang="0">
+                    <a:pos x="connsiteX6" y="connsiteY6"/>
+                  </a:cxn>
+                  <a:cxn ang="0">
+                    <a:pos x="connsiteX7" y="connsiteY7"/>
+                  </a:cxn>
+                  <a:cxn ang="0">
+                    <a:pos x="connsiteX8" y="connsiteY8"/>
+                  </a:cxn>
+                  <a:cxn ang="0">
+                    <a:pos x="connsiteX9" y="connsiteY9"/>
+                  </a:cxn>
+                  <a:cxn ang="0">
+                    <a:pos x="connsiteX10" y="connsiteY10"/>
+                  </a:cxn>
+                  <a:cxn ang="0">
+                    <a:pos x="connsiteX11" y="connsiteY11"/>
+                  </a:cxn>
+                  <a:cxn ang="0">
+                    <a:pos x="connsiteX12" y="connsiteY12"/>
+                  </a:cxn>
+                  <a:cxn ang="0">
+                    <a:pos x="connsiteX13" y="connsiteY13"/>
+                  </a:cxn>
+                  <a:cxn ang="0">
+                    <a:pos x="connsiteX14" y="connsiteY14"/>
+                  </a:cxn>
+                  <a:cxn ang="0">
+                    <a:pos x="connsiteX15" y="connsiteY15"/>
+                  </a:cxn>
+                  <a:cxn ang="0">
+                    <a:pos x="connsiteX16" y="connsiteY16"/>
+                  </a:cxn>
+                  <a:cxn ang="0">
+                    <a:pos x="connsiteX17" y="connsiteY17"/>
+                  </a:cxn>
+                  <a:cxn ang="0">
+                    <a:pos x="connsiteX18" y="connsiteY18"/>
+                  </a:cxn>
+                  <a:cxn ang="0">
+                    <a:pos x="connsiteX19" y="connsiteY19"/>
+                  </a:cxn>
+                  <a:cxn ang="0">
+                    <a:pos x="connsiteX20" y="connsiteY20"/>
+                  </a:cxn>
+                  <a:cxn ang="0">
+                    <a:pos x="connsiteX21" y="connsiteY21"/>
+                  </a:cxn>
+                  <a:cxn ang="0">
+                    <a:pos x="connsiteX22" y="connsiteY22"/>
+                  </a:cxn>
+                  <a:cxn ang="0">
+                    <a:pos x="connsiteX23" y="connsiteY23"/>
+                  </a:cxn>
+                  <a:cxn ang="0">
+                    <a:pos x="connsiteX24" y="connsiteY24"/>
+                  </a:cxn>
+                  <a:cxn ang="0">
+                    <a:pos x="connsiteX25" y="connsiteY25"/>
+                  </a:cxn>
+                  <a:cxn ang="0">
+                    <a:pos x="connsiteX26" y="connsiteY26"/>
+                  </a:cxn>
+                  <a:cxn ang="0">
+                    <a:pos x="connsiteX27" y="connsiteY27"/>
+                  </a:cxn>
+                  <a:cxn ang="0">
+                    <a:pos x="connsiteX28" y="connsiteY28"/>
+                  </a:cxn>
+                  <a:cxn ang="0">
+                    <a:pos x="connsiteX29" y="connsiteY29"/>
+                  </a:cxn>
+                </a:cxnLst>
+                <a:rect l="l" t="t" r="r" b="b"/>
+                <a:pathLst>
+                  <a:path w="3975969" h="1466355">
+                    <a:moveTo>
+                      <a:pt x="2402605" y="0"/>
+                    </a:moveTo>
+                    <a:cubicBezTo>
+                      <a:pt x="2837395" y="0"/>
+                      <a:pt x="3189862" y="112686"/>
+                      <a:pt x="3189862" y="251691"/>
+                    </a:cubicBezTo>
+                    <a:cubicBezTo>
+                      <a:pt x="3189862" y="269067"/>
+                      <a:pt x="3184355" y="286031"/>
+                      <a:pt x="3173868" y="302415"/>
+                    </a:cubicBezTo>
+                    <a:lnTo>
+                      <a:pt x="3166493" y="310011"/>
+                    </a:lnTo>
+                    <a:lnTo>
+                      <a:pt x="3188712" y="309295"/>
+                    </a:lnTo>
+                    <a:cubicBezTo>
+                      <a:pt x="3623502" y="309295"/>
+                      <a:pt x="3975969" y="421981"/>
+                      <a:pt x="3975969" y="560986"/>
+                    </a:cubicBezTo>
+                    <a:cubicBezTo>
+                      <a:pt x="3975969" y="639176"/>
+                      <a:pt x="3864446" y="709039"/>
+                      <a:pt x="3689480" y="755203"/>
+                    </a:cubicBezTo>
+                    <a:lnTo>
+                      <a:pt x="3592229" y="774067"/>
+                    </a:lnTo>
+                    <a:lnTo>
+                      <a:pt x="3593274" y="774343"/>
+                    </a:lnTo>
+                    <a:cubicBezTo>
+                      <a:pt x="3735739" y="819890"/>
+                      <a:pt x="3823856" y="882813"/>
+                      <a:pt x="3823856" y="952315"/>
+                    </a:cubicBezTo>
+                    <a:cubicBezTo>
+                      <a:pt x="3823856" y="1073944"/>
+                      <a:pt x="3553998" y="1175423"/>
+                      <a:pt x="3195259" y="1198893"/>
+                    </a:cubicBezTo>
+                    <a:lnTo>
+                      <a:pt x="3108564" y="1201687"/>
+                    </a:lnTo>
+                    <a:lnTo>
+                      <a:pt x="3112656" y="1214664"/>
+                    </a:lnTo>
+                    <a:cubicBezTo>
+                      <a:pt x="3112656" y="1353669"/>
+                      <a:pt x="2760189" y="1466355"/>
+                      <a:pt x="2325399" y="1466355"/>
+                    </a:cubicBezTo>
+                    <a:cubicBezTo>
+                      <a:pt x="1999307" y="1466355"/>
+                      <a:pt x="1719521" y="1402969"/>
+                      <a:pt x="1600009" y="1312634"/>
+                    </a:cubicBezTo>
+                    <a:lnTo>
+                      <a:pt x="1570502" y="1282243"/>
+                    </a:lnTo>
+                    <a:lnTo>
+                      <a:pt x="1452733" y="1300344"/>
+                    </a:lnTo>
+                    <a:cubicBezTo>
+                      <a:pt x="1378779" y="1307697"/>
+                      <a:pt x="1300150" y="1311659"/>
+                      <a:pt x="1218626" y="1311659"/>
+                    </a:cubicBezTo>
+                    <a:cubicBezTo>
+                      <a:pt x="783836" y="1311659"/>
+                      <a:pt x="431369" y="1198973"/>
+                      <a:pt x="431369" y="1059968"/>
+                    </a:cubicBezTo>
+                    <a:cubicBezTo>
+                      <a:pt x="431369" y="1042592"/>
+                      <a:pt x="436876" y="1025628"/>
+                      <a:pt x="447363" y="1009244"/>
+                    </a:cubicBezTo>
+                    <a:lnTo>
+                      <a:pt x="461827" y="994347"/>
+                    </a:lnTo>
+                    <a:lnTo>
+                      <a:pt x="347094" y="974437"/>
+                    </a:lnTo>
+                    <a:cubicBezTo>
+                      <a:pt x="137682" y="929206"/>
+                      <a:pt x="0" y="852609"/>
+                      <a:pt x="0" y="765731"/>
+                    </a:cubicBezTo>
+                    <a:cubicBezTo>
+                      <a:pt x="0" y="678853"/>
+                      <a:pt x="137682" y="602256"/>
+                      <a:pt x="347094" y="557025"/>
+                    </a:cubicBezTo>
+                    <a:lnTo>
+                      <a:pt x="383452" y="550716"/>
+                    </a:lnTo>
+                    <a:lnTo>
+                      <a:pt x="383815" y="549343"/>
+                    </a:lnTo>
+                    <a:cubicBezTo>
+                      <a:pt x="509289" y="315489"/>
+                      <a:pt x="999696" y="132332"/>
+                      <a:pt x="1618202" y="90197"/>
+                    </a:cubicBezTo>
+                    <a:lnTo>
+                      <a:pt x="1821019" y="83372"/>
+                    </a:lnTo>
+                    <a:lnTo>
+                      <a:pt x="1845931" y="73719"/>
+                    </a:lnTo>
+                    <a:cubicBezTo>
+                      <a:pt x="1988396" y="28171"/>
+                      <a:pt x="2185210" y="0"/>
+                      <a:pt x="2402605" y="0"/>
+                    </a:cubicBezTo>
+                    <a:close/>
+                  </a:path>
+                </a:pathLst>
+              </a:custGeom>
+              <a:solidFill>
+                <a:schemeClr val="bg1">
+                  <a:lumMod val="65000"/>
+                </a:schemeClr>
+              </a:solidFill>
+              <a:ln>
+                <a:solidFill>
+                  <a:schemeClr val="bg1">
+                    <a:lumMod val="65000"/>
+                  </a:schemeClr>
+                </a:solidFill>
+              </a:ln>
+            </p:spPr>
+            <p:style>
+              <a:lnRef idx="2">
+                <a:schemeClr val="accent1">
+                  <a:shade val="50000"/>
+                </a:schemeClr>
+              </a:lnRef>
+              <a:fillRef idx="1">
+                <a:schemeClr val="accent1"/>
+              </a:fillRef>
+              <a:effectRef idx="0">
+                <a:schemeClr val="accent1"/>
+              </a:effectRef>
+              <a:fontRef idx="minor">
+                <a:schemeClr val="lt1"/>
+              </a:fontRef>
+            </p:style>
+            <p:txBody>
+              <a:bodyPr wrap="square" anchor="ctr">
+                <a:noAutofit/>
+              </a:bodyPr>
+              <a:lstStyle/>
+              <a:p>
+                <a:pPr lvl="0" algn="ctr">
+                  <a:defRPr/>
+                </a:pPr>
+                <a:endParaRPr lang="ko-KR" altLang="en-US" sz="2700"/>
+              </a:p>
+            </p:txBody>
+          </p:sp>
+          <p:sp>
+            <p:nvSpPr>
+              <p:cNvPr id="53" name="자유형: 도형 52"/>
+              <p:cNvSpPr/>
+              <p:nvPr/>
+            </p:nvSpPr>
+            <p:spPr>
+              <a:xfrm>
+                <a:off x="9183616" y="850150"/>
+                <a:ext cx="1885808" cy="698397"/>
+              </a:xfrm>
+              <a:custGeom>
+                <a:avLst/>
+                <a:gdLst>
+                  <a:gd name="connsiteX0" fmla="*/ 2402605 w 3975969"/>
+                  <a:gd name="connsiteY0" fmla="*/ 0 h 1466355"/>
+                  <a:gd name="connsiteX1" fmla="*/ 3189862 w 3975969"/>
+                  <a:gd name="connsiteY1" fmla="*/ 251691 h 1466355"/>
+                  <a:gd name="connsiteX2" fmla="*/ 3173868 w 3975969"/>
+                  <a:gd name="connsiteY2" fmla="*/ 302415 h 1466355"/>
+                  <a:gd name="connsiteX3" fmla="*/ 3166493 w 3975969"/>
+                  <a:gd name="connsiteY3" fmla="*/ 310011 h 1466355"/>
+                  <a:gd name="connsiteX4" fmla="*/ 3188712 w 3975969"/>
+                  <a:gd name="connsiteY4" fmla="*/ 309295 h 1466355"/>
+                  <a:gd name="connsiteX5" fmla="*/ 3975969 w 3975969"/>
+                  <a:gd name="connsiteY5" fmla="*/ 560986 h 1466355"/>
+                  <a:gd name="connsiteX6" fmla="*/ 3689480 w 3975969"/>
+                  <a:gd name="connsiteY6" fmla="*/ 755203 h 1466355"/>
+                  <a:gd name="connsiteX7" fmla="*/ 3592229 w 3975969"/>
+                  <a:gd name="connsiteY7" fmla="*/ 774067 h 1466355"/>
+                  <a:gd name="connsiteX8" fmla="*/ 3593274 w 3975969"/>
+                  <a:gd name="connsiteY8" fmla="*/ 774343 h 1466355"/>
+                  <a:gd name="connsiteX9" fmla="*/ 3823856 w 3975969"/>
+                  <a:gd name="connsiteY9" fmla="*/ 952315 h 1466355"/>
+                  <a:gd name="connsiteX10" fmla="*/ 3195259 w 3975969"/>
+                  <a:gd name="connsiteY10" fmla="*/ 1198893 h 1466355"/>
+                  <a:gd name="connsiteX11" fmla="*/ 3108564 w 3975969"/>
+                  <a:gd name="connsiteY11" fmla="*/ 1201687 h 1466355"/>
+                  <a:gd name="connsiteX12" fmla="*/ 3112656 w 3975969"/>
+                  <a:gd name="connsiteY12" fmla="*/ 1214664 h 1466355"/>
+                  <a:gd name="connsiteX13" fmla="*/ 2325399 w 3975969"/>
+                  <a:gd name="connsiteY13" fmla="*/ 1466355 h 1466355"/>
+                  <a:gd name="connsiteX14" fmla="*/ 1600009 w 3975969"/>
+                  <a:gd name="connsiteY14" fmla="*/ 1312634 h 1466355"/>
+                  <a:gd name="connsiteX15" fmla="*/ 1570502 w 3975969"/>
+                  <a:gd name="connsiteY15" fmla="*/ 1282243 h 1466355"/>
+                  <a:gd name="connsiteX16" fmla="*/ 1452733 w 3975969"/>
+                  <a:gd name="connsiteY16" fmla="*/ 1300344 h 1466355"/>
+                  <a:gd name="connsiteX17" fmla="*/ 1218626 w 3975969"/>
+                  <a:gd name="connsiteY17" fmla="*/ 1311659 h 1466355"/>
+                  <a:gd name="connsiteX18" fmla="*/ 431369 w 3975969"/>
+                  <a:gd name="connsiteY18" fmla="*/ 1059968 h 1466355"/>
+                  <a:gd name="connsiteX19" fmla="*/ 447363 w 3975969"/>
+                  <a:gd name="connsiteY19" fmla="*/ 1009244 h 1466355"/>
+                  <a:gd name="connsiteX20" fmla="*/ 461827 w 3975969"/>
+                  <a:gd name="connsiteY20" fmla="*/ 994347 h 1466355"/>
+                  <a:gd name="connsiteX21" fmla="*/ 347094 w 3975969"/>
+                  <a:gd name="connsiteY21" fmla="*/ 974437 h 1466355"/>
+                  <a:gd name="connsiteX22" fmla="*/ 0 w 3975969"/>
+                  <a:gd name="connsiteY22" fmla="*/ 765731 h 1466355"/>
+                  <a:gd name="connsiteX23" fmla="*/ 347094 w 3975969"/>
+                  <a:gd name="connsiteY23" fmla="*/ 557025 h 1466355"/>
+                  <a:gd name="connsiteX24" fmla="*/ 383452 w 3975969"/>
+                  <a:gd name="connsiteY24" fmla="*/ 550716 h 1466355"/>
+                  <a:gd name="connsiteX25" fmla="*/ 383815 w 3975969"/>
+                  <a:gd name="connsiteY25" fmla="*/ 549343 h 1466355"/>
+                  <a:gd name="connsiteX26" fmla="*/ 1618202 w 3975969"/>
+                  <a:gd name="connsiteY26" fmla="*/ 90197 h 1466355"/>
+                  <a:gd name="connsiteX27" fmla="*/ 1821019 w 3975969"/>
+                  <a:gd name="connsiteY27" fmla="*/ 83372 h 1466355"/>
+                  <a:gd name="connsiteX28" fmla="*/ 1845931 w 3975969"/>
+                  <a:gd name="connsiteY28" fmla="*/ 73719 h 1466355"/>
+                  <a:gd name="connsiteX29" fmla="*/ 2402605 w 3975969"/>
+                  <a:gd name="connsiteY29" fmla="*/ 0 h 1466355"/>
+                </a:gdLst>
+                <a:cxnLst>
+                  <a:cxn ang="0">
+                    <a:pos x="connsiteX0" y="connsiteY0"/>
+                  </a:cxn>
+                  <a:cxn ang="0">
+                    <a:pos x="connsiteX1" y="connsiteY1"/>
+                  </a:cxn>
+                  <a:cxn ang="0">
+                    <a:pos x="connsiteX2" y="connsiteY2"/>
+                  </a:cxn>
+                  <a:cxn ang="0">
+                    <a:pos x="connsiteX3" y="connsiteY3"/>
+                  </a:cxn>
+                  <a:cxn ang="0">
+                    <a:pos x="connsiteX4" y="connsiteY4"/>
+                  </a:cxn>
+                  <a:cxn ang="0">
+                    <a:pos x="connsiteX5" y="connsiteY5"/>
+                  </a:cxn>
+                  <a:cxn ang="0">
+                    <a:pos x="connsiteX6" y="connsiteY6"/>
+                  </a:cxn>
+                  <a:cxn ang="0">
+                    <a:pos x="connsiteX7" y="connsiteY7"/>
+                  </a:cxn>
+                  <a:cxn ang="0">
+                    <a:pos x="connsiteX8" y="connsiteY8"/>
+                  </a:cxn>
+                  <a:cxn ang="0">
+                    <a:pos x="connsiteX9" y="connsiteY9"/>
+                  </a:cxn>
+                  <a:cxn ang="0">
+                    <a:pos x="connsiteX10" y="connsiteY10"/>
+                  </a:cxn>
+                  <a:cxn ang="0">
+                    <a:pos x="connsiteX11" y="connsiteY11"/>
+                  </a:cxn>
+                  <a:cxn ang="0">
+                    <a:pos x="connsiteX12" y="connsiteY12"/>
+                  </a:cxn>
+                  <a:cxn ang="0">
+                    <a:pos x="connsiteX13" y="connsiteY13"/>
+                  </a:cxn>
+                  <a:cxn ang="0">
+                    <a:pos x="connsiteX14" y="connsiteY14"/>
+                  </a:cxn>
+                  <a:cxn ang="0">
+                    <a:pos x="connsiteX15" y="connsiteY15"/>
+                  </a:cxn>
+                  <a:cxn ang="0">
+                    <a:pos x="connsiteX16" y="connsiteY16"/>
+                  </a:cxn>
+                  <a:cxn ang="0">
+                    <a:pos x="connsiteX17" y="connsiteY17"/>
+                  </a:cxn>
+                  <a:cxn ang="0">
+                    <a:pos x="connsiteX18" y="connsiteY18"/>
+                  </a:cxn>
+                  <a:cxn ang="0">
+                    <a:pos x="connsiteX19" y="connsiteY19"/>
+                  </a:cxn>
+                  <a:cxn ang="0">
+                    <a:pos x="connsiteX20" y="connsiteY20"/>
+                  </a:cxn>
+                  <a:cxn ang="0">
+                    <a:pos x="connsiteX21" y="connsiteY21"/>
+                  </a:cxn>
+                  <a:cxn ang="0">
+                    <a:pos x="connsiteX22" y="connsiteY22"/>
+                  </a:cxn>
+                  <a:cxn ang="0">
+                    <a:pos x="connsiteX23" y="connsiteY23"/>
+                  </a:cxn>
+                  <a:cxn ang="0">
+                    <a:pos x="connsiteX24" y="connsiteY24"/>
+                  </a:cxn>
+                  <a:cxn ang="0">
+                    <a:pos x="connsiteX25" y="connsiteY25"/>
+                  </a:cxn>
+                  <a:cxn ang="0">
+                    <a:pos x="connsiteX26" y="connsiteY26"/>
+                  </a:cxn>
+                  <a:cxn ang="0">
+                    <a:pos x="connsiteX27" y="connsiteY27"/>
+                  </a:cxn>
+                  <a:cxn ang="0">
+                    <a:pos x="connsiteX28" y="connsiteY28"/>
+                  </a:cxn>
+                  <a:cxn ang="0">
+                    <a:pos x="connsiteX29" y="connsiteY29"/>
+                  </a:cxn>
+                </a:cxnLst>
+                <a:rect l="l" t="t" r="r" b="b"/>
+                <a:pathLst>
+                  <a:path w="3975969" h="1466355">
+                    <a:moveTo>
+                      <a:pt x="2402605" y="0"/>
+                    </a:moveTo>
+                    <a:cubicBezTo>
+                      <a:pt x="2837395" y="0"/>
+                      <a:pt x="3189862" y="112686"/>
+                      <a:pt x="3189862" y="251691"/>
+                    </a:cubicBezTo>
+                    <a:cubicBezTo>
+                      <a:pt x="3189862" y="269067"/>
+                      <a:pt x="3184355" y="286031"/>
+                      <a:pt x="3173868" y="302415"/>
+                    </a:cubicBezTo>
+                    <a:lnTo>
+                      <a:pt x="3166493" y="310011"/>
+                    </a:lnTo>
+                    <a:lnTo>
+                      <a:pt x="3188712" y="309295"/>
+                    </a:lnTo>
+                    <a:cubicBezTo>
+                      <a:pt x="3623502" y="309295"/>
+                      <a:pt x="3975969" y="421981"/>
+                      <a:pt x="3975969" y="560986"/>
+                    </a:cubicBezTo>
+                    <a:cubicBezTo>
+                      <a:pt x="3975969" y="639176"/>
+                      <a:pt x="3864446" y="709039"/>
+                      <a:pt x="3689480" y="755203"/>
+                    </a:cubicBezTo>
+                    <a:lnTo>
+                      <a:pt x="3592229" y="774067"/>
+                    </a:lnTo>
+                    <a:lnTo>
+                      <a:pt x="3593274" y="774343"/>
+                    </a:lnTo>
+                    <a:cubicBezTo>
+                      <a:pt x="3735739" y="819890"/>
+                      <a:pt x="3823856" y="882813"/>
+                      <a:pt x="3823856" y="952315"/>
+                    </a:cubicBezTo>
+                    <a:cubicBezTo>
+                      <a:pt x="3823856" y="1073944"/>
+                      <a:pt x="3553998" y="1175423"/>
+                      <a:pt x="3195259" y="1198893"/>
+                    </a:cubicBezTo>
+                    <a:lnTo>
+                      <a:pt x="3108564" y="1201687"/>
+                    </a:lnTo>
+                    <a:lnTo>
+                      <a:pt x="3112656" y="1214664"/>
+                    </a:lnTo>
+                    <a:cubicBezTo>
+                      <a:pt x="3112656" y="1353669"/>
+                      <a:pt x="2760189" y="1466355"/>
+                      <a:pt x="2325399" y="1466355"/>
+                    </a:cubicBezTo>
+                    <a:cubicBezTo>
+                      <a:pt x="1999307" y="1466355"/>
+                      <a:pt x="1719521" y="1402969"/>
+                      <a:pt x="1600009" y="1312634"/>
+                    </a:cubicBezTo>
+                    <a:lnTo>
+                      <a:pt x="1570502" y="1282243"/>
+                    </a:lnTo>
+                    <a:lnTo>
+                      <a:pt x="1452733" y="1300344"/>
+                    </a:lnTo>
+                    <a:cubicBezTo>
+                      <a:pt x="1378779" y="1307697"/>
+                      <a:pt x="1300150" y="1311659"/>
+                      <a:pt x="1218626" y="1311659"/>
+                    </a:cubicBezTo>
+                    <a:cubicBezTo>
+                      <a:pt x="783836" y="1311659"/>
+                      <a:pt x="431369" y="1198973"/>
+                      <a:pt x="431369" y="1059968"/>
+                    </a:cubicBezTo>
+                    <a:cubicBezTo>
+                      <a:pt x="431369" y="1042592"/>
+                      <a:pt x="436876" y="1025628"/>
+                      <a:pt x="447363" y="1009244"/>
+                    </a:cubicBezTo>
+                    <a:lnTo>
+                      <a:pt x="461827" y="994347"/>
+                    </a:lnTo>
+                    <a:lnTo>
+                      <a:pt x="347094" y="974437"/>
+                    </a:lnTo>
+                    <a:cubicBezTo>
+                      <a:pt x="137682" y="929206"/>
+                      <a:pt x="0" y="852609"/>
+                      <a:pt x="0" y="765731"/>
+                    </a:cubicBezTo>
+                    <a:cubicBezTo>
+                      <a:pt x="0" y="678853"/>
+                      <a:pt x="137682" y="602256"/>
+                      <a:pt x="347094" y="557025"/>
+                    </a:cubicBezTo>
+                    <a:lnTo>
+                      <a:pt x="383452" y="550716"/>
+                    </a:lnTo>
+                    <a:lnTo>
+                      <a:pt x="383815" y="549343"/>
+                    </a:lnTo>
+                    <a:cubicBezTo>
+                      <a:pt x="509289" y="315489"/>
+                      <a:pt x="999696" y="132332"/>
+                      <a:pt x="1618202" y="90197"/>
+                    </a:cubicBezTo>
+                    <a:lnTo>
+                      <a:pt x="1821019" y="83372"/>
+                    </a:lnTo>
+                    <a:lnTo>
+                      <a:pt x="1845931" y="73719"/>
+                    </a:lnTo>
+                    <a:cubicBezTo>
+                      <a:pt x="1988396" y="28171"/>
+                      <a:pt x="2185210" y="0"/>
+                      <a:pt x="2402605" y="0"/>
+                    </a:cubicBezTo>
+                    <a:close/>
+                  </a:path>
+                </a:pathLst>
+              </a:custGeom>
+              <a:solidFill>
+                <a:schemeClr val="bg1">
+                  <a:lumMod val="75000"/>
+                </a:schemeClr>
+              </a:solidFill>
+              <a:ln>
+                <a:solidFill>
+                  <a:schemeClr val="bg1">
+                    <a:lumMod val="75000"/>
+                  </a:schemeClr>
+                </a:solidFill>
+              </a:ln>
+            </p:spPr>
+            <p:style>
+              <a:lnRef idx="2">
+                <a:schemeClr val="accent1">
+                  <a:shade val="50000"/>
+                </a:schemeClr>
+              </a:lnRef>
+              <a:fillRef idx="1">
+                <a:schemeClr val="accent1"/>
+              </a:fillRef>
+              <a:effectRef idx="0">
+                <a:schemeClr val="accent1"/>
+              </a:effectRef>
+              <a:fontRef idx="minor">
+                <a:schemeClr val="lt1"/>
+              </a:fontRef>
+            </p:style>
+            <p:txBody>
+              <a:bodyPr wrap="square" anchor="ctr">
+                <a:noAutofit/>
+              </a:bodyPr>
+              <a:lstStyle/>
+              <a:p>
+                <a:pPr lvl="0" algn="ctr">
+                  <a:defRPr/>
+                </a:pPr>
+                <a:endParaRPr lang="ko-KR" altLang="en-US" sz="2700"/>
+              </a:p>
+            </p:txBody>
+          </p:sp>
+        </p:grpSp>
+        <p:sp>
+          <p:nvSpPr>
+            <p:cNvPr id="6" name="자유형: 도형 5"/>
+            <p:cNvSpPr/>
+            <p:nvPr/>
+          </p:nvSpPr>
+          <p:spPr>
+            <a:xfrm>
+              <a:off x="9151599" y="216156"/>
+              <a:ext cx="1885808" cy="698397"/>
+            </a:xfrm>
+            <a:custGeom>
+              <a:avLst/>
+              <a:gdLst>
+                <a:gd name="connsiteX0" fmla="*/ 2402605 w 3975969"/>
+                <a:gd name="connsiteY0" fmla="*/ 0 h 1466355"/>
+                <a:gd name="connsiteX1" fmla="*/ 3189862 w 3975969"/>
+                <a:gd name="connsiteY1" fmla="*/ 251691 h 1466355"/>
+                <a:gd name="connsiteX2" fmla="*/ 3173868 w 3975969"/>
+                <a:gd name="connsiteY2" fmla="*/ 302415 h 1466355"/>
+                <a:gd name="connsiteX3" fmla="*/ 3166493 w 3975969"/>
+                <a:gd name="connsiteY3" fmla="*/ 310011 h 1466355"/>
+                <a:gd name="connsiteX4" fmla="*/ 3188712 w 3975969"/>
+                <a:gd name="connsiteY4" fmla="*/ 309295 h 1466355"/>
+                <a:gd name="connsiteX5" fmla="*/ 3975969 w 3975969"/>
+                <a:gd name="connsiteY5" fmla="*/ 560986 h 1466355"/>
+                <a:gd name="connsiteX6" fmla="*/ 3689480 w 3975969"/>
+                <a:gd name="connsiteY6" fmla="*/ 755203 h 1466355"/>
+                <a:gd name="connsiteX7" fmla="*/ 3592229 w 3975969"/>
+                <a:gd name="connsiteY7" fmla="*/ 774067 h 1466355"/>
+                <a:gd name="connsiteX8" fmla="*/ 3593274 w 3975969"/>
+                <a:gd name="connsiteY8" fmla="*/ 774343 h 1466355"/>
+                <a:gd name="connsiteX9" fmla="*/ 3823856 w 3975969"/>
+                <a:gd name="connsiteY9" fmla="*/ 952315 h 1466355"/>
+                <a:gd name="connsiteX10" fmla="*/ 3195259 w 3975969"/>
+                <a:gd name="connsiteY10" fmla="*/ 1198893 h 1466355"/>
+                <a:gd name="connsiteX11" fmla="*/ 3108564 w 3975969"/>
+                <a:gd name="connsiteY11" fmla="*/ 1201687 h 1466355"/>
+                <a:gd name="connsiteX12" fmla="*/ 3112656 w 3975969"/>
+                <a:gd name="connsiteY12" fmla="*/ 1214664 h 1466355"/>
+                <a:gd name="connsiteX13" fmla="*/ 2325399 w 3975969"/>
+                <a:gd name="connsiteY13" fmla="*/ 1466355 h 1466355"/>
+                <a:gd name="connsiteX14" fmla="*/ 1600009 w 3975969"/>
+                <a:gd name="connsiteY14" fmla="*/ 1312634 h 1466355"/>
+                <a:gd name="connsiteX15" fmla="*/ 1570502 w 3975969"/>
+                <a:gd name="connsiteY15" fmla="*/ 1282243 h 1466355"/>
+                <a:gd name="connsiteX16" fmla="*/ 1452733 w 3975969"/>
+                <a:gd name="connsiteY16" fmla="*/ 1300344 h 1466355"/>
+                <a:gd name="connsiteX17" fmla="*/ 1218626 w 3975969"/>
+                <a:gd name="connsiteY17" fmla="*/ 1311659 h 1466355"/>
+                <a:gd name="connsiteX18" fmla="*/ 431369 w 3975969"/>
+                <a:gd name="connsiteY18" fmla="*/ 1059968 h 1466355"/>
+                <a:gd name="connsiteX19" fmla="*/ 447363 w 3975969"/>
+                <a:gd name="connsiteY19" fmla="*/ 1009244 h 1466355"/>
+                <a:gd name="connsiteX20" fmla="*/ 461827 w 3975969"/>
+                <a:gd name="connsiteY20" fmla="*/ 994347 h 1466355"/>
+                <a:gd name="connsiteX21" fmla="*/ 347094 w 3975969"/>
+                <a:gd name="connsiteY21" fmla="*/ 974437 h 1466355"/>
+                <a:gd name="connsiteX22" fmla="*/ 0 w 3975969"/>
+                <a:gd name="connsiteY22" fmla="*/ 765731 h 1466355"/>
+                <a:gd name="connsiteX23" fmla="*/ 347094 w 3975969"/>
+                <a:gd name="connsiteY23" fmla="*/ 557025 h 1466355"/>
+                <a:gd name="connsiteX24" fmla="*/ 383452 w 3975969"/>
+                <a:gd name="connsiteY24" fmla="*/ 550716 h 1466355"/>
+                <a:gd name="connsiteX25" fmla="*/ 383815 w 3975969"/>
+                <a:gd name="connsiteY25" fmla="*/ 549343 h 1466355"/>
+                <a:gd name="connsiteX26" fmla="*/ 1618202 w 3975969"/>
+                <a:gd name="connsiteY26" fmla="*/ 90197 h 1466355"/>
+                <a:gd name="connsiteX27" fmla="*/ 1821019 w 3975969"/>
+                <a:gd name="connsiteY27" fmla="*/ 83372 h 1466355"/>
+                <a:gd name="connsiteX28" fmla="*/ 1845931 w 3975969"/>
+                <a:gd name="connsiteY28" fmla="*/ 73719 h 1466355"/>
+                <a:gd name="connsiteX29" fmla="*/ 2402605 w 3975969"/>
+                <a:gd name="connsiteY29" fmla="*/ 0 h 1466355"/>
+              </a:gdLst>
+              <a:cxnLst>
+                <a:cxn ang="0">
+                  <a:pos x="connsiteX0" y="connsiteY0"/>
+                </a:cxn>
+                <a:cxn ang="0">
+                  <a:pos x="connsiteX1" y="connsiteY1"/>
+                </a:cxn>
+                <a:cxn ang="0">
+                  <a:pos x="connsiteX2" y="connsiteY2"/>
+                </a:cxn>
+                <a:cxn ang="0">
+                  <a:pos x="connsiteX3" y="connsiteY3"/>
+                </a:cxn>
+                <a:cxn ang="0">
+                  <a:pos x="connsiteX4" y="connsiteY4"/>
+                </a:cxn>
+                <a:cxn ang="0">
+                  <a:pos x="connsiteX5" y="connsiteY5"/>
+                </a:cxn>
+                <a:cxn ang="0">
+                  <a:pos x="connsiteX6" y="connsiteY6"/>
+                </a:cxn>
+                <a:cxn ang="0">
+                  <a:pos x="connsiteX7" y="connsiteY7"/>
+                </a:cxn>
+                <a:cxn ang="0">
+                  <a:pos x="connsiteX8" y="connsiteY8"/>
+                </a:cxn>
+                <a:cxn ang="0">
+                  <a:pos x="connsiteX9" y="connsiteY9"/>
+                </a:cxn>
+                <a:cxn ang="0">
+                  <a:pos x="connsiteX10" y="connsiteY10"/>
+                </a:cxn>
+                <a:cxn ang="0">
+                  <a:pos x="connsiteX11" y="connsiteY11"/>
+                </a:cxn>
+                <a:cxn ang="0">
+                  <a:pos x="connsiteX12" y="connsiteY12"/>
+                </a:cxn>
+                <a:cxn ang="0">
+                  <a:pos x="connsiteX13" y="connsiteY13"/>
+                </a:cxn>
+                <a:cxn ang="0">
+                  <a:pos x="connsiteX14" y="connsiteY14"/>
+                </a:cxn>
+                <a:cxn ang="0">
+                  <a:pos x="connsiteX15" y="connsiteY15"/>
+                </a:cxn>
+                <a:cxn ang="0">
+                  <a:pos x="connsiteX16" y="connsiteY16"/>
+                </a:cxn>
+                <a:cxn ang="0">
+                  <a:pos x="connsiteX17" y="connsiteY17"/>
+                </a:cxn>
+                <a:cxn ang="0">
+                  <a:pos x="connsiteX18" y="connsiteY18"/>
+                </a:cxn>
+                <a:cxn ang="0">
+                  <a:pos x="connsiteX19" y="connsiteY19"/>
+                </a:cxn>
+                <a:cxn ang="0">
+                  <a:pos x="connsiteX20" y="connsiteY20"/>
+                </a:cxn>
+                <a:cxn ang="0">
+                  <a:pos x="connsiteX21" y="connsiteY21"/>
+                </a:cxn>
+                <a:cxn ang="0">
+                  <a:pos x="connsiteX22" y="connsiteY22"/>
+                </a:cxn>
+                <a:cxn ang="0">
+                  <a:pos x="connsiteX23" y="connsiteY23"/>
+                </a:cxn>
+                <a:cxn ang="0">
+                  <a:pos x="connsiteX24" y="connsiteY24"/>
+                </a:cxn>
+                <a:cxn ang="0">
+                  <a:pos x="connsiteX25" y="connsiteY25"/>
+                </a:cxn>
+                <a:cxn ang="0">
+                  <a:pos x="connsiteX26" y="connsiteY26"/>
+                </a:cxn>
+                <a:cxn ang="0">
+                  <a:pos x="connsiteX27" y="connsiteY27"/>
+                </a:cxn>
+                <a:cxn ang="0">
+                  <a:pos x="connsiteX28" y="connsiteY28"/>
+                </a:cxn>
+                <a:cxn ang="0">
+                  <a:pos x="connsiteX29" y="connsiteY29"/>
+                </a:cxn>
+              </a:cxnLst>
+              <a:rect l="l" t="t" r="r" b="b"/>
+              <a:pathLst>
+                <a:path w="3975969" h="1466355">
+                  <a:moveTo>
+                    <a:pt x="2402605" y="0"/>
+                  </a:moveTo>
+                  <a:cubicBezTo>
+                    <a:pt x="2837395" y="0"/>
+                    <a:pt x="3189862" y="112686"/>
+                    <a:pt x="3189862" y="251691"/>
+                  </a:cubicBezTo>
+                  <a:cubicBezTo>
+                    <a:pt x="3189862" y="269067"/>
+                    <a:pt x="3184355" y="286031"/>
+                    <a:pt x="3173868" y="302415"/>
+                  </a:cubicBezTo>
+                  <a:lnTo>
+                    <a:pt x="3166493" y="310011"/>
+                  </a:lnTo>
+                  <a:lnTo>
+                    <a:pt x="3188712" y="309295"/>
+                  </a:lnTo>
+                  <a:cubicBezTo>
+                    <a:pt x="3623502" y="309295"/>
+                    <a:pt x="3975969" y="421981"/>
+                    <a:pt x="3975969" y="560986"/>
+                  </a:cubicBezTo>
+                  <a:cubicBezTo>
+                    <a:pt x="3975969" y="639176"/>
+                    <a:pt x="3864446" y="709039"/>
+                    <a:pt x="3689480" y="755203"/>
+                  </a:cubicBezTo>
+                  <a:lnTo>
+                    <a:pt x="3592229" y="774067"/>
+                  </a:lnTo>
+                  <a:lnTo>
+                    <a:pt x="3593274" y="774343"/>
+                  </a:lnTo>
+                  <a:cubicBezTo>
+                    <a:pt x="3735739" y="819890"/>
+                    <a:pt x="3823856" y="882813"/>
+                    <a:pt x="3823856" y="952315"/>
+                  </a:cubicBezTo>
+                  <a:cubicBezTo>
+                    <a:pt x="3823856" y="1073944"/>
+                    <a:pt x="3553998" y="1175423"/>
+                    <a:pt x="3195259" y="1198893"/>
+                  </a:cubicBezTo>
+                  <a:lnTo>
+                    <a:pt x="3108564" y="1201687"/>
+                  </a:lnTo>
+                  <a:lnTo>
+                    <a:pt x="3112656" y="1214664"/>
+                  </a:lnTo>
+                  <a:cubicBezTo>
+                    <a:pt x="3112656" y="1353669"/>
+                    <a:pt x="2760189" y="1466355"/>
+                    <a:pt x="2325399" y="1466355"/>
+                  </a:cubicBezTo>
+                  <a:cubicBezTo>
+                    <a:pt x="1999307" y="1466355"/>
+                    <a:pt x="1719521" y="1402969"/>
+                    <a:pt x="1600009" y="1312634"/>
+                  </a:cubicBezTo>
+                  <a:lnTo>
+                    <a:pt x="1570502" y="1282243"/>
+                  </a:lnTo>
+                  <a:lnTo>
+                    <a:pt x="1452733" y="1300344"/>
+                  </a:lnTo>
+                  <a:cubicBezTo>
+                    <a:pt x="1378779" y="1307697"/>
+                    <a:pt x="1300150" y="1311659"/>
+                    <a:pt x="1218626" y="1311659"/>
+                  </a:cubicBezTo>
+                  <a:cubicBezTo>
+                    <a:pt x="783836" y="1311659"/>
+                    <a:pt x="431369" y="1198973"/>
+                    <a:pt x="431369" y="1059968"/>
+                  </a:cubicBezTo>
+                  <a:cubicBezTo>
+                    <a:pt x="431369" y="1042592"/>
+                    <a:pt x="436876" y="1025628"/>
+                    <a:pt x="447363" y="1009244"/>
+                  </a:cubicBezTo>
+                  <a:lnTo>
+                    <a:pt x="461827" y="994347"/>
+                  </a:lnTo>
+                  <a:lnTo>
+                    <a:pt x="347094" y="974437"/>
+                  </a:lnTo>
+                  <a:cubicBezTo>
+                    <a:pt x="137682" y="929206"/>
+                    <a:pt x="0" y="852609"/>
+                    <a:pt x="0" y="765731"/>
+                  </a:cubicBezTo>
+                  <a:cubicBezTo>
+                    <a:pt x="0" y="678853"/>
+                    <a:pt x="137682" y="602256"/>
+                    <a:pt x="347094" y="557025"/>
+                  </a:cubicBezTo>
+                  <a:lnTo>
+                    <a:pt x="383452" y="550716"/>
+                  </a:lnTo>
+                  <a:lnTo>
+                    <a:pt x="383815" y="549343"/>
+                  </a:lnTo>
+                  <a:cubicBezTo>
+                    <a:pt x="509289" y="315489"/>
+                    <a:pt x="999696" y="132332"/>
+                    <a:pt x="1618202" y="90197"/>
+                  </a:cubicBezTo>
+                  <a:lnTo>
+                    <a:pt x="1821019" y="83372"/>
+                  </a:lnTo>
+                  <a:lnTo>
+                    <a:pt x="1845931" y="73719"/>
+                  </a:lnTo>
+                  <a:cubicBezTo>
+                    <a:pt x="1988396" y="28171"/>
+                    <a:pt x="2185210" y="0"/>
+                    <a:pt x="2402605" y="0"/>
+                  </a:cubicBezTo>
+                  <a:close/>
+                </a:path>
+              </a:pathLst>
+            </a:custGeom>
+            <a:solidFill>
+              <a:schemeClr val="bg2">
+                <a:lumMod val="50000"/>
+              </a:schemeClr>
+            </a:solidFill>
+            <a:ln>
+              <a:solidFill>
+                <a:schemeClr val="bg2">
+                  <a:lumMod val="50000"/>
+                </a:schemeClr>
+              </a:solidFill>
+            </a:ln>
+          </p:spPr>
+          <p:style>
+            <a:lnRef idx="2">
+              <a:schemeClr val="accent1">
+                <a:shade val="50000"/>
+              </a:schemeClr>
+            </a:lnRef>
+            <a:fillRef idx="1">
+              <a:schemeClr val="accent1"/>
+            </a:fillRef>
+            <a:effectRef idx="0">
+              <a:schemeClr val="accent1"/>
+            </a:effectRef>
+            <a:fontRef idx="minor">
+              <a:schemeClr val="lt1"/>
+            </a:fontRef>
+          </p:style>
+          <p:txBody>
+            <a:bodyPr wrap="square" anchor="ctr">
+              <a:noAutofit/>
+            </a:bodyPr>
+            <a:lstStyle/>
+            <a:p>
+              <a:pPr lvl="0" algn="ctr">
+                <a:defRPr/>
+              </a:pPr>
+              <a:endParaRPr lang="ko-KR" altLang="en-US" sz="2700"/>
+            </a:p>
+          </p:txBody>
+        </p:sp>
+      </p:grpSp>
       <p:pic>
         <p:nvPicPr>
-          <p:cNvPr id="3" name="그림 2">
-            <a:extLst>
-              <a:ext uri="{FF2B5EF4-FFF2-40B4-BE49-F238E27FC236}">
-                <a16:creationId xmlns:a16="http://schemas.microsoft.com/office/drawing/2014/main" id="{194192C1-0B88-22ED-2EA9-A683DB4A9C1D}"/>
-              </a:ext>
-            </a:extLst>
-          </p:cNvPr>
+          <p:cNvPr id="54" name="그림 53"/>
           <p:cNvPicPr>
             <a:picLocks noChangeAspect="1"/>
           </p:cNvPicPr>
           <p:nvPr/>
         </p:nvPicPr>
-        <p:blipFill>
+        <p:blipFill rotWithShape="1">
           <a:blip r:embed="rId2"/>
           <a:stretch>
             <a:fillRect/>
@@ -9291,22 +13585,219 @@
         </p:blipFill>
         <p:spPr>
           <a:xfrm>
-            <a:off x="1494003" y="2584097"/>
-            <a:ext cx="1787519" cy="1610121"/>
-          </a:xfrm>
-          <a:prstGeom prst="snip2DiagRect">
+            <a:off x="1676400" y="2476500"/>
+            <a:ext cx="3048000" cy="3048000"/>
+          </a:xfrm>
+          <a:prstGeom prst="rect">
             <a:avLst/>
           </a:prstGeom>
+        </p:spPr>
+      </p:pic>
+      <p:pic>
+        <p:nvPicPr>
+          <p:cNvPr id="55" name="그림 54"/>
+          <p:cNvPicPr>
+            <a:picLocks noChangeAspect="1"/>
+          </p:cNvPicPr>
+          <p:nvPr/>
+        </p:nvPicPr>
+        <p:blipFill rotWithShape="1">
+          <a:blip r:embed="rId3"/>
+          <a:stretch>
+            <a:fillRect/>
+          </a:stretch>
+        </p:blipFill>
+        <p:spPr>
+          <a:xfrm>
+            <a:off x="7010400" y="1851440"/>
+            <a:ext cx="2026823" cy="1828800"/>
+          </a:xfrm>
+          <a:prstGeom prst="rect">
+            <a:avLst/>
+          </a:prstGeom>
+        </p:spPr>
+      </p:pic>
+      <p:pic>
+        <p:nvPicPr>
+          <p:cNvPr id="56" name="Picture 36" descr="java에 대한 이미지 검색결과"/>
+          <p:cNvPicPr>
+            <a:picLocks noChangeAspect="1" noChangeArrowheads="1"/>
+          </p:cNvPicPr>
+          <p:nvPr/>
+        </p:nvPicPr>
+        <p:blipFill rotWithShape="1">
+          <a:blip r:embed="rId4"/>
+          <a:srcRect/>
+          <a:stretch>
+            <a:fillRect/>
+          </a:stretch>
+        </p:blipFill>
+        <p:spPr>
+          <a:xfrm>
+            <a:off x="8884823" y="1927640"/>
+            <a:ext cx="2133600" cy="1768059"/>
+          </a:xfrm>
+          <a:prstGeom prst="rect">
+            <a:avLst/>
+          </a:prstGeom>
+          <a:noFill/>
+        </p:spPr>
+      </p:pic>
+      <p:pic>
+        <p:nvPicPr>
+          <p:cNvPr id="57" name="그림 56"/>
+          <p:cNvPicPr>
+            <a:picLocks noChangeAspect="1"/>
+          </p:cNvPicPr>
+          <p:nvPr/>
+        </p:nvPicPr>
+        <p:blipFill rotWithShape="1">
+          <a:blip r:embed="rId5"/>
+          <a:stretch>
+            <a:fillRect/>
+          </a:stretch>
+        </p:blipFill>
+        <p:spPr>
+          <a:xfrm>
+            <a:off x="12344400" y="4000500"/>
+            <a:ext cx="1524000" cy="1769573"/>
+          </a:xfrm>
+          <a:prstGeom prst="rect">
+            <a:avLst/>
+          </a:prstGeom>
+        </p:spPr>
+      </p:pic>
+      <p:pic>
+        <p:nvPicPr>
+          <p:cNvPr id="58" name="그림 57"/>
+          <p:cNvPicPr>
+            <a:picLocks noChangeAspect="1"/>
+          </p:cNvPicPr>
+          <p:nvPr/>
+        </p:nvPicPr>
+        <p:blipFill rotWithShape="1">
+          <a:blip r:embed="rId6"/>
+          <a:stretch>
+            <a:fillRect/>
+          </a:stretch>
+        </p:blipFill>
+        <p:spPr>
+          <a:xfrm>
+            <a:off x="14325600" y="5143500"/>
+            <a:ext cx="1580036" cy="1473994"/>
+          </a:xfrm>
+          <a:prstGeom prst="rect">
+            <a:avLst/>
+          </a:prstGeom>
+        </p:spPr>
+      </p:pic>
+      <p:pic>
+        <p:nvPicPr>
+          <p:cNvPr id="60" name="그림 59"/>
+          <p:cNvPicPr>
+            <a:picLocks noChangeAspect="1"/>
+          </p:cNvPicPr>
+          <p:nvPr/>
+        </p:nvPicPr>
+        <p:blipFill rotWithShape="1">
+          <a:blip r:embed="rId7"/>
+          <a:stretch>
+            <a:fillRect/>
+          </a:stretch>
+        </p:blipFill>
+        <p:spPr>
+          <a:xfrm>
+            <a:off x="13882688" y="2871788"/>
+            <a:ext cx="2652712" cy="2271712"/>
+          </a:xfrm>
+          <a:prstGeom prst="rect">
+            <a:avLst/>
+          </a:prstGeom>
+        </p:spPr>
+      </p:pic>
+      <p:pic>
+        <p:nvPicPr>
+          <p:cNvPr id="61" name="그림 60"/>
+          <p:cNvPicPr>
+            <a:picLocks noChangeAspect="1"/>
+          </p:cNvPicPr>
+          <p:nvPr/>
+        </p:nvPicPr>
+        <p:blipFill rotWithShape="1">
+          <a:blip r:embed="rId8"/>
+          <a:stretch>
+            <a:fillRect/>
+          </a:stretch>
+        </p:blipFill>
+        <p:spPr>
+          <a:xfrm>
+            <a:off x="1905000" y="5753100"/>
+            <a:ext cx="3693834" cy="2476023"/>
+          </a:xfrm>
+          <a:prstGeom prst="rect">
+            <a:avLst/>
+          </a:prstGeom>
+        </p:spPr>
+      </p:pic>
+      <p:pic>
+        <p:nvPicPr>
+          <p:cNvPr id="62" name="그림 61"/>
+          <p:cNvPicPr>
+            <a:picLocks noChangeAspect="1"/>
+          </p:cNvPicPr>
+          <p:nvPr/>
+        </p:nvPicPr>
+        <p:blipFill rotWithShape="1">
+          <a:blip r:embed="rId9"/>
+          <a:stretch>
+            <a:fillRect/>
+          </a:stretch>
+        </p:blipFill>
+        <p:spPr>
+          <a:xfrm>
+            <a:off x="6979823" y="4137440"/>
+            <a:ext cx="1219200" cy="1219200"/>
+          </a:xfrm>
+          <a:prstGeom prst="rect">
+            <a:avLst/>
+          </a:prstGeom>
+        </p:spPr>
+      </p:pic>
+      <p:pic>
+        <p:nvPicPr>
+          <p:cNvPr id="63" name="그림 62"/>
+          <p:cNvPicPr>
+            <a:picLocks noChangeAspect="1"/>
+          </p:cNvPicPr>
+          <p:nvPr/>
+        </p:nvPicPr>
+        <p:blipFill rotWithShape="1">
+          <a:blip r:embed="rId10"/>
+          <a:stretch>
+            <a:fillRect/>
+          </a:stretch>
+        </p:blipFill>
+        <p:spPr>
+          <a:xfrm>
+            <a:off x="8818723" y="4137440"/>
+            <a:ext cx="1285299" cy="1230336"/>
+          </a:xfrm>
+          <a:prstGeom prst="snip2DiagRect">
+            <a:avLst>
+              <a:gd name="adj1" fmla="val 0"/>
+              <a:gd name="adj2" fmla="val 16667"/>
+            </a:avLst>
+          </a:prstGeom>
           <a:solidFill>
-            <a:srgbClr val="FFFFFF">
+            <a:srgbClr val="ffffff">
               <a:shade val="85000"/>
             </a:srgbClr>
           </a:solidFill>
           <a:ln w="88900" cap="sq">
             <a:solidFill>
-              <a:srgbClr val="FFFFFF"/>
+              <a:srgbClr val="ffffff"/>
             </a:solidFill>
-            <a:miter lim="800000"/>
+            <a:miter/>
           </a:ln>
           <a:effectLst>
             <a:outerShdw blurRad="88900" algn="tl" rotWithShape="0">
@@ -9324,26 +13815,550 @@
           <a:sp3d>
             <a:bevelT w="25400" h="19050"/>
             <a:contourClr>
-              <a:srgbClr val="FFFFFF"/>
+              <a:srgbClr val="ffffff"/>
+            </a:contourClr>
+          </a:sp3d>
+        </p:spPr>
+      </p:pic>
+    </p:spTree>
+    <p:extLst>
+      <p:ext uri="{BB962C8B-B14F-4D97-AF65-F5344CB8AC3E}">
+        <p14:creationId xmlns:p14="http://schemas.microsoft.com/office/powerpoint/2010/main" val="625109827"/>
+      </p:ext>
+    </p:extLst>
+  </p:cSld>
+  <p:clrMapOvr>
+    <a:masterClrMapping/>
+  </p:clrMapOvr>
+</p:sld>
+</file>
+
+<file path=ppt/slides/slide7.xml><?xml version="1.0" encoding="utf-8"?>
+<p:sld xmlns:r="http://schemas.openxmlformats.org/officeDocument/2006/relationships" xmlns:c="http://schemas.openxmlformats.org/drawingml/2006/chart" xmlns:a="http://schemas.openxmlformats.org/drawingml/2006/main" xmlns:dgm="http://schemas.openxmlformats.org/drawingml/2006/diagram" xmlns:dsp="http://schemas.microsoft.com/office/drawing/2008/diagram" xmlns:p="http://schemas.openxmlformats.org/presentationml/2006/main">
+  <p:cSld>
+    <p:spTree>
+      <p:nvGrpSpPr>
+        <p:cNvPr id="1" name=""/>
+        <p:cNvGrpSpPr/>
+        <p:nvPr/>
+      </p:nvGrpSpPr>
+      <p:grpSpPr>
+        <a:xfrm>
+          <a:off x="0" y="0"/>
+          <a:ext cx="0" cy="0"/>
+          <a:chOff x="0" y="0"/>
+          <a:chExt cx="0" cy="0"/>
+        </a:xfrm>
+      </p:grpSpPr>
+      <p:sp>
+        <p:nvSpPr>
+          <p:cNvPr id="39" name="직사각형 38">
+            <a:extLst>
+              <a:ext uri="{FF2B5EF4-FFF2-40B4-BE49-F238E27FC236}">
+                <a16:creationId xmlns:a16="http://schemas.microsoft.com/office/drawing/2014/main" id="{8F6FC153-1422-1251-C1CB-11A8462CAC1F}"/>
+              </a:ext>
+            </a:extLst>
+          </p:cNvPr>
+          <p:cNvSpPr/>
+          <p:nvPr/>
+        </p:nvSpPr>
+        <p:spPr>
+          <a:xfrm>
+            <a:off x="720000" y="1049009"/>
+            <a:ext cx="5760000" cy="108000"/>
+          </a:xfrm>
+          <a:prstGeom prst="rect">
+            <a:avLst/>
+          </a:prstGeom>
+          <a:solidFill>
+            <a:schemeClr val="bg2">
+              <a:lumMod val="90000"/>
+            </a:schemeClr>
+          </a:solidFill>
+          <a:ln>
+            <a:noFill/>
+          </a:ln>
+        </p:spPr>
+        <p:style>
+          <a:lnRef idx="2">
+            <a:schemeClr val="accent1">
+              <a:shade val="50000"/>
+            </a:schemeClr>
+          </a:lnRef>
+          <a:fillRef idx="1">
+            <a:schemeClr val="accent1"/>
+          </a:fillRef>
+          <a:effectRef idx="0">
+            <a:schemeClr val="accent1"/>
+          </a:effectRef>
+          <a:fontRef idx="minor">
+            <a:schemeClr val="lt1"/>
+          </a:fontRef>
+        </p:style>
+        <p:txBody>
+          <a:bodyPr rtlCol="0" anchor="ctr"/>
+          <a:lstStyle/>
+          <a:p>
+            <a:pPr algn="ctr"/>
+            <a:endParaRPr lang="ko-KR" altLang="en-US"/>
+          </a:p>
+        </p:txBody>
+      </p:sp>
+      <p:sp>
+        <p:nvSpPr>
+          <p:cNvPr id="40" name="직사각형 39">
+            <a:extLst>
+              <a:ext uri="{FF2B5EF4-FFF2-40B4-BE49-F238E27FC236}">
+                <a16:creationId xmlns:a16="http://schemas.microsoft.com/office/drawing/2014/main" id="{383BE435-4A4C-0797-D09B-7BB8406D0730}"/>
+              </a:ext>
+            </a:extLst>
+          </p:cNvPr>
+          <p:cNvSpPr/>
+          <p:nvPr/>
+        </p:nvSpPr>
+        <p:spPr>
+          <a:xfrm>
+            <a:off x="0" y="1049009"/>
+            <a:ext cx="720000" cy="108000"/>
+          </a:xfrm>
+          <a:prstGeom prst="rect">
+            <a:avLst/>
+          </a:prstGeom>
+          <a:solidFill>
+            <a:schemeClr val="bg1">
+              <a:lumMod val="50000"/>
+            </a:schemeClr>
+          </a:solidFill>
+          <a:ln>
+            <a:noFill/>
+          </a:ln>
+        </p:spPr>
+        <p:style>
+          <a:lnRef idx="2">
+            <a:schemeClr val="accent1">
+              <a:shade val="50000"/>
+            </a:schemeClr>
+          </a:lnRef>
+          <a:fillRef idx="1">
+            <a:schemeClr val="accent1"/>
+          </a:fillRef>
+          <a:effectRef idx="0">
+            <a:schemeClr val="accent1"/>
+          </a:effectRef>
+          <a:fontRef idx="minor">
+            <a:schemeClr val="lt1"/>
+          </a:fontRef>
+        </p:style>
+        <p:txBody>
+          <a:bodyPr rtlCol="0" anchor="ctr"/>
+          <a:lstStyle/>
+          <a:p>
+            <a:pPr algn="ctr"/>
+            <a:endParaRPr lang="ko-KR" altLang="en-US"/>
+          </a:p>
+        </p:txBody>
+      </p:sp>
+      <p:sp>
+        <p:nvSpPr>
+          <p:cNvPr id="41" name="TextBox 40">
+            <a:extLst>
+              <a:ext uri="{FF2B5EF4-FFF2-40B4-BE49-F238E27FC236}">
+                <a16:creationId xmlns:a16="http://schemas.microsoft.com/office/drawing/2014/main" id="{B1597C43-05DC-F61A-33A0-883C35C8AD60}"/>
+              </a:ext>
+            </a:extLst>
+          </p:cNvPr>
+          <p:cNvSpPr txBox="1"/>
+          <p:nvPr/>
+        </p:nvSpPr>
+        <p:spPr>
+          <a:xfrm>
+            <a:off x="838200" y="190500"/>
+            <a:ext cx="1781257" cy="584775"/>
+          </a:xfrm>
+          <a:prstGeom prst="rect">
+            <a:avLst/>
+          </a:prstGeom>
+          <a:noFill/>
+        </p:spPr>
+        <p:txBody>
+          <a:bodyPr wrap="none" rtlCol="0">
+            <a:spAutoFit/>
+          </a:bodyPr>
+          <a:lstStyle/>
+          <a:p>
+            <a:r>
+              <a:rPr lang="ko-KR" altLang="en-US" sz="3200" spc="-300" dirty="0">
+                <a:solidFill>
+                  <a:schemeClr val="accent4">
+                    <a:lumMod val="50000"/>
+                  </a:schemeClr>
+                </a:solidFill>
+              </a:rPr>
+              <a:t>개발 환경</a:t>
+            </a:r>
+          </a:p>
+        </p:txBody>
+      </p:sp>
+      <p:sp>
+        <p:nvSpPr>
+          <p:cNvPr id="43" name="TextBox 42"/>
+          <p:cNvSpPr txBox="1"/>
+          <p:nvPr/>
+        </p:nvSpPr>
+        <p:spPr>
+          <a:xfrm>
+            <a:off x="146685" y="46855"/>
+            <a:ext cx="536446" cy="818015"/>
+          </a:xfrm>
+          <a:prstGeom prst="rect">
+            <a:avLst/>
+          </a:prstGeom>
+          <a:noFill/>
+        </p:spPr>
+        <p:txBody>
+          <a:bodyPr wrap="none">
+            <a:spAutoFit/>
+          </a:bodyPr>
+          <a:lstStyle/>
+          <a:p>
+            <a:pPr lvl="0">
+              <a:defRPr/>
+            </a:pPr>
+            <a:r>
+              <a:rPr lang="en-US" altLang="ko-KR" sz="4800" b="1">
+                <a:solidFill>
+                  <a:schemeClr val="tx1">
+                    <a:lumMod val="75000"/>
+                    <a:lumOff val="25000"/>
+                  </a:schemeClr>
+                </a:solidFill>
+              </a:rPr>
+              <a:t>3</a:t>
+            </a:r>
+            <a:endParaRPr lang="en-US" altLang="ko-KR" sz="4800" b="1">
+              <a:solidFill>
+                <a:schemeClr val="tx1">
+                  <a:lumMod val="75000"/>
+                  <a:lumOff val="25000"/>
+                </a:schemeClr>
+              </a:solidFill>
+            </a:endParaRPr>
+          </a:p>
+        </p:txBody>
+      </p:sp>
+      <p:sp>
+        <p:nvSpPr>
+          <p:cNvPr id="11" name="직사각형 10"/>
+          <p:cNvSpPr/>
+          <p:nvPr/>
+        </p:nvSpPr>
+        <p:spPr>
+          <a:xfrm>
+            <a:off x="922358" y="3044509"/>
+            <a:ext cx="5163338" cy="4160520"/>
+          </a:xfrm>
+          <a:prstGeom prst="rect">
+            <a:avLst/>
+          </a:prstGeom>
+          <a:solidFill>
+            <a:schemeClr val="bg2"/>
+          </a:solidFill>
+          <a:ln>
+            <a:noFill/>
+          </a:ln>
+        </p:spPr>
+        <p:style>
+          <a:lnRef idx="2">
+            <a:schemeClr val="accent1">
+              <a:shade val="50000"/>
+            </a:schemeClr>
+          </a:lnRef>
+          <a:fillRef idx="1">
+            <a:schemeClr val="accent1"/>
+          </a:fillRef>
+          <a:effectRef idx="0">
+            <a:schemeClr val="accent1"/>
+          </a:effectRef>
+          <a:fontRef idx="minor">
+            <a:schemeClr val="lt1"/>
+          </a:fontRef>
+        </p:style>
+        <p:txBody>
+          <a:bodyPr anchor="ctr"/>
+          <a:lstStyle/>
+          <a:p>
+            <a:pPr lvl="0" algn="ctr">
+              <a:defRPr/>
+            </a:pPr>
+            <a:endParaRPr lang="ko-KR" altLang="en-US"/>
+          </a:p>
+        </p:txBody>
+      </p:sp>
+      <p:sp>
+        <p:nvSpPr>
+          <p:cNvPr id="12" name="TextBox 11"/>
+          <p:cNvSpPr txBox="1"/>
+          <p:nvPr/>
+        </p:nvSpPr>
+        <p:spPr>
+          <a:xfrm>
+            <a:off x="2207684" y="7653635"/>
+            <a:ext cx="2592686" cy="450235"/>
+          </a:xfrm>
+          <a:prstGeom prst="rect">
+            <a:avLst/>
+          </a:prstGeom>
+          <a:noFill/>
+        </p:spPr>
+        <p:txBody>
+          <a:bodyPr wrap="square">
+            <a:spAutoFit/>
+          </a:bodyPr>
+          <a:lstStyle/>
+          <a:p>
+            <a:pPr lvl="0" algn="ctr">
+              <a:defRPr/>
+            </a:pPr>
+            <a:r>
+              <a:rPr lang="ko-KR" altLang="en-US" sz="2400" spc="-300"/>
+              <a:t>프론트 엔드</a:t>
+            </a:r>
+            <a:endParaRPr lang="ko-KR" altLang="en-US" sz="2400" spc="-300"/>
+          </a:p>
+        </p:txBody>
+      </p:sp>
+      <p:sp>
+        <p:nvSpPr>
+          <p:cNvPr id="14" name="TextBox 13"/>
+          <p:cNvSpPr txBox="1"/>
+          <p:nvPr/>
+        </p:nvSpPr>
+        <p:spPr>
+          <a:xfrm>
+            <a:off x="7847657" y="7653635"/>
+            <a:ext cx="2592686" cy="450235"/>
+          </a:xfrm>
+          <a:prstGeom prst="rect">
+            <a:avLst/>
+          </a:prstGeom>
+          <a:noFill/>
+        </p:spPr>
+        <p:txBody>
+          <a:bodyPr wrap="square">
+            <a:spAutoFit/>
+          </a:bodyPr>
+          <a:lstStyle/>
+          <a:p>
+            <a:pPr lvl="0" algn="ctr">
+              <a:defRPr/>
+            </a:pPr>
+            <a:r>
+              <a:rPr lang="ko-KR" altLang="en-US" sz="2400" spc="-300"/>
+              <a:t>백 엔드</a:t>
+            </a:r>
+            <a:endParaRPr lang="ko-KR" altLang="en-US" sz="2400" spc="-300"/>
+          </a:p>
+        </p:txBody>
+      </p:sp>
+      <p:sp>
+        <p:nvSpPr>
+          <p:cNvPr id="16" name="TextBox 15"/>
+          <p:cNvSpPr txBox="1"/>
+          <p:nvPr/>
+        </p:nvSpPr>
+        <p:spPr>
+          <a:xfrm>
+            <a:off x="13583049" y="7648444"/>
+            <a:ext cx="2592686" cy="449050"/>
+          </a:xfrm>
+          <a:prstGeom prst="rect">
+            <a:avLst/>
+          </a:prstGeom>
+          <a:noFill/>
+        </p:spPr>
+        <p:txBody>
+          <a:bodyPr wrap="square">
+            <a:spAutoFit/>
+          </a:bodyPr>
+          <a:lstStyle/>
+          <a:p>
+            <a:pPr lvl="0" algn="ctr">
+              <a:defRPr/>
+            </a:pPr>
+            <a:r>
+              <a:rPr lang="ko-KR" altLang="en-US" sz="2400" spc="-300"/>
+              <a:t>그  외 </a:t>
+            </a:r>
+            <a:endParaRPr lang="ko-KR" altLang="en-US" sz="2400" spc="-300"/>
+          </a:p>
+        </p:txBody>
+      </p:sp>
+      <p:sp>
+        <p:nvSpPr>
+          <p:cNvPr id="17" name="직사각형 16"/>
+          <p:cNvSpPr/>
+          <p:nvPr/>
+        </p:nvSpPr>
+        <p:spPr>
+          <a:xfrm>
+            <a:off x="6562331" y="3055337"/>
+            <a:ext cx="5163338" cy="4160520"/>
+          </a:xfrm>
+          <a:prstGeom prst="rect">
+            <a:avLst/>
+          </a:prstGeom>
+          <a:solidFill>
+            <a:schemeClr val="bg2">
+              <a:lumMod val="90000"/>
+            </a:schemeClr>
+          </a:solidFill>
+          <a:ln>
+            <a:noFill/>
+          </a:ln>
+        </p:spPr>
+        <p:style>
+          <a:lnRef idx="2">
+            <a:schemeClr val="accent1">
+              <a:shade val="50000"/>
+            </a:schemeClr>
+          </a:lnRef>
+          <a:fillRef idx="1">
+            <a:schemeClr val="accent1"/>
+          </a:fillRef>
+          <a:effectRef idx="0">
+            <a:schemeClr val="accent1"/>
+          </a:effectRef>
+          <a:fontRef idx="minor">
+            <a:schemeClr val="lt1"/>
+          </a:fontRef>
+        </p:style>
+        <p:txBody>
+          <a:bodyPr anchor="ctr"/>
+          <a:lstStyle/>
+          <a:p>
+            <a:pPr lvl="0" algn="ctr">
+              <a:defRPr/>
+            </a:pPr>
+            <a:endParaRPr lang="ko-KR" altLang="en-US"/>
+          </a:p>
+        </p:txBody>
+      </p:sp>
+      <p:sp>
+        <p:nvSpPr>
+          <p:cNvPr id="18" name="직사각형 17"/>
+          <p:cNvSpPr/>
+          <p:nvPr/>
+        </p:nvSpPr>
+        <p:spPr>
+          <a:xfrm>
+            <a:off x="12167813" y="3044509"/>
+            <a:ext cx="5163338" cy="4160520"/>
+          </a:xfrm>
+          <a:prstGeom prst="rect">
+            <a:avLst/>
+          </a:prstGeom>
+          <a:solidFill>
+            <a:schemeClr val="bg2">
+              <a:lumMod val="75000"/>
+            </a:schemeClr>
+          </a:solidFill>
+          <a:ln>
+            <a:noFill/>
+          </a:ln>
+        </p:spPr>
+        <p:style>
+          <a:lnRef idx="2">
+            <a:schemeClr val="accent1">
+              <a:shade val="50000"/>
+            </a:schemeClr>
+          </a:lnRef>
+          <a:fillRef idx="1">
+            <a:schemeClr val="accent1"/>
+          </a:fillRef>
+          <a:effectRef idx="0">
+            <a:schemeClr val="accent1"/>
+          </a:effectRef>
+          <a:fontRef idx="minor">
+            <a:schemeClr val="lt1"/>
+          </a:fontRef>
+        </p:style>
+        <p:txBody>
+          <a:bodyPr anchor="ctr"/>
+          <a:lstStyle/>
+          <a:p>
+            <a:pPr lvl="0" algn="ctr">
+              <a:defRPr/>
+            </a:pPr>
+            <a:endParaRPr lang="ko-KR" altLang="en-US"/>
+          </a:p>
+        </p:txBody>
+      </p:sp>
+      <p:pic>
+        <p:nvPicPr>
+          <p:cNvPr id="3" name="그림 2"/>
+          <p:cNvPicPr>
+            <a:picLocks noChangeAspect="1"/>
+          </p:cNvPicPr>
+          <p:nvPr/>
+        </p:nvPicPr>
+        <p:blipFill rotWithShape="1">
+          <a:blip r:embed="rId2"/>
+          <a:stretch>
+            <a:fillRect/>
+          </a:stretch>
+        </p:blipFill>
+        <p:spPr>
+          <a:xfrm>
+            <a:off x="1494003" y="3339721"/>
+            <a:ext cx="1787519" cy="1610121"/>
+          </a:xfrm>
+          <a:prstGeom prst="snip2DiagRect">
+            <a:avLst>
+              <a:gd name="adj1" fmla="val 0"/>
+              <a:gd name="adj2" fmla="val 16667"/>
+            </a:avLst>
+          </a:prstGeom>
+          <a:solidFill>
+            <a:srgbClr val="ffffff">
+              <a:shade val="85000"/>
+            </a:srgbClr>
+          </a:solidFill>
+          <a:ln w="88900" cap="sq">
+            <a:solidFill>
+              <a:srgbClr val="ffffff"/>
+            </a:solidFill>
+            <a:miter/>
+          </a:ln>
+          <a:effectLst>
+            <a:outerShdw blurRad="88900" algn="tl" rotWithShape="0">
+              <a:srgbClr val="000000">
+                <a:alpha val="45000"/>
+              </a:srgbClr>
+            </a:outerShdw>
+          </a:effectLst>
+          <a:scene3d>
+            <a:camera prst="orthographicFront"/>
+            <a:lightRig rig="twoPt" dir="t">
+              <a:rot lat="0" lon="0" rev="7200000"/>
+            </a:lightRig>
+          </a:scene3d>
+          <a:sp3d>
+            <a:bevelT w="25400" h="19050"/>
+            <a:contourClr>
+              <a:srgbClr val="ffffff"/>
             </a:contourClr>
           </a:sp3d>
         </p:spPr>
       </p:pic>
       <p:grpSp>
         <p:nvGrpSpPr>
-          <p:cNvPr id="5" name="그룹 4">
-            <a:extLst>
-              <a:ext uri="{FF2B5EF4-FFF2-40B4-BE49-F238E27FC236}">
-                <a16:creationId xmlns:a16="http://schemas.microsoft.com/office/drawing/2014/main" id="{7DC9D0A7-25F0-AB41-D36A-57939D61FBC5}"/>
-              </a:ext>
-            </a:extLst>
-          </p:cNvPr>
+          <p:cNvPr id="5" name="그룹 4"/>
           <p:cNvGrpSpPr/>
           <p:nvPr/>
         </p:nvGrpSpPr>
         <p:grpSpPr>
-          <a:xfrm>
-            <a:off x="3772164" y="2619791"/>
+          <a:xfrm rot="0">
+            <a:off x="3772164" y="3375415"/>
             <a:ext cx="1766614" cy="1624831"/>
             <a:chOff x="781745" y="4402880"/>
             <a:chExt cx="953788" cy="915461"/>
@@ -9351,19 +14366,13 @@
         </p:grpSpPr>
         <p:pic>
           <p:nvPicPr>
-            <p:cNvPr id="6" name="그림 5">
-              <a:extLst>
-                <a:ext uri="{FF2B5EF4-FFF2-40B4-BE49-F238E27FC236}">
-                  <a16:creationId xmlns:a16="http://schemas.microsoft.com/office/drawing/2014/main" id="{45A8D1CA-E224-72B6-91F4-B93B978AA67E}"/>
-                </a:ext>
-              </a:extLst>
-            </p:cNvPr>
+            <p:cNvPr id="6" name="그림 5"/>
             <p:cNvPicPr>
               <a:picLocks noChangeAspect="1"/>
             </p:cNvPicPr>
             <p:nvPr/>
           </p:nvPicPr>
-          <p:blipFill>
+          <p:blipFill rotWithShape="1">
             <a:blip r:embed="rId3"/>
             <a:stretch>
               <a:fillRect/>
@@ -9375,18 +14384,21 @@
               <a:ext cx="953788" cy="915461"/>
             </a:xfrm>
             <a:prstGeom prst="snip2DiagRect">
-              <a:avLst/>
+              <a:avLst>
+                <a:gd name="adj1" fmla="val 0"/>
+                <a:gd name="adj2" fmla="val 16667"/>
+              </a:avLst>
             </a:prstGeom>
             <a:solidFill>
-              <a:srgbClr val="FFFFFF">
+              <a:srgbClr val="ffffff">
                 <a:shade val="85000"/>
               </a:srgbClr>
             </a:solidFill>
             <a:ln w="88900" cap="sq">
               <a:solidFill>
-                <a:srgbClr val="FFFFFF"/>
+                <a:srgbClr val="ffffff"/>
               </a:solidFill>
-              <a:miter lim="800000"/>
+              <a:miter/>
             </a:ln>
             <a:effectLst>
               <a:outerShdw blurRad="88900" algn="tl" rotWithShape="0">
@@ -9404,33 +14416,21 @@
             <a:sp3d>
               <a:bevelT w="25400" h="19050"/>
               <a:contourClr>
-                <a:srgbClr val="FFFFFF"/>
+                <a:srgbClr val="ffffff"/>
               </a:contourClr>
             </a:sp3d>
           </p:spPr>
         </p:pic>
         <p:pic>
           <p:nvPicPr>
-            <p:cNvPr id="7" name="그림 6">
-              <a:extLst>
-                <a:ext uri="{FF2B5EF4-FFF2-40B4-BE49-F238E27FC236}">
-                  <a16:creationId xmlns:a16="http://schemas.microsoft.com/office/drawing/2014/main" id="{6E9CF2E2-4ABA-6810-8123-ADCF11E1D1CB}"/>
-                </a:ext>
-              </a:extLst>
-            </p:cNvPr>
+            <p:cNvPr id="7" name="그림 6"/>
             <p:cNvPicPr>
               <a:picLocks noChangeAspect="1"/>
             </p:cNvPicPr>
             <p:nvPr/>
           </p:nvPicPr>
-          <p:blipFill>
-            <a:blip r:embed="rId4">
-              <a:extLst>
-                <a:ext uri="{28A0092B-C50C-407E-A947-70E740481C1C}">
-                  <a14:useLocalDpi xmlns:a14="http://schemas.microsoft.com/office/drawing/2010/main" val="0"/>
-                </a:ext>
-              </a:extLst>
-            </a:blip>
+          <p:blipFill rotWithShape="1">
+            <a:blip r:embed="rId4"/>
             <a:stretch>
               <a:fillRect/>
             </a:stretch>
@@ -9441,18 +14441,21 @@
               <a:ext cx="699789" cy="785780"/>
             </a:xfrm>
             <a:prstGeom prst="snip2DiagRect">
-              <a:avLst/>
+              <a:avLst>
+                <a:gd name="adj1" fmla="val 0"/>
+                <a:gd name="adj2" fmla="val 16667"/>
+              </a:avLst>
             </a:prstGeom>
             <a:solidFill>
-              <a:srgbClr val="FFFFFF">
+              <a:srgbClr val="ffffff">
                 <a:shade val="85000"/>
               </a:srgbClr>
             </a:solidFill>
             <a:ln w="88900" cap="sq">
               <a:solidFill>
-                <a:srgbClr val="FFFFFF"/>
+                <a:srgbClr val="ffffff"/>
               </a:solidFill>
-              <a:miter lim="800000"/>
+              <a:miter/>
             </a:ln>
             <a:effectLst>
               <a:outerShdw blurRad="88900" algn="tl" rotWithShape="0">
@@ -9470,70 +14473,517 @@
             <a:sp3d>
               <a:bevelT w="25400" h="19050"/>
               <a:contourClr>
-                <a:srgbClr val="FFFFFF"/>
+                <a:srgbClr val="ffffff"/>
               </a:contourClr>
             </a:sp3d>
           </p:spPr>
         </p:pic>
       </p:grpSp>
+      <p:pic>
+        <p:nvPicPr>
+          <p:cNvPr id="9" name="그림 8"/>
+          <p:cNvPicPr>
+            <a:picLocks noChangeAspect="1"/>
+          </p:cNvPicPr>
+          <p:nvPr/>
+        </p:nvPicPr>
+        <p:blipFill rotWithShape="1">
+          <a:blip r:embed="rId5"/>
+          <a:stretch>
+            <a:fillRect/>
+          </a:stretch>
+        </p:blipFill>
+        <p:spPr>
+          <a:xfrm>
+            <a:off x="1530098" y="5398448"/>
+            <a:ext cx="1787519" cy="1610121"/>
+          </a:xfrm>
+          <a:prstGeom prst="snip2DiagRect">
+            <a:avLst>
+              <a:gd name="adj1" fmla="val 0"/>
+              <a:gd name="adj2" fmla="val 16667"/>
+            </a:avLst>
+          </a:prstGeom>
+          <a:solidFill>
+            <a:srgbClr val="ffffff">
+              <a:shade val="85000"/>
+            </a:srgbClr>
+          </a:solidFill>
+          <a:ln w="88900" cap="sq">
+            <a:solidFill>
+              <a:srgbClr val="ffffff"/>
+            </a:solidFill>
+            <a:miter/>
+          </a:ln>
+          <a:effectLst>
+            <a:outerShdw blurRad="88900" algn="tl" rotWithShape="0">
+              <a:srgbClr val="000000">
+                <a:alpha val="45000"/>
+              </a:srgbClr>
+            </a:outerShdw>
+          </a:effectLst>
+          <a:scene3d>
+            <a:camera prst="orthographicFront"/>
+            <a:lightRig rig="twoPt" dir="t">
+              <a:rot lat="0" lon="0" rev="7200000"/>
+            </a:lightRig>
+          </a:scene3d>
+          <a:sp3d>
+            <a:bevelT w="25400" h="19050"/>
+            <a:contourClr>
+              <a:srgbClr val="ffffff"/>
+            </a:contourClr>
+          </a:sp3d>
+        </p:spPr>
+      </p:pic>
+      <p:pic>
+        <p:nvPicPr>
+          <p:cNvPr id="10" name="그림 9"/>
+          <p:cNvPicPr>
+            <a:picLocks noChangeAspect="1"/>
+          </p:cNvPicPr>
+          <p:nvPr/>
+        </p:nvPicPr>
+        <p:blipFill rotWithShape="1">
+          <a:blip r:embed="rId6"/>
+          <a:stretch>
+            <a:fillRect/>
+          </a:stretch>
+        </p:blipFill>
+        <p:spPr>
+          <a:xfrm>
+            <a:off x="1799279" y="5576809"/>
+            <a:ext cx="1285299" cy="1230336"/>
+          </a:xfrm>
+          <a:prstGeom prst="snip2DiagRect">
+            <a:avLst>
+              <a:gd name="adj1" fmla="val 0"/>
+              <a:gd name="adj2" fmla="val 16667"/>
+            </a:avLst>
+          </a:prstGeom>
+          <a:solidFill>
+            <a:srgbClr val="ffffff">
+              <a:shade val="85000"/>
+            </a:srgbClr>
+          </a:solidFill>
+          <a:ln w="88900" cap="sq">
+            <a:solidFill>
+              <a:srgbClr val="ffffff"/>
+            </a:solidFill>
+            <a:miter/>
+          </a:ln>
+          <a:effectLst>
+            <a:outerShdw blurRad="88900" algn="tl" rotWithShape="0">
+              <a:srgbClr val="000000">
+                <a:alpha val="45000"/>
+              </a:srgbClr>
+            </a:outerShdw>
+          </a:effectLst>
+          <a:scene3d>
+            <a:camera prst="orthographicFront"/>
+            <a:lightRig rig="twoPt" dir="t">
+              <a:rot lat="0" lon="0" rev="7200000"/>
+            </a:lightRig>
+          </a:scene3d>
+          <a:sp3d>
+            <a:bevelT w="25400" h="19050"/>
+            <a:contourClr>
+              <a:srgbClr val="ffffff"/>
+            </a:contourClr>
+          </a:sp3d>
+        </p:spPr>
+      </p:pic>
+      <p:pic>
+        <p:nvPicPr>
+          <p:cNvPr id="4" name="그림 3"/>
+          <p:cNvPicPr>
+            <a:picLocks noChangeAspect="1"/>
+          </p:cNvPicPr>
+          <p:nvPr/>
+        </p:nvPicPr>
+        <p:blipFill rotWithShape="1">
+          <a:blip r:embed="rId7"/>
+          <a:stretch>
+            <a:fillRect/>
+          </a:stretch>
+        </p:blipFill>
+        <p:spPr>
+          <a:xfrm>
+            <a:off x="3799510" y="5386918"/>
+            <a:ext cx="1766614" cy="1610120"/>
+          </a:xfrm>
+          <a:prstGeom prst="snip2DiagRect">
+            <a:avLst>
+              <a:gd name="adj1" fmla="val 0"/>
+              <a:gd name="adj2" fmla="val 16667"/>
+            </a:avLst>
+          </a:prstGeom>
+          <a:solidFill>
+            <a:srgbClr val="ffffff">
+              <a:shade val="85000"/>
+            </a:srgbClr>
+          </a:solidFill>
+          <a:ln w="88900" cap="sq">
+            <a:solidFill>
+              <a:srgbClr val="ffffff"/>
+            </a:solidFill>
+            <a:miter/>
+          </a:ln>
+          <a:effectLst>
+            <a:outerShdw blurRad="88900" algn="tl" rotWithShape="0">
+              <a:srgbClr val="000000">
+                <a:alpha val="45000"/>
+              </a:srgbClr>
+            </a:outerShdw>
+          </a:effectLst>
+          <a:scene3d>
+            <a:camera prst="orthographicFront"/>
+            <a:lightRig rig="twoPt" dir="t">
+              <a:rot lat="0" lon="0" rev="7200000"/>
+            </a:lightRig>
+          </a:scene3d>
+          <a:sp3d>
+            <a:bevelT w="25400" h="19050"/>
+            <a:contourClr>
+              <a:srgbClr val="ffffff"/>
+            </a:contourClr>
+          </a:sp3d>
+        </p:spPr>
+      </p:pic>
+      <p:pic>
+        <p:nvPicPr>
+          <p:cNvPr id="19" name="그림 18"/>
+          <p:cNvPicPr>
+            <a:picLocks noChangeAspect="1"/>
+          </p:cNvPicPr>
+          <p:nvPr/>
+        </p:nvPicPr>
+        <p:blipFill rotWithShape="1">
+          <a:blip r:embed="rId8"/>
+          <a:stretch>
+            <a:fillRect/>
+          </a:stretch>
+        </p:blipFill>
+        <p:spPr>
+          <a:xfrm>
+            <a:off x="6979482" y="3478370"/>
+            <a:ext cx="1811453" cy="1624831"/>
+          </a:xfrm>
+          <a:prstGeom prst="snip2DiagRect">
+            <a:avLst>
+              <a:gd name="adj1" fmla="val 0"/>
+              <a:gd name="adj2" fmla="val 16667"/>
+            </a:avLst>
+          </a:prstGeom>
+          <a:solidFill>
+            <a:srgbClr val="ffffff">
+              <a:shade val="85000"/>
+            </a:srgbClr>
+          </a:solidFill>
+          <a:ln w="88900" cap="sq">
+            <a:solidFill>
+              <a:srgbClr val="ffffff"/>
+            </a:solidFill>
+            <a:miter/>
+          </a:ln>
+          <a:effectLst>
+            <a:outerShdw blurRad="88900" algn="tl" rotWithShape="0">
+              <a:srgbClr val="000000">
+                <a:alpha val="45000"/>
+              </a:srgbClr>
+            </a:outerShdw>
+          </a:effectLst>
+          <a:scene3d>
+            <a:camera prst="orthographicFront"/>
+            <a:lightRig rig="twoPt" dir="t">
+              <a:rot lat="0" lon="0" rev="7200000"/>
+            </a:lightRig>
+          </a:scene3d>
+          <a:sp3d>
+            <a:bevelT w="25400" h="19050"/>
+            <a:contourClr>
+              <a:srgbClr val="ffffff"/>
+            </a:contourClr>
+          </a:sp3d>
+        </p:spPr>
+      </p:pic>
+      <p:pic>
+        <p:nvPicPr>
+          <p:cNvPr id="20" name="그림 19"/>
+          <p:cNvPicPr>
+            <a:picLocks noChangeAspect="1"/>
+          </p:cNvPicPr>
+          <p:nvPr/>
+        </p:nvPicPr>
+        <p:blipFill rotWithShape="1">
+          <a:blip r:embed="rId9"/>
+          <a:stretch>
+            <a:fillRect/>
+          </a:stretch>
+        </p:blipFill>
+        <p:spPr>
+          <a:xfrm>
+            <a:off x="9383692" y="3485990"/>
+            <a:ext cx="1787519" cy="1610121"/>
+          </a:xfrm>
+          <a:prstGeom prst="snip2DiagRect">
+            <a:avLst>
+              <a:gd name="adj1" fmla="val 0"/>
+              <a:gd name="adj2" fmla="val 16667"/>
+            </a:avLst>
+          </a:prstGeom>
+          <a:solidFill>
+            <a:srgbClr val="ffffff">
+              <a:shade val="85000"/>
+            </a:srgbClr>
+          </a:solidFill>
+          <a:ln w="88900" cap="sq">
+            <a:solidFill>
+              <a:srgbClr val="ffffff"/>
+            </a:solidFill>
+            <a:miter/>
+          </a:ln>
+          <a:effectLst>
+            <a:outerShdw blurRad="88900" algn="tl" rotWithShape="0">
+              <a:srgbClr val="000000">
+                <a:alpha val="45000"/>
+              </a:srgbClr>
+            </a:outerShdw>
+          </a:effectLst>
+          <a:scene3d>
+            <a:camera prst="orthographicFront"/>
+            <a:lightRig rig="twoPt" dir="t">
+              <a:rot lat="0" lon="0" rev="7200000"/>
+            </a:lightRig>
+          </a:scene3d>
+          <a:sp3d>
+            <a:bevelT w="25400" h="19050"/>
+            <a:contourClr>
+              <a:srgbClr val="ffffff"/>
+            </a:contourClr>
+          </a:sp3d>
+        </p:spPr>
+      </p:pic>
+      <p:pic>
+        <p:nvPicPr>
+          <p:cNvPr id="22" name="그림 21"/>
+          <p:cNvPicPr>
+            <a:picLocks noChangeAspect="1"/>
+          </p:cNvPicPr>
+          <p:nvPr/>
+        </p:nvPicPr>
+        <p:blipFill rotWithShape="1">
+          <a:blip r:embed="rId10"/>
+          <a:stretch>
+            <a:fillRect/>
+          </a:stretch>
+        </p:blipFill>
+        <p:spPr>
+          <a:xfrm>
+            <a:off x="15087599" y="5471463"/>
+            <a:ext cx="1811454" cy="1575206"/>
+          </a:xfrm>
+          <a:prstGeom prst="snip2DiagRect">
+            <a:avLst>
+              <a:gd name="adj1" fmla="val 0"/>
+              <a:gd name="adj2" fmla="val 16667"/>
+            </a:avLst>
+          </a:prstGeom>
+          <a:solidFill>
+            <a:srgbClr val="ffffff">
+              <a:shade val="85000"/>
+            </a:srgbClr>
+          </a:solidFill>
+          <a:ln w="88900" cap="sq">
+            <a:solidFill>
+              <a:srgbClr val="ffffff"/>
+            </a:solidFill>
+            <a:miter/>
+          </a:ln>
+          <a:effectLst>
+            <a:outerShdw blurRad="88900" algn="tl" rotWithShape="0">
+              <a:srgbClr val="000000">
+                <a:alpha val="45000"/>
+              </a:srgbClr>
+            </a:outerShdw>
+          </a:effectLst>
+          <a:scene3d>
+            <a:camera prst="orthographicFront"/>
+            <a:lightRig rig="twoPt" dir="t">
+              <a:rot lat="0" lon="0" rev="7200000"/>
+            </a:lightRig>
+          </a:scene3d>
+          <a:sp3d>
+            <a:bevelT w="25400" h="19050"/>
+            <a:contourClr>
+              <a:srgbClr val="ffffff"/>
+            </a:contourClr>
+          </a:sp3d>
+        </p:spPr>
+      </p:pic>
+      <p:pic>
+        <p:nvPicPr>
+          <p:cNvPr id="23" name="그림 22"/>
+          <p:cNvPicPr>
+            <a:picLocks noChangeAspect="1"/>
+          </p:cNvPicPr>
+          <p:nvPr/>
+        </p:nvPicPr>
+        <p:blipFill rotWithShape="1">
+          <a:blip r:embed="rId11"/>
+          <a:stretch>
+            <a:fillRect/>
+          </a:stretch>
+        </p:blipFill>
+        <p:spPr>
+          <a:xfrm>
+            <a:off x="12606824" y="5400269"/>
+            <a:ext cx="1823212" cy="1646400"/>
+          </a:xfrm>
+          <a:prstGeom prst="snip2DiagRect">
+            <a:avLst>
+              <a:gd name="adj1" fmla="val 0"/>
+              <a:gd name="adj2" fmla="val 16667"/>
+            </a:avLst>
+          </a:prstGeom>
+          <a:solidFill>
+            <a:srgbClr val="ffffff">
+              <a:shade val="85000"/>
+            </a:srgbClr>
+          </a:solidFill>
+          <a:ln w="88900" cap="sq">
+            <a:solidFill>
+              <a:srgbClr val="ffffff"/>
+            </a:solidFill>
+            <a:miter/>
+          </a:ln>
+          <a:effectLst>
+            <a:outerShdw blurRad="88900" algn="tl" rotWithShape="0">
+              <a:srgbClr val="000000">
+                <a:alpha val="45000"/>
+              </a:srgbClr>
+            </a:outerShdw>
+          </a:effectLst>
+          <a:scene3d>
+            <a:camera prst="orthographicFront"/>
+            <a:lightRig rig="twoPt" dir="t">
+              <a:rot lat="0" lon="0" rev="7200000"/>
+            </a:lightRig>
+          </a:scene3d>
+          <a:sp3d>
+            <a:bevelT w="25400" h="19050"/>
+            <a:contourClr>
+              <a:srgbClr val="ffffff"/>
+            </a:contourClr>
+          </a:sp3d>
+        </p:spPr>
+      </p:pic>
+      <p:pic>
+        <p:nvPicPr>
+          <p:cNvPr id="24" name="그림 23"/>
+          <p:cNvPicPr>
+            <a:picLocks noChangeAspect="1"/>
+          </p:cNvPicPr>
+          <p:nvPr/>
+        </p:nvPicPr>
+        <p:blipFill rotWithShape="1">
+          <a:blip r:embed="rId12"/>
+          <a:stretch>
+            <a:fillRect/>
+          </a:stretch>
+        </p:blipFill>
+        <p:spPr>
+          <a:xfrm>
+            <a:off x="14982544" y="3536924"/>
+            <a:ext cx="1811453" cy="1638779"/>
+          </a:xfrm>
+          <a:prstGeom prst="snip2DiagRect">
+            <a:avLst>
+              <a:gd name="adj1" fmla="val 0"/>
+              <a:gd name="adj2" fmla="val 16667"/>
+            </a:avLst>
+          </a:prstGeom>
+          <a:solidFill>
+            <a:srgbClr val="ffffff">
+              <a:shade val="85000"/>
+            </a:srgbClr>
+          </a:solidFill>
+          <a:ln w="88900" cap="sq">
+            <a:solidFill>
+              <a:srgbClr val="ffffff"/>
+            </a:solidFill>
+            <a:miter/>
+          </a:ln>
+          <a:effectLst>
+            <a:outerShdw blurRad="88900" algn="tl" rotWithShape="0">
+              <a:srgbClr val="000000">
+                <a:alpha val="45000"/>
+              </a:srgbClr>
+            </a:outerShdw>
+          </a:effectLst>
+          <a:scene3d>
+            <a:camera prst="orthographicFront"/>
+            <a:lightRig rig="twoPt" dir="t">
+              <a:rot lat="0" lon="0" rev="7200000"/>
+            </a:lightRig>
+          </a:scene3d>
+          <a:sp3d>
+            <a:bevelT w="25400" h="19050"/>
+            <a:contourClr>
+              <a:srgbClr val="ffffff"/>
+            </a:contourClr>
+          </a:sp3d>
+        </p:spPr>
+      </p:pic>
       <p:grpSp>
         <p:nvGrpSpPr>
-          <p:cNvPr id="8" name="그룹 7">
-            <a:extLst>
-              <a:ext uri="{FF2B5EF4-FFF2-40B4-BE49-F238E27FC236}">
-                <a16:creationId xmlns:a16="http://schemas.microsoft.com/office/drawing/2014/main" id="{B8C4474A-C7D2-28FA-E809-02F49A31ED1F}"/>
-              </a:ext>
-            </a:extLst>
-          </p:cNvPr>
+          <p:cNvPr id="47" name=""/>
           <p:cNvGrpSpPr/>
           <p:nvPr/>
         </p:nvGrpSpPr>
         <p:grpSpPr>
-          <a:xfrm>
-            <a:off x="1530098" y="4642824"/>
-            <a:ext cx="1787519" cy="1610121"/>
-            <a:chOff x="1980257" y="4460887"/>
-            <a:chExt cx="935735" cy="898134"/>
+          <a:xfrm rot="0">
+            <a:off x="6999034" y="5414891"/>
+            <a:ext cx="1916366" cy="1593678"/>
+            <a:chOff x="6999034" y="4659267"/>
+            <a:chExt cx="1916366" cy="1593678"/>
           </a:xfrm>
         </p:grpSpPr>
         <p:pic>
           <p:nvPicPr>
-            <p:cNvPr id="9" name="그림 8">
-              <a:extLst>
-                <a:ext uri="{FF2B5EF4-FFF2-40B4-BE49-F238E27FC236}">
-                  <a16:creationId xmlns:a16="http://schemas.microsoft.com/office/drawing/2014/main" id="{DE479812-C31F-6796-FD7F-550E7ED6F900}"/>
-                </a:ext>
-              </a:extLst>
-            </p:cNvPr>
+            <p:cNvPr id="45" name="그림 44"/>
             <p:cNvPicPr>
               <a:picLocks noChangeAspect="1"/>
             </p:cNvPicPr>
             <p:nvPr/>
           </p:nvPicPr>
-          <p:blipFill>
-            <a:blip r:embed="rId5"/>
+          <p:blipFill rotWithShape="1">
+            <a:blip r:embed="rId13"/>
             <a:stretch>
               <a:fillRect/>
             </a:stretch>
           </p:blipFill>
           <p:spPr>
             <a:xfrm>
-              <a:off x="1980257" y="4460887"/>
-              <a:ext cx="935735" cy="898134"/>
+              <a:off x="6999034" y="4659267"/>
+              <a:ext cx="1916366" cy="1593678"/>
             </a:xfrm>
             <a:prstGeom prst="snip2DiagRect">
-              <a:avLst/>
+              <a:avLst>
+                <a:gd name="adj1" fmla="val 0"/>
+                <a:gd name="adj2" fmla="val 16667"/>
+              </a:avLst>
             </a:prstGeom>
             <a:solidFill>
-              <a:srgbClr val="FFFFFF">
+              <a:srgbClr val="ffffff">
                 <a:shade val="85000"/>
               </a:srgbClr>
             </a:solidFill>
             <a:ln w="88900" cap="sq">
               <a:solidFill>
-                <a:srgbClr val="FFFFFF"/>
+                <a:srgbClr val="ffffff"/>
               </a:solidFill>
-              <a:miter lim="800000"/>
+              <a:miter/>
             </a:ln>
             <a:effectLst>
               <a:outerShdw blurRad="88900" algn="tl" rotWithShape="0">
@@ -9551,55 +15001,781 @@
             <a:sp3d>
               <a:bevelT w="25400" h="19050"/>
               <a:contourClr>
-                <a:srgbClr val="FFFFFF"/>
+                <a:srgbClr val="ffffff"/>
               </a:contourClr>
             </a:sp3d>
           </p:spPr>
         </p:pic>
         <p:pic>
           <p:nvPicPr>
-            <p:cNvPr id="10" name="그림 9">
-              <a:extLst>
-                <a:ext uri="{FF2B5EF4-FFF2-40B4-BE49-F238E27FC236}">
-                  <a16:creationId xmlns:a16="http://schemas.microsoft.com/office/drawing/2014/main" id="{CD59CE69-4FD3-51FC-113F-86AD307D511D}"/>
-                </a:ext>
-              </a:extLst>
-            </p:cNvPr>
+            <p:cNvPr id="46" name="그림 45"/>
             <p:cNvPicPr>
               <a:picLocks noChangeAspect="1"/>
             </p:cNvPicPr>
             <p:nvPr/>
           </p:nvPicPr>
-          <p:blipFill>
-            <a:blip r:embed="rId6">
-              <a:extLst>
-                <a:ext uri="{28A0092B-C50C-407E-A947-70E740481C1C}">
-                  <a14:useLocalDpi xmlns:a14="http://schemas.microsoft.com/office/drawing/2010/main" val="0"/>
-                </a:ext>
-              </a:extLst>
-            </a:blip>
+          <p:blipFill rotWithShape="1">
+            <a:blip r:embed="rId14"/>
             <a:stretch>
               <a:fillRect/>
             </a:stretch>
           </p:blipFill>
           <p:spPr>
             <a:xfrm>
-              <a:off x="2121169" y="4560378"/>
-              <a:ext cx="672832" cy="686288"/>
+              <a:off x="7239000" y="4762500"/>
+              <a:ext cx="1512200" cy="1364456"/>
+            </a:xfrm>
+            <a:prstGeom prst="rect">
+              <a:avLst/>
+            </a:prstGeom>
+          </p:spPr>
+        </p:pic>
+      </p:grpSp>
+      <p:sp>
+        <p:nvSpPr>
+          <p:cNvPr id="49" name="직사각형 48"/>
+          <p:cNvSpPr/>
+          <p:nvPr/>
+        </p:nvSpPr>
+        <p:spPr>
+          <a:xfrm>
+            <a:off x="7239000" y="3765524"/>
+            <a:ext cx="1371600" cy="1066800"/>
+          </a:xfrm>
+          <a:prstGeom prst="rect">
+            <a:avLst/>
+          </a:prstGeom>
+          <a:solidFill>
+            <a:schemeClr val="lt1"/>
+          </a:solidFill>
+          <a:ln>
+            <a:solidFill>
+              <a:schemeClr val="lt1"/>
+            </a:solidFill>
+          </a:ln>
+        </p:spPr>
+        <p:style>
+          <a:lnRef idx="2">
+            <a:schemeClr val="accent1">
+              <a:shade val="20000"/>
+            </a:schemeClr>
+          </a:lnRef>
+          <a:fillRef idx="1">
+            <a:schemeClr val="accent1"/>
+          </a:fillRef>
+          <a:effectRef idx="0">
+            <a:schemeClr val="accent1"/>
+          </a:effectRef>
+          <a:fontRef idx="minor">
+            <a:schemeClr val="lt1"/>
+          </a:fontRef>
+        </p:style>
+        <p:txBody>
+          <a:bodyPr anchor="ctr"/>
+          <a:p>
+            <a:pPr lvl="0" algn="ctr">
+              <a:defRPr/>
+            </a:pPr>
+            <a:endParaRPr lang="ko-KR" altLang="en-US"/>
+          </a:p>
+        </p:txBody>
+      </p:sp>
+      <p:pic>
+        <p:nvPicPr>
+          <p:cNvPr id="48" name="Picture 36" descr="java에 대한 이미지 검색결과"/>
+          <p:cNvPicPr>
+            <a:picLocks noChangeAspect="1" noChangeArrowheads="1"/>
+          </p:cNvPicPr>
+          <p:nvPr/>
+        </p:nvPicPr>
+        <p:blipFill rotWithShape="1">
+          <a:blip r:embed="rId15"/>
+          <a:srcRect/>
+          <a:stretch>
+            <a:fillRect/>
+          </a:stretch>
+        </p:blipFill>
+        <p:spPr>
+          <a:xfrm>
+            <a:off x="7015871" y="3536924"/>
+            <a:ext cx="1747127" cy="1447800"/>
+          </a:xfrm>
+          <a:prstGeom prst="rect">
+            <a:avLst/>
+          </a:prstGeom>
+          <a:noFill/>
+        </p:spPr>
+      </p:pic>
+      <p:sp>
+        <p:nvSpPr>
+          <p:cNvPr id="55" name="직사각형 54"/>
+          <p:cNvSpPr/>
+          <p:nvPr/>
+        </p:nvSpPr>
+        <p:spPr>
+          <a:xfrm>
+            <a:off x="13030200" y="4070323"/>
+            <a:ext cx="1219200" cy="1066800"/>
+          </a:xfrm>
+          <a:prstGeom prst="rect">
+            <a:avLst/>
+          </a:prstGeom>
+          <a:solidFill>
+            <a:schemeClr val="lt1"/>
+          </a:solidFill>
+          <a:ln>
+            <a:solidFill>
+              <a:schemeClr val="lt1"/>
+            </a:solidFill>
+          </a:ln>
+        </p:spPr>
+        <p:style>
+          <a:lnRef idx="2">
+            <a:schemeClr val="accent1">
+              <a:shade val="20000"/>
+            </a:schemeClr>
+          </a:lnRef>
+          <a:fillRef idx="1">
+            <a:schemeClr val="accent1"/>
+          </a:fillRef>
+          <a:effectRef idx="0">
+            <a:schemeClr val="accent1"/>
+          </a:effectRef>
+          <a:fontRef idx="minor">
+            <a:schemeClr val="lt1"/>
+          </a:fontRef>
+        </p:style>
+        <p:txBody>
+          <a:bodyPr anchor="ctr"/>
+          <a:lstStyle/>
+          <a:p>
+            <a:pPr lvl="0" algn="ctr">
+              <a:defRPr/>
+            </a:pPr>
+            <a:endParaRPr lang="ko-KR" altLang="en-US"/>
+          </a:p>
+        </p:txBody>
+      </p:sp>
+      <p:sp>
+        <p:nvSpPr>
+          <p:cNvPr id="56" name="직사각형 55"/>
+          <p:cNvSpPr/>
+          <p:nvPr/>
+        </p:nvSpPr>
+        <p:spPr>
+          <a:xfrm>
+            <a:off x="12725400" y="3917924"/>
+            <a:ext cx="1219200" cy="1066800"/>
+          </a:xfrm>
+          <a:prstGeom prst="rect">
+            <a:avLst/>
+          </a:prstGeom>
+          <a:solidFill>
+            <a:schemeClr val="lt1"/>
+          </a:solidFill>
+          <a:ln>
+            <a:solidFill>
+              <a:schemeClr val="lt1"/>
+            </a:solidFill>
+          </a:ln>
+        </p:spPr>
+        <p:style>
+          <a:lnRef idx="2">
+            <a:schemeClr val="accent1">
+              <a:shade val="20000"/>
+            </a:schemeClr>
+          </a:lnRef>
+          <a:fillRef idx="1">
+            <a:schemeClr val="accent1"/>
+          </a:fillRef>
+          <a:effectRef idx="0">
+            <a:schemeClr val="accent1"/>
+          </a:effectRef>
+          <a:fontRef idx="minor">
+            <a:schemeClr val="lt1"/>
+          </a:fontRef>
+        </p:style>
+        <p:txBody>
+          <a:bodyPr anchor="ctr"/>
+          <a:lstStyle/>
+          <a:p>
+            <a:pPr lvl="0" algn="ctr">
+              <a:defRPr/>
+            </a:pPr>
+            <a:endParaRPr lang="ko-KR" altLang="en-US"/>
+          </a:p>
+        </p:txBody>
+      </p:sp>
+      <p:sp>
+        <p:nvSpPr>
+          <p:cNvPr id="57" name="직사각형 56"/>
+          <p:cNvSpPr/>
+          <p:nvPr/>
+        </p:nvSpPr>
+        <p:spPr>
+          <a:xfrm>
+            <a:off x="12877800" y="3994124"/>
+            <a:ext cx="1219200" cy="1066800"/>
+          </a:xfrm>
+          <a:prstGeom prst="rect">
+            <a:avLst/>
+          </a:prstGeom>
+          <a:solidFill>
+            <a:schemeClr val="lt1"/>
+          </a:solidFill>
+          <a:ln>
+            <a:solidFill>
+              <a:schemeClr val="lt1"/>
+            </a:solidFill>
+          </a:ln>
+        </p:spPr>
+        <p:style>
+          <a:lnRef idx="2">
+            <a:schemeClr val="accent1">
+              <a:shade val="20000"/>
+            </a:schemeClr>
+          </a:lnRef>
+          <a:fillRef idx="1">
+            <a:schemeClr val="accent1"/>
+          </a:fillRef>
+          <a:effectRef idx="0">
+            <a:schemeClr val="accent1"/>
+          </a:effectRef>
+          <a:fontRef idx="minor">
+            <a:schemeClr val="lt1"/>
+          </a:fontRef>
+        </p:style>
+        <p:txBody>
+          <a:bodyPr anchor="ctr"/>
+          <a:lstStyle/>
+          <a:p>
+            <a:pPr lvl="0" algn="ctr">
+              <a:defRPr/>
+            </a:pPr>
+            <a:endParaRPr lang="ko-KR" altLang="en-US"/>
+          </a:p>
+        </p:txBody>
+      </p:sp>
+      <p:grpSp>
+        <p:nvGrpSpPr>
+          <p:cNvPr id="64" name=""/>
+          <p:cNvGrpSpPr/>
+          <p:nvPr/>
+        </p:nvGrpSpPr>
+        <p:grpSpPr>
+          <a:xfrm rot="0">
+            <a:off x="12573000" y="3499938"/>
+            <a:ext cx="1811453" cy="1637186"/>
+            <a:chOff x="12573000" y="2744314"/>
+            <a:chExt cx="1811453" cy="1637186"/>
+          </a:xfrm>
+        </p:grpSpPr>
+        <p:grpSp>
+          <p:nvGrpSpPr>
+            <p:cNvPr id="61" name=""/>
+            <p:cNvGrpSpPr/>
+            <p:nvPr/>
+          </p:nvGrpSpPr>
+          <p:grpSpPr>
+            <a:xfrm rot="0">
+              <a:off x="12573000" y="2744314"/>
+              <a:ext cx="1811453" cy="1637186"/>
+              <a:chOff x="12573000" y="2744314"/>
+              <a:chExt cx="1811453" cy="1637186"/>
+            </a:xfrm>
+          </p:grpSpPr>
+          <p:grpSp>
+            <p:nvGrpSpPr>
+              <p:cNvPr id="59" name=""/>
+              <p:cNvGrpSpPr/>
+              <p:nvPr/>
+            </p:nvGrpSpPr>
+            <p:grpSpPr>
+              <a:xfrm rot="0">
+                <a:off x="12573000" y="2744314"/>
+                <a:ext cx="1811453" cy="1637186"/>
+                <a:chOff x="12573000" y="2744314"/>
+                <a:chExt cx="1811453" cy="1637186"/>
+              </a:xfrm>
+            </p:grpSpPr>
+            <p:pic>
+              <p:nvPicPr>
+                <p:cNvPr id="25" name="그림 24"/>
+                <p:cNvPicPr>
+                  <a:picLocks noChangeAspect="1"/>
+                </p:cNvPicPr>
+                <p:nvPr/>
+              </p:nvPicPr>
+              <p:blipFill rotWithShape="1">
+                <a:blip r:embed="rId16"/>
+                <a:stretch>
+                  <a:fillRect/>
+                </a:stretch>
+              </p:blipFill>
+              <p:spPr>
+                <a:xfrm>
+                  <a:off x="12573000" y="2744314"/>
+                  <a:ext cx="1811453" cy="1624831"/>
+                </a:xfrm>
+                <a:prstGeom prst="snip2DiagRect">
+                  <a:avLst>
+                    <a:gd name="adj1" fmla="val 0"/>
+                    <a:gd name="adj2" fmla="val 16667"/>
+                  </a:avLst>
+                </a:prstGeom>
+                <a:solidFill>
+                  <a:srgbClr val="ffffff">
+                    <a:shade val="85000"/>
+                  </a:srgbClr>
+                </a:solidFill>
+                <a:ln w="88900" cap="sq">
+                  <a:solidFill>
+                    <a:srgbClr val="ffffff"/>
+                  </a:solidFill>
+                  <a:miter/>
+                </a:ln>
+                <a:effectLst>
+                  <a:outerShdw blurRad="88900" algn="tl" rotWithShape="0">
+                    <a:srgbClr val="000000">
+                      <a:alpha val="45000"/>
+                    </a:srgbClr>
+                  </a:outerShdw>
+                </a:effectLst>
+                <a:scene3d>
+                  <a:camera prst="orthographicFront"/>
+                  <a:lightRig rig="twoPt" dir="t">
+                    <a:rot lat="0" lon="0" rev="7200000"/>
+                  </a:lightRig>
+                </a:scene3d>
+                <a:sp3d>
+                  <a:bevelT w="25400" h="19050"/>
+                  <a:contourClr>
+                    <a:srgbClr val="ffffff"/>
+                  </a:contourClr>
+                </a:sp3d>
+              </p:spPr>
+            </p:pic>
+            <p:sp>
+              <p:nvSpPr>
+                <p:cNvPr id="53" name="직사각형 52"/>
+                <p:cNvSpPr/>
+                <p:nvPr/>
+              </p:nvSpPr>
+              <p:spPr>
+                <a:xfrm>
+                  <a:off x="12801600" y="2781300"/>
+                  <a:ext cx="1219200" cy="1066800"/>
+                </a:xfrm>
+                <a:prstGeom prst="rect">
+                  <a:avLst/>
+                </a:prstGeom>
+                <a:solidFill>
+                  <a:schemeClr val="lt1"/>
+                </a:solidFill>
+                <a:ln>
+                  <a:solidFill>
+                    <a:schemeClr val="lt1"/>
+                  </a:solidFill>
+                </a:ln>
+              </p:spPr>
+              <p:style>
+                <a:lnRef idx="2">
+                  <a:schemeClr val="accent1">
+                    <a:shade val="20000"/>
+                  </a:schemeClr>
+                </a:lnRef>
+                <a:fillRef idx="1">
+                  <a:schemeClr val="accent1"/>
+                </a:fillRef>
+                <a:effectRef idx="0">
+                  <a:schemeClr val="accent1"/>
+                </a:effectRef>
+                <a:fontRef idx="minor">
+                  <a:schemeClr val="lt1"/>
+                </a:fontRef>
+              </p:style>
+              <p:txBody>
+                <a:bodyPr anchor="ctr"/>
+                <a:p>
+                  <a:pPr lvl="0" algn="ctr">
+                    <a:defRPr/>
+                  </a:pPr>
+                  <a:endParaRPr lang="ko-KR" altLang="en-US"/>
+                </a:p>
+              </p:txBody>
+            </p:sp>
+            <p:sp>
+              <p:nvSpPr>
+                <p:cNvPr id="54" name="직사각형 53"/>
+                <p:cNvSpPr/>
+                <p:nvPr/>
+              </p:nvSpPr>
+              <p:spPr>
+                <a:xfrm>
+                  <a:off x="13030200" y="2933700"/>
+                  <a:ext cx="1219200" cy="1066800"/>
+                </a:xfrm>
+                <a:prstGeom prst="rect">
+                  <a:avLst/>
+                </a:prstGeom>
+                <a:solidFill>
+                  <a:schemeClr val="lt1"/>
+                </a:solidFill>
+                <a:ln>
+                  <a:solidFill>
+                    <a:schemeClr val="lt1"/>
+                  </a:solidFill>
+                </a:ln>
+              </p:spPr>
+              <p:style>
+                <a:lnRef idx="2">
+                  <a:schemeClr val="accent1">
+                    <a:shade val="20000"/>
+                  </a:schemeClr>
+                </a:lnRef>
+                <a:fillRef idx="1">
+                  <a:schemeClr val="accent1"/>
+                </a:fillRef>
+                <a:effectRef idx="0">
+                  <a:schemeClr val="accent1"/>
+                </a:effectRef>
+                <a:fontRef idx="minor">
+                  <a:schemeClr val="lt1"/>
+                </a:fontRef>
+              </p:style>
+              <p:txBody>
+                <a:bodyPr anchor="ctr"/>
+                <a:lstStyle/>
+                <a:p>
+                  <a:pPr lvl="0" algn="ctr">
+                    <a:defRPr/>
+                  </a:pPr>
+                  <a:endParaRPr lang="ko-KR" altLang="en-US"/>
+                </a:p>
+              </p:txBody>
+            </p:sp>
+            <p:sp>
+              <p:nvSpPr>
+                <p:cNvPr id="58" name="직사각형 57"/>
+                <p:cNvSpPr/>
+                <p:nvPr/>
+              </p:nvSpPr>
+              <p:spPr>
+                <a:xfrm>
+                  <a:off x="12877800" y="3314700"/>
+                  <a:ext cx="1219200" cy="1066800"/>
+                </a:xfrm>
+                <a:prstGeom prst="rect">
+                  <a:avLst/>
+                </a:prstGeom>
+                <a:solidFill>
+                  <a:schemeClr val="lt1"/>
+                </a:solidFill>
+                <a:ln>
+                  <a:solidFill>
+                    <a:schemeClr val="lt1"/>
+                  </a:solidFill>
+                </a:ln>
+              </p:spPr>
+              <p:style>
+                <a:lnRef idx="2">
+                  <a:schemeClr val="accent1">
+                    <a:shade val="20000"/>
+                  </a:schemeClr>
+                </a:lnRef>
+                <a:fillRef idx="1">
+                  <a:schemeClr val="accent1"/>
+                </a:fillRef>
+                <a:effectRef idx="0">
+                  <a:schemeClr val="accent1"/>
+                </a:effectRef>
+                <a:fontRef idx="minor">
+                  <a:schemeClr val="lt1"/>
+                </a:fontRef>
+              </p:style>
+              <p:txBody>
+                <a:bodyPr anchor="ctr"/>
+                <a:lstStyle/>
+                <a:p>
+                  <a:pPr lvl="0" algn="ctr">
+                    <a:defRPr/>
+                  </a:pPr>
+                  <a:endParaRPr lang="ko-KR" altLang="en-US"/>
+                </a:p>
+              </p:txBody>
+            </p:sp>
+          </p:grpSp>
+          <p:sp>
+            <p:nvSpPr>
+              <p:cNvPr id="60" name="직사각형 59"/>
+              <p:cNvSpPr/>
+              <p:nvPr/>
+            </p:nvSpPr>
+            <p:spPr>
+              <a:xfrm>
+                <a:off x="13106400" y="3238500"/>
+                <a:ext cx="1219200" cy="1066800"/>
+              </a:xfrm>
+              <a:prstGeom prst="rect">
+                <a:avLst/>
+              </a:prstGeom>
+              <a:solidFill>
+                <a:schemeClr val="lt1"/>
+              </a:solidFill>
+              <a:ln>
+                <a:solidFill>
+                  <a:schemeClr val="lt1"/>
+                </a:solidFill>
+              </a:ln>
+            </p:spPr>
+            <p:style>
+              <a:lnRef idx="2">
+                <a:schemeClr val="accent1">
+                  <a:shade val="20000"/>
+                </a:schemeClr>
+              </a:lnRef>
+              <a:fillRef idx="1">
+                <a:schemeClr val="accent1"/>
+              </a:fillRef>
+              <a:effectRef idx="0">
+                <a:schemeClr val="accent1"/>
+              </a:effectRef>
+              <a:fontRef idx="minor">
+                <a:schemeClr val="lt1"/>
+              </a:fontRef>
+            </p:style>
+            <p:txBody>
+              <a:bodyPr anchor="ctr"/>
+              <a:lstStyle/>
+              <a:p>
+                <a:pPr lvl="0" algn="ctr">
+                  <a:defRPr/>
+                </a:pPr>
+                <a:endParaRPr lang="ko-KR" altLang="en-US"/>
+              </a:p>
+            </p:txBody>
+          </p:sp>
+        </p:grpSp>
+        <p:pic>
+          <p:nvPicPr>
+            <p:cNvPr id="62" name="그림 61"/>
+            <p:cNvPicPr>
+              <a:picLocks noChangeAspect="1"/>
+            </p:cNvPicPr>
+            <p:nvPr/>
+          </p:nvPicPr>
+          <p:blipFill rotWithShape="1">
+            <a:blip r:embed="rId17"/>
+            <a:stretch>
+              <a:fillRect/>
+            </a:stretch>
+          </p:blipFill>
+          <p:spPr>
+            <a:xfrm>
+              <a:off x="12874359" y="2945027"/>
+              <a:ext cx="1298841" cy="1360273"/>
+            </a:xfrm>
+            <a:prstGeom prst="rect">
+              <a:avLst/>
+            </a:prstGeom>
+          </p:spPr>
+        </p:pic>
+      </p:grpSp>
+      <p:pic>
+        <p:nvPicPr>
+          <p:cNvPr id="65" name="그림 64"/>
+          <p:cNvPicPr>
+            <a:picLocks noChangeAspect="1"/>
+          </p:cNvPicPr>
+          <p:nvPr/>
+        </p:nvPicPr>
+        <p:blipFill rotWithShape="1">
+          <a:blip r:embed="rId18"/>
+          <a:stretch>
+            <a:fillRect/>
+          </a:stretch>
+        </p:blipFill>
+        <p:spPr>
+          <a:xfrm>
+            <a:off x="12877800" y="5642231"/>
+            <a:ext cx="1296628" cy="1171293"/>
+          </a:xfrm>
+          <a:prstGeom prst="rect">
+            <a:avLst/>
+          </a:prstGeom>
+        </p:spPr>
+      </p:pic>
+      <p:sp>
+        <p:nvSpPr>
+          <p:cNvPr id="67" name="직사각형 66"/>
+          <p:cNvSpPr/>
+          <p:nvPr/>
+        </p:nvSpPr>
+        <p:spPr>
+          <a:xfrm>
+            <a:off x="15316200" y="5899124"/>
+            <a:ext cx="1447800" cy="914400"/>
+          </a:xfrm>
+          <a:prstGeom prst="rect">
+            <a:avLst/>
+          </a:prstGeom>
+          <a:solidFill>
+            <a:schemeClr val="lt1"/>
+          </a:solidFill>
+          <a:ln>
+            <a:solidFill>
+              <a:schemeClr val="lt1"/>
+            </a:solidFill>
+          </a:ln>
+        </p:spPr>
+        <p:style>
+          <a:lnRef idx="2">
+            <a:schemeClr val="accent1">
+              <a:shade val="20000"/>
+            </a:schemeClr>
+          </a:lnRef>
+          <a:fillRef idx="1">
+            <a:schemeClr val="accent1"/>
+          </a:fillRef>
+          <a:effectRef idx="0">
+            <a:schemeClr val="accent1"/>
+          </a:effectRef>
+          <a:fontRef idx="minor">
+            <a:schemeClr val="lt1"/>
+          </a:fontRef>
+        </p:style>
+        <p:txBody>
+          <a:bodyPr anchor="ctr"/>
+          <a:p>
+            <a:pPr lvl="0" algn="ctr">
+              <a:defRPr/>
+            </a:pPr>
+            <a:endParaRPr lang="ko-KR" altLang="en-US"/>
+          </a:p>
+        </p:txBody>
+      </p:sp>
+      <p:pic>
+        <p:nvPicPr>
+          <p:cNvPr id="69" name="그림 68"/>
+          <p:cNvPicPr>
+            <a:picLocks noChangeAspect="1"/>
+          </p:cNvPicPr>
+          <p:nvPr/>
+        </p:nvPicPr>
+        <p:blipFill rotWithShape="1">
+          <a:blip r:embed="rId19"/>
+          <a:stretch>
+            <a:fillRect/>
+          </a:stretch>
+        </p:blipFill>
+        <p:spPr>
+          <a:xfrm>
+            <a:off x="15387630" y="5665754"/>
+            <a:ext cx="1223970" cy="1223970"/>
+          </a:xfrm>
+          <a:prstGeom prst="rect">
+            <a:avLst/>
+          </a:prstGeom>
+        </p:spPr>
+      </p:pic>
+      <p:sp>
+        <p:nvSpPr>
+          <p:cNvPr id="72" name="직사각형 71"/>
+          <p:cNvSpPr/>
+          <p:nvPr/>
+        </p:nvSpPr>
+        <p:spPr>
+          <a:xfrm>
+            <a:off x="9525000" y="5524500"/>
+            <a:ext cx="914400" cy="1219200"/>
+          </a:xfrm>
+          <a:prstGeom prst="rect">
+            <a:avLst/>
+          </a:prstGeom>
+          <a:solidFill>
+            <a:schemeClr val="lt1"/>
+          </a:solidFill>
+          <a:ln>
+            <a:solidFill>
+              <a:schemeClr val="lt1"/>
+            </a:solidFill>
+          </a:ln>
+        </p:spPr>
+        <p:style>
+          <a:lnRef idx="2">
+            <a:schemeClr val="accent1">
+              <a:shade val="20000"/>
+            </a:schemeClr>
+          </a:lnRef>
+          <a:fillRef idx="1">
+            <a:schemeClr val="accent1"/>
+          </a:fillRef>
+          <a:effectRef idx="0">
+            <a:schemeClr val="accent1"/>
+          </a:effectRef>
+          <a:fontRef idx="minor">
+            <a:schemeClr val="lt1"/>
+          </a:fontRef>
+        </p:style>
+        <p:txBody>
+          <a:bodyPr anchor="ctr"/>
+          <a:p>
+            <a:pPr lvl="0" algn="ctr">
+              <a:defRPr/>
+            </a:pPr>
+            <a:endParaRPr lang="ko-KR" altLang="en-US"/>
+          </a:p>
+        </p:txBody>
+      </p:sp>
+      <p:grpSp>
+        <p:nvGrpSpPr>
+          <p:cNvPr id="74" name=""/>
+          <p:cNvGrpSpPr/>
+          <p:nvPr/>
+        </p:nvGrpSpPr>
+        <p:grpSpPr>
+          <a:xfrm rot="0">
+            <a:off x="9361234" y="5414891"/>
+            <a:ext cx="1916366" cy="1593678"/>
+            <a:chOff x="9361234" y="5414891"/>
+            <a:chExt cx="1916366" cy="1593678"/>
+          </a:xfrm>
+        </p:grpSpPr>
+        <p:pic>
+          <p:nvPicPr>
+            <p:cNvPr id="21" name="그림 20"/>
+            <p:cNvPicPr>
+              <a:picLocks noChangeAspect="1"/>
+            </p:cNvPicPr>
+            <p:nvPr/>
+          </p:nvPicPr>
+          <p:blipFill rotWithShape="1">
+            <a:blip r:embed="rId20"/>
+            <a:stretch>
+              <a:fillRect/>
+            </a:stretch>
+          </p:blipFill>
+          <p:spPr>
+            <a:xfrm>
+              <a:off x="9361234" y="5414891"/>
+              <a:ext cx="1916366" cy="1593678"/>
             </a:xfrm>
             <a:prstGeom prst="snip2DiagRect">
-              <a:avLst/>
+              <a:avLst>
+                <a:gd name="adj1" fmla="val 0"/>
+                <a:gd name="adj2" fmla="val 16667"/>
+              </a:avLst>
             </a:prstGeom>
             <a:solidFill>
-              <a:srgbClr val="FFFFFF">
+              <a:srgbClr val="ffffff">
                 <a:shade val="85000"/>
               </a:srgbClr>
             </a:solidFill>
             <a:ln w="88900" cap="sq">
               <a:solidFill>
-                <a:srgbClr val="FFFFFF"/>
+                <a:srgbClr val="ffffff"/>
               </a:solidFill>
-              <a:miter lim="800000"/>
+              <a:miter/>
             </a:ln>
             <a:effectLst>
               <a:outerShdw blurRad="88900" algn="tl" rotWithShape="0">
@@ -9617,490 +15793,84 @@
             <a:sp3d>
               <a:bevelT w="25400" h="19050"/>
               <a:contourClr>
-                <a:srgbClr val="FFFFFF"/>
+                <a:srgbClr val="ffffff"/>
               </a:contourClr>
             </a:sp3d>
           </p:spPr>
         </p:pic>
+        <p:sp>
+          <p:nvSpPr>
+            <p:cNvPr id="73" name="직사각형 72"/>
+            <p:cNvSpPr/>
+            <p:nvPr/>
+          </p:nvSpPr>
+          <p:spPr>
+            <a:xfrm>
+              <a:off x="10210800" y="5676900"/>
+              <a:ext cx="914400" cy="1219200"/>
+            </a:xfrm>
+            <a:prstGeom prst="rect">
+              <a:avLst/>
+            </a:prstGeom>
+            <a:solidFill>
+              <a:schemeClr val="lt1"/>
+            </a:solidFill>
+            <a:ln>
+              <a:solidFill>
+                <a:schemeClr val="lt1"/>
+              </a:solidFill>
+            </a:ln>
+          </p:spPr>
+          <p:style>
+            <a:lnRef idx="2">
+              <a:schemeClr val="accent1">
+                <a:shade val="20000"/>
+              </a:schemeClr>
+            </a:lnRef>
+            <a:fillRef idx="1">
+              <a:schemeClr val="accent1"/>
+            </a:fillRef>
+            <a:effectRef idx="0">
+              <a:schemeClr val="accent1"/>
+            </a:effectRef>
+            <a:fontRef idx="minor">
+              <a:schemeClr val="lt1"/>
+            </a:fontRef>
+          </p:style>
+          <p:txBody>
+            <a:bodyPr anchor="ctr"/>
+            <a:lstStyle/>
+            <a:p>
+              <a:pPr lvl="0" algn="ctr">
+                <a:defRPr/>
+              </a:pPr>
+              <a:endParaRPr lang="ko-KR" altLang="en-US"/>
+            </a:p>
+          </p:txBody>
+        </p:sp>
       </p:grpSp>
       <p:pic>
         <p:nvPicPr>
-          <p:cNvPr id="4" name="그림 3">
-            <a:extLst>
-              <a:ext uri="{FF2B5EF4-FFF2-40B4-BE49-F238E27FC236}">
-                <a16:creationId xmlns:a16="http://schemas.microsoft.com/office/drawing/2014/main" id="{88C95E2D-ADA0-36F9-0CFB-2C3B530C669D}"/>
-              </a:ext>
-            </a:extLst>
-          </p:cNvPr>
+          <p:cNvPr id="71" name="그림 70"/>
           <p:cNvPicPr>
             <a:picLocks noChangeAspect="1"/>
           </p:cNvPicPr>
           <p:nvPr/>
         </p:nvPicPr>
-        <p:blipFill>
-          <a:blip r:embed="rId5"/>
+        <p:blipFill rotWithShape="1">
+          <a:blip r:embed="rId21"/>
           <a:stretch>
             <a:fillRect/>
           </a:stretch>
         </p:blipFill>
         <p:spPr>
           <a:xfrm>
-            <a:off x="3799510" y="4631294"/>
-            <a:ext cx="1766614" cy="1610120"/>
-          </a:xfrm>
-          <a:prstGeom prst="snip2DiagRect">
+            <a:off x="9677400" y="5600700"/>
+            <a:ext cx="1219200" cy="1219200"/>
+          </a:xfrm>
+          <a:prstGeom prst="rect">
             <a:avLst/>
           </a:prstGeom>
-          <a:solidFill>
-            <a:srgbClr val="FFFFFF">
-              <a:shade val="85000"/>
-            </a:srgbClr>
-          </a:solidFill>
-          <a:ln w="88900" cap="sq">
-            <a:solidFill>
-              <a:srgbClr val="FFFFFF"/>
-            </a:solidFill>
-            <a:miter lim="800000"/>
-          </a:ln>
-          <a:effectLst>
-            <a:outerShdw blurRad="88900" algn="tl" rotWithShape="0">
-              <a:srgbClr val="000000">
-                <a:alpha val="45000"/>
-              </a:srgbClr>
-            </a:outerShdw>
-          </a:effectLst>
-          <a:scene3d>
-            <a:camera prst="orthographicFront"/>
-            <a:lightRig rig="twoPt" dir="t">
-              <a:rot lat="0" lon="0" rev="7200000"/>
-            </a:lightRig>
-          </a:scene3d>
-          <a:sp3d>
-            <a:bevelT w="25400" h="19050"/>
-            <a:contourClr>
-              <a:srgbClr val="FFFFFF"/>
-            </a:contourClr>
-          </a:sp3d>
-        </p:spPr>
-      </p:pic>
-      <p:pic>
-        <p:nvPicPr>
-          <p:cNvPr id="19" name="그림 18">
-            <a:extLst>
-              <a:ext uri="{FF2B5EF4-FFF2-40B4-BE49-F238E27FC236}">
-                <a16:creationId xmlns:a16="http://schemas.microsoft.com/office/drawing/2014/main" id="{9F8F912B-F34B-731E-4CF4-E466D9D6B110}"/>
-              </a:ext>
-            </a:extLst>
-          </p:cNvPr>
-          <p:cNvPicPr>
-            <a:picLocks noChangeAspect="1"/>
-          </p:cNvPicPr>
-          <p:nvPr/>
-        </p:nvPicPr>
-        <p:blipFill>
-          <a:blip r:embed="rId3"/>
-          <a:stretch>
-            <a:fillRect/>
-          </a:stretch>
-        </p:blipFill>
-        <p:spPr>
-          <a:xfrm>
-            <a:off x="6979482" y="2722746"/>
-            <a:ext cx="1811453" cy="1624831"/>
-          </a:xfrm>
-          <a:prstGeom prst="snip2DiagRect">
-            <a:avLst/>
-          </a:prstGeom>
-          <a:solidFill>
-            <a:srgbClr val="FFFFFF">
-              <a:shade val="85000"/>
-            </a:srgbClr>
-          </a:solidFill>
-          <a:ln w="88900" cap="sq">
-            <a:solidFill>
-              <a:srgbClr val="FFFFFF"/>
-            </a:solidFill>
-            <a:miter lim="800000"/>
-          </a:ln>
-          <a:effectLst>
-            <a:outerShdw blurRad="88900" algn="tl" rotWithShape="0">
-              <a:srgbClr val="000000">
-                <a:alpha val="45000"/>
-              </a:srgbClr>
-            </a:outerShdw>
-          </a:effectLst>
-          <a:scene3d>
-            <a:camera prst="orthographicFront"/>
-            <a:lightRig rig="twoPt" dir="t">
-              <a:rot lat="0" lon="0" rev="7200000"/>
-            </a:lightRig>
-          </a:scene3d>
-          <a:sp3d>
-            <a:bevelT w="25400" h="19050"/>
-            <a:contourClr>
-              <a:srgbClr val="FFFFFF"/>
-            </a:contourClr>
-          </a:sp3d>
-        </p:spPr>
-      </p:pic>
-      <p:pic>
-        <p:nvPicPr>
-          <p:cNvPr id="20" name="그림 19">
-            <a:extLst>
-              <a:ext uri="{FF2B5EF4-FFF2-40B4-BE49-F238E27FC236}">
-                <a16:creationId xmlns:a16="http://schemas.microsoft.com/office/drawing/2014/main" id="{B6CF1851-FA11-CCD1-C40B-8A175A4DDFBD}"/>
-              </a:ext>
-            </a:extLst>
-          </p:cNvPr>
-          <p:cNvPicPr>
-            <a:picLocks noChangeAspect="1"/>
-          </p:cNvPicPr>
-          <p:nvPr/>
-        </p:nvPicPr>
-        <p:blipFill>
-          <a:blip r:embed="rId7"/>
-          <a:stretch>
-            <a:fillRect/>
-          </a:stretch>
-        </p:blipFill>
-        <p:spPr>
-          <a:xfrm>
-            <a:off x="9383692" y="2730366"/>
-            <a:ext cx="1787519" cy="1610121"/>
-          </a:xfrm>
-          <a:prstGeom prst="snip2DiagRect">
-            <a:avLst/>
-          </a:prstGeom>
-          <a:solidFill>
-            <a:srgbClr val="FFFFFF">
-              <a:shade val="85000"/>
-            </a:srgbClr>
-          </a:solidFill>
-          <a:ln w="88900" cap="sq">
-            <a:solidFill>
-              <a:srgbClr val="FFFFFF"/>
-            </a:solidFill>
-            <a:miter lim="800000"/>
-          </a:ln>
-          <a:effectLst>
-            <a:outerShdw blurRad="88900" algn="tl" rotWithShape="0">
-              <a:srgbClr val="000000">
-                <a:alpha val="45000"/>
-              </a:srgbClr>
-            </a:outerShdw>
-          </a:effectLst>
-          <a:scene3d>
-            <a:camera prst="orthographicFront"/>
-            <a:lightRig rig="twoPt" dir="t">
-              <a:rot lat="0" lon="0" rev="7200000"/>
-            </a:lightRig>
-          </a:scene3d>
-          <a:sp3d>
-            <a:bevelT w="25400" h="19050"/>
-            <a:contourClr>
-              <a:srgbClr val="FFFFFF"/>
-            </a:contourClr>
-          </a:sp3d>
-        </p:spPr>
-      </p:pic>
-      <p:pic>
-        <p:nvPicPr>
-          <p:cNvPr id="21" name="그림 20">
-            <a:extLst>
-              <a:ext uri="{FF2B5EF4-FFF2-40B4-BE49-F238E27FC236}">
-                <a16:creationId xmlns:a16="http://schemas.microsoft.com/office/drawing/2014/main" id="{D737B45D-F096-4B6D-4BB1-8106BE60C177}"/>
-              </a:ext>
-            </a:extLst>
-          </p:cNvPr>
-          <p:cNvPicPr>
-            <a:picLocks noChangeAspect="1"/>
-          </p:cNvPicPr>
-          <p:nvPr/>
-        </p:nvPicPr>
-        <p:blipFill>
-          <a:blip r:embed="rId8"/>
-          <a:stretch>
-            <a:fillRect/>
-          </a:stretch>
-        </p:blipFill>
-        <p:spPr>
-          <a:xfrm>
-            <a:off x="8294434" y="4659267"/>
-            <a:ext cx="1916366" cy="1593678"/>
-          </a:xfrm>
-          <a:prstGeom prst="snip2DiagRect">
-            <a:avLst/>
-          </a:prstGeom>
-          <a:solidFill>
-            <a:srgbClr val="FFFFFF">
-              <a:shade val="85000"/>
-            </a:srgbClr>
-          </a:solidFill>
-          <a:ln w="88900" cap="sq">
-            <a:solidFill>
-              <a:srgbClr val="FFFFFF"/>
-            </a:solidFill>
-            <a:miter lim="800000"/>
-          </a:ln>
-          <a:effectLst>
-            <a:outerShdw blurRad="88900" algn="tl" rotWithShape="0">
-              <a:srgbClr val="000000">
-                <a:alpha val="45000"/>
-              </a:srgbClr>
-            </a:outerShdw>
-          </a:effectLst>
-          <a:scene3d>
-            <a:camera prst="orthographicFront"/>
-            <a:lightRig rig="twoPt" dir="t">
-              <a:rot lat="0" lon="0" rev="7200000"/>
-            </a:lightRig>
-          </a:scene3d>
-          <a:sp3d>
-            <a:bevelT w="25400" h="19050"/>
-            <a:contourClr>
-              <a:srgbClr val="FFFFFF"/>
-            </a:contourClr>
-          </a:sp3d>
-        </p:spPr>
-      </p:pic>
-      <p:pic>
-        <p:nvPicPr>
-          <p:cNvPr id="22" name="그림 21">
-            <a:extLst>
-              <a:ext uri="{FF2B5EF4-FFF2-40B4-BE49-F238E27FC236}">
-                <a16:creationId xmlns:a16="http://schemas.microsoft.com/office/drawing/2014/main" id="{83B52E9D-DBA8-0ED7-AD90-B81BF9D7FFD9}"/>
-              </a:ext>
-            </a:extLst>
-          </p:cNvPr>
-          <p:cNvPicPr>
-            <a:picLocks noChangeAspect="1"/>
-          </p:cNvPicPr>
-          <p:nvPr/>
-        </p:nvPicPr>
-        <p:blipFill>
-          <a:blip r:embed="rId9"/>
-          <a:stretch>
-            <a:fillRect/>
-          </a:stretch>
-        </p:blipFill>
-        <p:spPr>
-          <a:xfrm>
-            <a:off x="15087599" y="4715839"/>
-            <a:ext cx="1811454" cy="1575206"/>
-          </a:xfrm>
-          <a:prstGeom prst="snip2DiagRect">
-            <a:avLst/>
-          </a:prstGeom>
-          <a:solidFill>
-            <a:srgbClr val="FFFFFF">
-              <a:shade val="85000"/>
-            </a:srgbClr>
-          </a:solidFill>
-          <a:ln w="88900" cap="sq">
-            <a:solidFill>
-              <a:srgbClr val="FFFFFF"/>
-            </a:solidFill>
-            <a:miter lim="800000"/>
-          </a:ln>
-          <a:effectLst>
-            <a:outerShdw blurRad="88900" algn="tl" rotWithShape="0">
-              <a:srgbClr val="000000">
-                <a:alpha val="45000"/>
-              </a:srgbClr>
-            </a:outerShdw>
-          </a:effectLst>
-          <a:scene3d>
-            <a:camera prst="orthographicFront"/>
-            <a:lightRig rig="twoPt" dir="t">
-              <a:rot lat="0" lon="0" rev="7200000"/>
-            </a:lightRig>
-          </a:scene3d>
-          <a:sp3d>
-            <a:bevelT w="25400" h="19050"/>
-            <a:contourClr>
-              <a:srgbClr val="FFFFFF"/>
-            </a:contourClr>
-          </a:sp3d>
-        </p:spPr>
-      </p:pic>
-      <p:pic>
-        <p:nvPicPr>
-          <p:cNvPr id="23" name="그림 22">
-            <a:extLst>
-              <a:ext uri="{FF2B5EF4-FFF2-40B4-BE49-F238E27FC236}">
-                <a16:creationId xmlns:a16="http://schemas.microsoft.com/office/drawing/2014/main" id="{A8879D48-D932-77F5-BA6B-45A57687EBAD}"/>
-              </a:ext>
-            </a:extLst>
-          </p:cNvPr>
-          <p:cNvPicPr>
-            <a:picLocks noChangeAspect="1"/>
-          </p:cNvPicPr>
-          <p:nvPr/>
-        </p:nvPicPr>
-        <p:blipFill>
-          <a:blip r:embed="rId10"/>
-          <a:stretch>
-            <a:fillRect/>
-          </a:stretch>
-        </p:blipFill>
-        <p:spPr>
-          <a:xfrm>
-            <a:off x="12606824" y="4644645"/>
-            <a:ext cx="1823212" cy="1646400"/>
-          </a:xfrm>
-          <a:prstGeom prst="snip2DiagRect">
-            <a:avLst/>
-          </a:prstGeom>
-          <a:solidFill>
-            <a:srgbClr val="FFFFFF">
-              <a:shade val="85000"/>
-            </a:srgbClr>
-          </a:solidFill>
-          <a:ln w="88900" cap="sq">
-            <a:solidFill>
-              <a:srgbClr val="FFFFFF"/>
-            </a:solidFill>
-            <a:miter lim="800000"/>
-          </a:ln>
-          <a:effectLst>
-            <a:outerShdw blurRad="88900" algn="tl" rotWithShape="0">
-              <a:srgbClr val="000000">
-                <a:alpha val="45000"/>
-              </a:srgbClr>
-            </a:outerShdw>
-          </a:effectLst>
-          <a:scene3d>
-            <a:camera prst="orthographicFront"/>
-            <a:lightRig rig="twoPt" dir="t">
-              <a:rot lat="0" lon="0" rev="7200000"/>
-            </a:lightRig>
-          </a:scene3d>
-          <a:sp3d>
-            <a:bevelT w="25400" h="19050"/>
-            <a:contourClr>
-              <a:srgbClr val="FFFFFF"/>
-            </a:contourClr>
-          </a:sp3d>
-        </p:spPr>
-      </p:pic>
-      <p:pic>
-        <p:nvPicPr>
-          <p:cNvPr id="24" name="그림 23">
-            <a:extLst>
-              <a:ext uri="{FF2B5EF4-FFF2-40B4-BE49-F238E27FC236}">
-                <a16:creationId xmlns:a16="http://schemas.microsoft.com/office/drawing/2014/main" id="{F806D8B6-1486-07B9-4E67-CA78A1C8E6DA}"/>
-              </a:ext>
-            </a:extLst>
-          </p:cNvPr>
-          <p:cNvPicPr>
-            <a:picLocks noChangeAspect="1"/>
-          </p:cNvPicPr>
-          <p:nvPr/>
-        </p:nvPicPr>
-        <p:blipFill>
-          <a:blip r:embed="rId11"/>
-          <a:stretch>
-            <a:fillRect/>
-          </a:stretch>
-        </p:blipFill>
-        <p:spPr>
-          <a:xfrm>
-            <a:off x="14982544" y="2781300"/>
-            <a:ext cx="1811453" cy="1638779"/>
-          </a:xfrm>
-          <a:prstGeom prst="snip2DiagRect">
-            <a:avLst/>
-          </a:prstGeom>
-          <a:solidFill>
-            <a:srgbClr val="FFFFFF">
-              <a:shade val="85000"/>
-            </a:srgbClr>
-          </a:solidFill>
-          <a:ln w="88900" cap="sq">
-            <a:solidFill>
-              <a:srgbClr val="FFFFFF"/>
-            </a:solidFill>
-            <a:miter lim="800000"/>
-          </a:ln>
-          <a:effectLst>
-            <a:outerShdw blurRad="88900" algn="tl" rotWithShape="0">
-              <a:srgbClr val="000000">
-                <a:alpha val="45000"/>
-              </a:srgbClr>
-            </a:outerShdw>
-          </a:effectLst>
-          <a:scene3d>
-            <a:camera prst="orthographicFront"/>
-            <a:lightRig rig="twoPt" dir="t">
-              <a:rot lat="0" lon="0" rev="7200000"/>
-            </a:lightRig>
-          </a:scene3d>
-          <a:sp3d>
-            <a:bevelT w="25400" h="19050"/>
-            <a:contourClr>
-              <a:srgbClr val="FFFFFF"/>
-            </a:contourClr>
-          </a:sp3d>
-        </p:spPr>
-      </p:pic>
-      <p:pic>
-        <p:nvPicPr>
-          <p:cNvPr id="25" name="그림 24">
-            <a:extLst>
-              <a:ext uri="{FF2B5EF4-FFF2-40B4-BE49-F238E27FC236}">
-                <a16:creationId xmlns:a16="http://schemas.microsoft.com/office/drawing/2014/main" id="{90261E61-8B37-032A-0AC6-3903448BACCD}"/>
-              </a:ext>
-            </a:extLst>
-          </p:cNvPr>
-          <p:cNvPicPr>
-            <a:picLocks noChangeAspect="1"/>
-          </p:cNvPicPr>
-          <p:nvPr/>
-        </p:nvPicPr>
-        <p:blipFill>
-          <a:blip r:embed="rId12"/>
-          <a:stretch>
-            <a:fillRect/>
-          </a:stretch>
-        </p:blipFill>
-        <p:spPr>
-          <a:xfrm>
-            <a:off x="12573000" y="2744314"/>
-            <a:ext cx="1811453" cy="1624831"/>
-          </a:xfrm>
-          <a:prstGeom prst="snip2DiagRect">
-            <a:avLst/>
-          </a:prstGeom>
-          <a:solidFill>
-            <a:srgbClr val="FFFFFF">
-              <a:shade val="85000"/>
-            </a:srgbClr>
-          </a:solidFill>
-          <a:ln w="88900" cap="sq">
-            <a:solidFill>
-              <a:srgbClr val="FFFFFF"/>
-            </a:solidFill>
-            <a:miter lim="800000"/>
-          </a:ln>
-          <a:effectLst>
-            <a:outerShdw blurRad="88900" algn="tl" rotWithShape="0">
-              <a:srgbClr val="000000">
-                <a:alpha val="45000"/>
-              </a:srgbClr>
-            </a:outerShdw>
-          </a:effectLst>
-          <a:scene3d>
-            <a:camera prst="orthographicFront"/>
-            <a:lightRig rig="twoPt" dir="t">
-              <a:rot lat="0" lon="0" rev="7200000"/>
-            </a:lightRig>
-          </a:scene3d>
-          <a:sp3d>
-            <a:bevelT w="25400" h="19050"/>
-            <a:contourClr>
-              <a:srgbClr val="FFFFFF"/>
-            </a:contourClr>
-          </a:sp3d>
         </p:spPr>
       </p:pic>
     </p:spTree>
@@ -10113,25 +15883,17 @@
   <p:clrMapOvr>
     <a:masterClrMapping/>
   </p:clrMapOvr>
-  <p:timing>
-    <p:tnLst>
-      <p:par>
-        <p:cTn id="1" dur="indefinite" restart="never" nodeType="tmRoot"/>
-      </p:par>
-    </p:tnLst>
-  </p:timing>
 </p:sld>
 </file>
 
-<file path=ppt/slides/slide6.xml><?xml version="1.0" encoding="utf-8"?>
-<p:sld xmlns:a="http://schemas.openxmlformats.org/drawingml/2006/main" xmlns:r="http://schemas.openxmlformats.org/officeDocument/2006/relationships" xmlns:p="http://schemas.openxmlformats.org/presentationml/2006/main">
+<file path=ppt/slides/slide8.xml><?xml version="1.0" encoding="utf-8"?>
+<p:sld xmlns:r="http://schemas.openxmlformats.org/officeDocument/2006/relationships" xmlns:c="http://schemas.openxmlformats.org/drawingml/2006/chart" xmlns:a="http://schemas.openxmlformats.org/drawingml/2006/main" xmlns:dgm="http://schemas.openxmlformats.org/drawingml/2006/diagram" xmlns:dsp="http://schemas.microsoft.com/office/drawing/2008/diagram" xmlns:p="http://schemas.openxmlformats.org/presentationml/2006/main">
   <p:cSld>
     <p:bg>
-      <p:bgPr>
+      <p:bgPr shadeToTitle="0">
         <a:solidFill>
-          <a:srgbClr val="FFFFFF"/>
+          <a:srgbClr val="ffffff"/>
         </a:solidFill>
-        <a:effectLst/>
       </p:bgPr>
     </p:bg>
     <p:spTree>
@@ -10294,20 +16056,14 @@
       </p:sp>
       <p:sp>
         <p:nvSpPr>
-          <p:cNvPr id="41" name="TextBox 40">
-            <a:extLst>
-              <a:ext uri="{FF2B5EF4-FFF2-40B4-BE49-F238E27FC236}">
-                <a16:creationId xmlns:a16="http://schemas.microsoft.com/office/drawing/2014/main" id="{B1597C43-05DC-F61A-33A0-883C35C8AD60}"/>
-              </a:ext>
-            </a:extLst>
-          </p:cNvPr>
+          <p:cNvPr id="41" name="TextBox 40"/>
           <p:cNvSpPr txBox="1"/>
           <p:nvPr/>
         </p:nvSpPr>
         <p:spPr>
           <a:xfrm>
-            <a:off x="838200" y="169965"/>
-            <a:ext cx="2525050" cy="584775"/>
+            <a:off x="736310" y="229020"/>
+            <a:ext cx="2768890" cy="571080"/>
           </a:xfrm>
           <a:prstGeom prst="rect">
             <a:avLst/>
@@ -10315,40 +16071,44 @@
           <a:noFill/>
         </p:spPr>
         <p:txBody>
-          <a:bodyPr wrap="none" rtlCol="0">
+          <a:bodyPr wrap="none">
             <a:spAutoFit/>
           </a:bodyPr>
           <a:lstStyle/>
           <a:p>
+            <a:pPr lvl="0">
+              <a:defRPr/>
+            </a:pPr>
             <a:r>
-              <a:rPr lang="ko-KR" altLang="en-US" sz="3200" spc="-300" dirty="0">
+              <a:rPr lang="ko-KR" altLang="en-US" sz="3200" spc="-300">
                 <a:solidFill>
                   <a:schemeClr val="accent4">
                     <a:lumMod val="50000"/>
                   </a:schemeClr>
                 </a:solidFill>
               </a:rPr>
-              <a:t>프로젝트 계획</a:t>
+              <a:t>프로젝트 설계도</a:t>
             </a:r>
-          </a:p>
-        </p:txBody>
-      </p:sp>
-      <p:sp>
-        <p:nvSpPr>
-          <p:cNvPr id="43" name="TextBox 42">
-            <a:extLst>
-              <a:ext uri="{FF2B5EF4-FFF2-40B4-BE49-F238E27FC236}">
-                <a16:creationId xmlns:a16="http://schemas.microsoft.com/office/drawing/2014/main" id="{0AF81D5E-32D7-3B0F-B000-CF618CAC5DAF}"/>
-              </a:ext>
-            </a:extLst>
-          </p:cNvPr>
+            <a:endParaRPr lang="ko-KR" altLang="en-US" sz="3200" spc="-300">
+              <a:solidFill>
+                <a:schemeClr val="accent4">
+                  <a:lumMod val="50000"/>
+                </a:schemeClr>
+              </a:solidFill>
+            </a:endParaRPr>
+          </a:p>
+        </p:txBody>
+      </p:sp>
+      <p:sp>
+        <p:nvSpPr>
+          <p:cNvPr id="43" name="TextBox 42"/>
           <p:cNvSpPr txBox="1"/>
           <p:nvPr/>
         </p:nvSpPr>
         <p:spPr>
           <a:xfrm>
-            <a:off x="185879" y="46855"/>
-            <a:ext cx="497252" cy="830997"/>
+            <a:off x="146685" y="46855"/>
+            <a:ext cx="536446" cy="818015"/>
           </a:xfrm>
           <a:prstGeom prst="rect">
             <a:avLst/>
@@ -10356,13 +16116,16 @@
           <a:noFill/>
         </p:spPr>
         <p:txBody>
-          <a:bodyPr wrap="none" rtlCol="0">
+          <a:bodyPr wrap="none">
             <a:spAutoFit/>
           </a:bodyPr>
           <a:lstStyle/>
           <a:p>
+            <a:pPr lvl="0">
+              <a:defRPr/>
+            </a:pPr>
             <a:r>
-              <a:rPr lang="en-US" altLang="ko-KR" sz="4800" b="1" dirty="0" smtClean="0">
+              <a:rPr lang="en-US" altLang="ko-KR" sz="4800" b="1">
                 <a:solidFill>
                   <a:schemeClr val="tx1">
                     <a:lumMod val="75000"/>
@@ -10370,9 +16133,9 @@
                   </a:schemeClr>
                 </a:solidFill>
               </a:rPr>
-              <a:t>2</a:t>
+              <a:t>4</a:t>
             </a:r>
-            <a:endParaRPr lang="ko-KR" altLang="en-US" sz="4800" b="1" dirty="0">
+            <a:endParaRPr lang="en-US" altLang="ko-KR" sz="4800" b="1">
               <a:solidFill>
                 <a:schemeClr val="tx1">
                   <a:lumMod val="75000"/>
@@ -10398,8 +16161,8 @@
 </p:sld>
 </file>
 
-<file path=ppt/slides/slide7.xml><?xml version="1.0" encoding="utf-8"?>
-<p:sld xmlns:a="http://schemas.openxmlformats.org/drawingml/2006/main" xmlns:r="http://schemas.openxmlformats.org/officeDocument/2006/relationships" xmlns:p="http://schemas.openxmlformats.org/presentationml/2006/main">
+<file path=ppt/slides/slide9.xml><?xml version="1.0" encoding="utf-8"?>
+<p:sld xmlns:r="http://schemas.openxmlformats.org/officeDocument/2006/relationships" xmlns:c="http://schemas.openxmlformats.org/drawingml/2006/chart" xmlns:a="http://schemas.openxmlformats.org/drawingml/2006/main" xmlns:dgm="http://schemas.openxmlformats.org/drawingml/2006/diagram" xmlns:dsp="http://schemas.microsoft.com/office/drawing/2008/diagram" xmlns:p="http://schemas.openxmlformats.org/presentationml/2006/main">
   <p:cSld>
     <p:spTree>
       <p:nvGrpSpPr>
@@ -10565,20 +16328,14 @@
       </p:sp>
       <p:sp>
         <p:nvSpPr>
-          <p:cNvPr id="7" name="TextBox 6">
-            <a:extLst>
-              <a:ext uri="{FF2B5EF4-FFF2-40B4-BE49-F238E27FC236}">
-                <a16:creationId xmlns:a16="http://schemas.microsoft.com/office/drawing/2014/main" id="{ECB23695-8A31-40A6-B134-9546AED4FADD}"/>
-              </a:ext>
-            </a:extLst>
-          </p:cNvPr>
+          <p:cNvPr id="7" name="TextBox 6"/>
           <p:cNvSpPr txBox="1"/>
           <p:nvPr/>
         </p:nvSpPr>
         <p:spPr>
           <a:xfrm>
-            <a:off x="9041065" y="2449874"/>
-            <a:ext cx="827471" cy="1615827"/>
+            <a:off x="9004936" y="2449874"/>
+            <a:ext cx="863600" cy="1596345"/>
           </a:xfrm>
           <a:prstGeom prst="rect">
             <a:avLst/>
@@ -10586,13 +16343,16 @@
           <a:noFill/>
         </p:spPr>
         <p:txBody>
-          <a:bodyPr wrap="none" rtlCol="0">
+          <a:bodyPr wrap="none">
             <a:spAutoFit/>
           </a:bodyPr>
           <a:lstStyle/>
           <a:p>
+            <a:pPr lvl="0">
+              <a:defRPr/>
+            </a:pPr>
             <a:r>
-              <a:rPr lang="en-US" altLang="ko-KR" sz="9900" b="1" dirty="0" smtClean="0">
+              <a:rPr lang="en-US" altLang="ko-KR" sz="9900" b="1">
                 <a:solidFill>
                   <a:schemeClr val="tx1">
                     <a:lumMod val="75000"/>
@@ -10600,9 +16360,9 @@
                   </a:schemeClr>
                 </a:solidFill>
               </a:rPr>
-              <a:t>3</a:t>
+              <a:t>5</a:t>
             </a:r>
-            <a:endParaRPr lang="ko-KR" altLang="en-US" sz="9900" b="1" dirty="0">
+            <a:endParaRPr lang="en-US" altLang="ko-KR" sz="9900" b="1">
               <a:solidFill>
                 <a:schemeClr val="tx1">
                   <a:lumMod val="75000"/>
@@ -10623,14 +16383,14 @@
   <p:clrMapOvr>
     <a:masterClrMapping/>
   </p:clrMapOvr>
-  <mc:AlternateContent xmlns:mc="http://schemas.openxmlformats.org/markup-compatibility/2006" xmlns:p14="http://schemas.microsoft.com/office/powerpoint/2010/main">
-    <mc:Choice Requires="p14">
-      <p:transition spd="med" p14:dur="700">
+  <mc:AlternateContent xmlns:mc="http://schemas.openxmlformats.org/markup-compatibility/2006">
+    <mc:Choice xmlns:p14="http://schemas.microsoft.com/office/powerpoint/2010/main" Requires="p14">
+      <p:transition xmlns:mc="http://schemas.openxmlformats.org/markup-compatibility/2006" xmlns:p14="http://schemas.microsoft.com/office/powerpoint/2010/main" mc:Ignorable="p14" p14:dur="700">
         <p:fade/>
       </p:transition>
     </mc:Choice>
-    <mc:Fallback xmlns="">
-      <p:transition spd="med">
+    <mc:Fallback>
+      <p:transition xmlns:mc="http://schemas.openxmlformats.org/markup-compatibility/2006" xmlns:hp="http://schemas.haansoft.com/office/presentation/8.0" mc:Ignorable="hp" hp:hslDur="700">
         <p:fade/>
       </p:transition>
     </mc:Fallback>
@@ -10645,528 +16405,42 @@
 </p:sld>
 </file>
 
-<file path=ppt/slides/slide8.xml><?xml version="1.0" encoding="utf-8"?>
-<p:sld xmlns:a="http://schemas.openxmlformats.org/drawingml/2006/main" xmlns:r="http://schemas.openxmlformats.org/officeDocument/2006/relationships" xmlns:p="http://schemas.openxmlformats.org/presentationml/2006/main">
-  <p:cSld>
-    <p:spTree>
-      <p:nvGrpSpPr>
-        <p:cNvPr id="1" name=""/>
-        <p:cNvGrpSpPr/>
-        <p:nvPr/>
-      </p:nvGrpSpPr>
-      <p:grpSpPr>
-        <a:xfrm>
-          <a:off x="0" y="0"/>
-          <a:ext cx="0" cy="0"/>
-          <a:chOff x="0" y="0"/>
-          <a:chExt cx="0" cy="0"/>
-        </a:xfrm>
-      </p:grpSpPr>
-      <p:sp>
-        <p:nvSpPr>
-          <p:cNvPr id="39" name="직사각형 38">
-            <a:extLst>
-              <a:ext uri="{FF2B5EF4-FFF2-40B4-BE49-F238E27FC236}">
-                <a16:creationId xmlns:a16="http://schemas.microsoft.com/office/drawing/2014/main" id="{8F6FC153-1422-1251-C1CB-11A8462CAC1F}"/>
-              </a:ext>
-            </a:extLst>
-          </p:cNvPr>
-          <p:cNvSpPr/>
-          <p:nvPr/>
-        </p:nvSpPr>
-        <p:spPr>
-          <a:xfrm>
-            <a:off x="720000" y="1049009"/>
-            <a:ext cx="5760000" cy="108000"/>
-          </a:xfrm>
-          <a:prstGeom prst="rect">
-            <a:avLst/>
-          </a:prstGeom>
-          <a:solidFill>
-            <a:schemeClr val="bg2">
-              <a:lumMod val="90000"/>
-            </a:schemeClr>
-          </a:solidFill>
-          <a:ln>
-            <a:noFill/>
-          </a:ln>
-        </p:spPr>
-        <p:style>
-          <a:lnRef idx="2">
-            <a:schemeClr val="accent1">
-              <a:shade val="50000"/>
-            </a:schemeClr>
-          </a:lnRef>
-          <a:fillRef idx="1">
-            <a:schemeClr val="accent1"/>
-          </a:fillRef>
-          <a:effectRef idx="0">
-            <a:schemeClr val="accent1"/>
-          </a:effectRef>
-          <a:fontRef idx="minor">
-            <a:schemeClr val="lt1"/>
-          </a:fontRef>
-        </p:style>
-        <p:txBody>
-          <a:bodyPr rtlCol="0" anchor="ctr"/>
-          <a:lstStyle/>
-          <a:p>
-            <a:pPr algn="ctr"/>
-            <a:endParaRPr lang="ko-KR" altLang="en-US"/>
-          </a:p>
-        </p:txBody>
-      </p:sp>
-      <p:sp>
-        <p:nvSpPr>
-          <p:cNvPr id="40" name="직사각형 39">
-            <a:extLst>
-              <a:ext uri="{FF2B5EF4-FFF2-40B4-BE49-F238E27FC236}">
-                <a16:creationId xmlns:a16="http://schemas.microsoft.com/office/drawing/2014/main" id="{383BE435-4A4C-0797-D09B-7BB8406D0730}"/>
-              </a:ext>
-            </a:extLst>
-          </p:cNvPr>
-          <p:cNvSpPr/>
-          <p:nvPr/>
-        </p:nvSpPr>
-        <p:spPr>
-          <a:xfrm>
-            <a:off x="0" y="1049009"/>
-            <a:ext cx="720000" cy="108000"/>
-          </a:xfrm>
-          <a:prstGeom prst="rect">
-            <a:avLst/>
-          </a:prstGeom>
-          <a:solidFill>
-            <a:schemeClr val="bg1">
-              <a:lumMod val="50000"/>
-            </a:schemeClr>
-          </a:solidFill>
-          <a:ln>
-            <a:noFill/>
-          </a:ln>
-        </p:spPr>
-        <p:style>
-          <a:lnRef idx="2">
-            <a:schemeClr val="accent1">
-              <a:shade val="50000"/>
-            </a:schemeClr>
-          </a:lnRef>
-          <a:fillRef idx="1">
-            <a:schemeClr val="accent1"/>
-          </a:fillRef>
-          <a:effectRef idx="0">
-            <a:schemeClr val="accent1"/>
-          </a:effectRef>
-          <a:fontRef idx="minor">
-            <a:schemeClr val="lt1"/>
-          </a:fontRef>
-        </p:style>
-        <p:txBody>
-          <a:bodyPr rtlCol="0" anchor="ctr"/>
-          <a:lstStyle/>
-          <a:p>
-            <a:pPr algn="ctr"/>
-            <a:endParaRPr lang="ko-KR" altLang="en-US"/>
-          </a:p>
-        </p:txBody>
-      </p:sp>
-      <p:sp>
-        <p:nvSpPr>
-          <p:cNvPr id="6" name="TextBox 5">
-            <a:extLst>
-              <a:ext uri="{FF2B5EF4-FFF2-40B4-BE49-F238E27FC236}">
-                <a16:creationId xmlns:a16="http://schemas.microsoft.com/office/drawing/2014/main" id="{B1597C43-05DC-F61A-33A0-883C35C8AD60}"/>
-              </a:ext>
-            </a:extLst>
-          </p:cNvPr>
-          <p:cNvSpPr txBox="1"/>
-          <p:nvPr/>
-        </p:nvSpPr>
-        <p:spPr>
-          <a:xfrm>
-            <a:off x="838200" y="367725"/>
-            <a:ext cx="1739579" cy="584775"/>
-          </a:xfrm>
-          <a:prstGeom prst="rect">
-            <a:avLst/>
-          </a:prstGeom>
-          <a:noFill/>
-        </p:spPr>
-        <p:txBody>
-          <a:bodyPr wrap="none" rtlCol="0">
-            <a:spAutoFit/>
-          </a:bodyPr>
-          <a:lstStyle/>
-          <a:p>
-            <a:r>
-              <a:rPr lang="ko-KR" altLang="en-US" sz="3200" spc="-300" dirty="0" smtClean="0">
-                <a:solidFill>
-                  <a:schemeClr val="accent4">
-                    <a:lumMod val="50000"/>
-                  </a:schemeClr>
-                </a:solidFill>
-              </a:rPr>
-              <a:t>기능  구현 </a:t>
-            </a:r>
-            <a:endParaRPr lang="ko-KR" altLang="en-US" sz="3200" spc="-300" dirty="0">
-              <a:solidFill>
-                <a:schemeClr val="accent4">
-                  <a:lumMod val="50000"/>
-                </a:schemeClr>
-              </a:solidFill>
-            </a:endParaRPr>
-          </a:p>
-        </p:txBody>
-      </p:sp>
-      <p:sp>
-        <p:nvSpPr>
-          <p:cNvPr id="7" name="TextBox 6">
-            <a:extLst>
-              <a:ext uri="{FF2B5EF4-FFF2-40B4-BE49-F238E27FC236}">
-                <a16:creationId xmlns:a16="http://schemas.microsoft.com/office/drawing/2014/main" id="{0AF81D5E-32D7-3B0F-B000-CF618CAC5DAF}"/>
-              </a:ext>
-            </a:extLst>
-          </p:cNvPr>
-          <p:cNvSpPr txBox="1"/>
-          <p:nvPr/>
-        </p:nvSpPr>
-        <p:spPr>
-          <a:xfrm>
-            <a:off x="185879" y="197703"/>
-            <a:ext cx="497252" cy="830997"/>
-          </a:xfrm>
-          <a:prstGeom prst="rect">
-            <a:avLst/>
-          </a:prstGeom>
-          <a:noFill/>
-        </p:spPr>
-        <p:txBody>
-          <a:bodyPr wrap="none" rtlCol="0">
-            <a:spAutoFit/>
-          </a:bodyPr>
-          <a:lstStyle/>
-          <a:p>
-            <a:r>
-              <a:rPr lang="en-US" altLang="ko-KR" sz="4800" b="1" dirty="0" smtClean="0">
-                <a:solidFill>
-                  <a:schemeClr val="tx1">
-                    <a:lumMod val="75000"/>
-                    <a:lumOff val="25000"/>
-                  </a:schemeClr>
-                </a:solidFill>
-              </a:rPr>
-              <a:t>3</a:t>
-            </a:r>
-            <a:endParaRPr lang="ko-KR" altLang="en-US" sz="4800" b="1" dirty="0">
-              <a:solidFill>
-                <a:schemeClr val="tx1">
-                  <a:lumMod val="75000"/>
-                  <a:lumOff val="25000"/>
-                </a:schemeClr>
-              </a:solidFill>
-            </a:endParaRPr>
-          </a:p>
-        </p:txBody>
-      </p:sp>
-    </p:spTree>
-    <p:extLst>
-      <p:ext uri="{BB962C8B-B14F-4D97-AF65-F5344CB8AC3E}">
-        <p14:creationId xmlns:p14="http://schemas.microsoft.com/office/powerpoint/2010/main" val="610708014"/>
-      </p:ext>
-    </p:extLst>
-  </p:cSld>
-  <p:clrMapOvr>
-    <a:masterClrMapping/>
-  </p:clrMapOvr>
-  <p:timing>
-    <p:tnLst>
-      <p:par>
-        <p:cTn id="1" dur="indefinite" restart="never" nodeType="tmRoot"/>
-      </p:par>
-    </p:tnLst>
-  </p:timing>
-</p:sld>
-</file>
-
-<file path=ppt/slides/slide9.xml><?xml version="1.0" encoding="utf-8"?>
-<p:sld xmlns:a="http://schemas.openxmlformats.org/drawingml/2006/main" xmlns:r="http://schemas.openxmlformats.org/officeDocument/2006/relationships" xmlns:p="http://schemas.openxmlformats.org/presentationml/2006/main">
-  <p:cSld>
-    <p:spTree>
-      <p:nvGrpSpPr>
-        <p:cNvPr id="1" name=""/>
-        <p:cNvGrpSpPr/>
-        <p:nvPr/>
-      </p:nvGrpSpPr>
-      <p:grpSpPr>
-        <a:xfrm>
-          <a:off x="0" y="0"/>
-          <a:ext cx="0" cy="0"/>
-          <a:chOff x="0" y="0"/>
-          <a:chExt cx="0" cy="0"/>
-        </a:xfrm>
-      </p:grpSpPr>
-      <p:sp>
-        <p:nvSpPr>
-          <p:cNvPr id="39" name="직사각형 38">
-            <a:extLst>
-              <a:ext uri="{FF2B5EF4-FFF2-40B4-BE49-F238E27FC236}">
-                <a16:creationId xmlns:a16="http://schemas.microsoft.com/office/drawing/2014/main" id="{8F6FC153-1422-1251-C1CB-11A8462CAC1F}"/>
-              </a:ext>
-            </a:extLst>
-          </p:cNvPr>
-          <p:cNvSpPr/>
-          <p:nvPr/>
-        </p:nvSpPr>
-        <p:spPr>
-          <a:xfrm>
-            <a:off x="720000" y="1049009"/>
-            <a:ext cx="5760000" cy="108000"/>
-          </a:xfrm>
-          <a:prstGeom prst="rect">
-            <a:avLst/>
-          </a:prstGeom>
-          <a:solidFill>
-            <a:schemeClr val="bg2">
-              <a:lumMod val="90000"/>
-            </a:schemeClr>
-          </a:solidFill>
-          <a:ln>
-            <a:noFill/>
-          </a:ln>
-        </p:spPr>
-        <p:style>
-          <a:lnRef idx="2">
-            <a:schemeClr val="accent1">
-              <a:shade val="50000"/>
-            </a:schemeClr>
-          </a:lnRef>
-          <a:fillRef idx="1">
-            <a:schemeClr val="accent1"/>
-          </a:fillRef>
-          <a:effectRef idx="0">
-            <a:schemeClr val="accent1"/>
-          </a:effectRef>
-          <a:fontRef idx="minor">
-            <a:schemeClr val="lt1"/>
-          </a:fontRef>
-        </p:style>
-        <p:txBody>
-          <a:bodyPr rtlCol="0" anchor="ctr"/>
-          <a:lstStyle/>
-          <a:p>
-            <a:pPr algn="ctr"/>
-            <a:endParaRPr lang="ko-KR" altLang="en-US"/>
-          </a:p>
-        </p:txBody>
-      </p:sp>
-      <p:sp>
-        <p:nvSpPr>
-          <p:cNvPr id="40" name="직사각형 39">
-            <a:extLst>
-              <a:ext uri="{FF2B5EF4-FFF2-40B4-BE49-F238E27FC236}">
-                <a16:creationId xmlns:a16="http://schemas.microsoft.com/office/drawing/2014/main" id="{383BE435-4A4C-0797-D09B-7BB8406D0730}"/>
-              </a:ext>
-            </a:extLst>
-          </p:cNvPr>
-          <p:cNvSpPr/>
-          <p:nvPr/>
-        </p:nvSpPr>
-        <p:spPr>
-          <a:xfrm>
-            <a:off x="0" y="1049009"/>
-            <a:ext cx="720000" cy="108000"/>
-          </a:xfrm>
-          <a:prstGeom prst="rect">
-            <a:avLst/>
-          </a:prstGeom>
-          <a:solidFill>
-            <a:schemeClr val="bg1">
-              <a:lumMod val="50000"/>
-            </a:schemeClr>
-          </a:solidFill>
-          <a:ln>
-            <a:noFill/>
-          </a:ln>
-        </p:spPr>
-        <p:style>
-          <a:lnRef idx="2">
-            <a:schemeClr val="accent1">
-              <a:shade val="50000"/>
-            </a:schemeClr>
-          </a:lnRef>
-          <a:fillRef idx="1">
-            <a:schemeClr val="accent1"/>
-          </a:fillRef>
-          <a:effectRef idx="0">
-            <a:schemeClr val="accent1"/>
-          </a:effectRef>
-          <a:fontRef idx="minor">
-            <a:schemeClr val="lt1"/>
-          </a:fontRef>
-        </p:style>
-        <p:txBody>
-          <a:bodyPr rtlCol="0" anchor="ctr"/>
-          <a:lstStyle/>
-          <a:p>
-            <a:pPr algn="ctr"/>
-            <a:endParaRPr lang="ko-KR" altLang="en-US"/>
-          </a:p>
-        </p:txBody>
-      </p:sp>
-      <p:sp>
-        <p:nvSpPr>
-          <p:cNvPr id="41" name="TextBox 40">
-            <a:extLst>
-              <a:ext uri="{FF2B5EF4-FFF2-40B4-BE49-F238E27FC236}">
-                <a16:creationId xmlns:a16="http://schemas.microsoft.com/office/drawing/2014/main" id="{B1597C43-05DC-F61A-33A0-883C35C8AD60}"/>
-              </a:ext>
-            </a:extLst>
-          </p:cNvPr>
-          <p:cNvSpPr txBox="1"/>
-          <p:nvPr/>
-        </p:nvSpPr>
-        <p:spPr>
-          <a:xfrm>
-            <a:off x="838200" y="367725"/>
-            <a:ext cx="934871" cy="584775"/>
-          </a:xfrm>
-          <a:prstGeom prst="rect">
-            <a:avLst/>
-          </a:prstGeom>
-          <a:noFill/>
-        </p:spPr>
-        <p:txBody>
-          <a:bodyPr wrap="none" rtlCol="0">
-            <a:spAutoFit/>
-          </a:bodyPr>
-          <a:lstStyle/>
-          <a:p>
-            <a:r>
-              <a:rPr lang="ko-KR" altLang="en-US" sz="3200" spc="-300" dirty="0" smtClean="0">
-                <a:solidFill>
-                  <a:schemeClr val="accent4">
-                    <a:lumMod val="50000"/>
-                  </a:schemeClr>
-                </a:solidFill>
-              </a:rPr>
-              <a:t>총평 </a:t>
-            </a:r>
-            <a:endParaRPr lang="ko-KR" altLang="en-US" sz="3200" spc="-300" dirty="0">
-              <a:solidFill>
-                <a:schemeClr val="accent4">
-                  <a:lumMod val="50000"/>
-                </a:schemeClr>
-              </a:solidFill>
-            </a:endParaRPr>
-          </a:p>
-        </p:txBody>
-      </p:sp>
-      <p:sp>
-        <p:nvSpPr>
-          <p:cNvPr id="43" name="TextBox 42">
-            <a:extLst>
-              <a:ext uri="{FF2B5EF4-FFF2-40B4-BE49-F238E27FC236}">
-                <a16:creationId xmlns:a16="http://schemas.microsoft.com/office/drawing/2014/main" id="{0AF81D5E-32D7-3B0F-B000-CF618CAC5DAF}"/>
-              </a:ext>
-            </a:extLst>
-          </p:cNvPr>
-          <p:cNvSpPr txBox="1"/>
-          <p:nvPr/>
-        </p:nvSpPr>
-        <p:spPr>
-          <a:xfrm>
-            <a:off x="185879" y="197703"/>
-            <a:ext cx="497252" cy="830997"/>
-          </a:xfrm>
-          <a:prstGeom prst="rect">
-            <a:avLst/>
-          </a:prstGeom>
-          <a:noFill/>
-        </p:spPr>
-        <p:txBody>
-          <a:bodyPr wrap="none" rtlCol="0">
-            <a:spAutoFit/>
-          </a:bodyPr>
-          <a:lstStyle/>
-          <a:p>
-            <a:r>
-              <a:rPr lang="en-US" altLang="ko-KR" sz="4800" b="1" dirty="0" smtClean="0">
-                <a:solidFill>
-                  <a:schemeClr val="tx1">
-                    <a:lumMod val="75000"/>
-                    <a:lumOff val="25000"/>
-                  </a:schemeClr>
-                </a:solidFill>
-              </a:rPr>
-              <a:t>5</a:t>
-            </a:r>
-            <a:endParaRPr lang="ko-KR" altLang="en-US" sz="4800" b="1" dirty="0">
-              <a:solidFill>
-                <a:schemeClr val="tx1">
-                  <a:lumMod val="75000"/>
-                  <a:lumOff val="25000"/>
-                </a:schemeClr>
-              </a:solidFill>
-            </a:endParaRPr>
-          </a:p>
-        </p:txBody>
-      </p:sp>
-    </p:spTree>
-    <p:extLst>
-      <p:ext uri="{BB962C8B-B14F-4D97-AF65-F5344CB8AC3E}">
-        <p14:creationId xmlns:p14="http://schemas.microsoft.com/office/powerpoint/2010/main" val="4277603870"/>
-      </p:ext>
-    </p:extLst>
-  </p:cSld>
-  <p:clrMapOvr>
-    <a:masterClrMapping/>
-  </p:clrMapOvr>
-  <p:timing>
-    <p:tnLst>
-      <p:par>
-        <p:cTn id="1" dur="indefinite" restart="never" nodeType="tmRoot"/>
-      </p:par>
-    </p:tnLst>
-  </p:timing>
-</p:sld>
-</file>
-
 <file path=ppt/theme/theme1.xml><?xml version="1.0" encoding="utf-8"?>
-<a:theme xmlns:a="http://schemas.openxmlformats.org/drawingml/2006/main" name="Office Theme">
+<a:theme xmlns:r="http://schemas.openxmlformats.org/officeDocument/2006/relationships" xmlns:c="http://schemas.openxmlformats.org/drawingml/2006/chart" xmlns:dgm="http://schemas.openxmlformats.org/drawingml/2006/diagram" xmlns:dsp="http://schemas.microsoft.com/office/drawing/2008/diagram" xmlns:a="http://schemas.openxmlformats.org/drawingml/2006/main" xmlns:pic="http://schemas.openxmlformats.org/drawingml/2006/picture" xmlns:wp="http://schemas.openxmlformats.org/drawingml/2006/wordprocessingDrawing" xmlns:xdr="http://schemas.openxmlformats.org/drawingml/2006/spreadsheetDrawing" xmlns:lc="http://schemas.openxmlformats.org/drawingml/2006/lockedCanvas" xmlns:p="http://schemas.openxmlformats.org/presentationml/2006/main" name="Office Theme">
   <a:themeElements>
     <a:clrScheme name="Office">
       <a:dk1>
         <a:sysClr val="windowText" lastClr="000000"/>
       </a:dk1>
       <a:lt1>
-        <a:sysClr val="window" lastClr="FFFFFF"/>
+        <a:sysClr val="window" lastClr="ffffff"/>
       </a:lt1>
       <a:dk2>
-        <a:srgbClr val="1F497D"/>
+        <a:srgbClr val="1f497d"/>
       </a:dk2>
       <a:lt2>
-        <a:srgbClr val="EEECE1"/>
+        <a:srgbClr val="eeece1"/>
       </a:lt2>
       <a:accent1>
-        <a:srgbClr val="4F81BD"/>
+        <a:srgbClr val="4f81bd"/>
       </a:accent1>
       <a:accent2>
-        <a:srgbClr val="C0504D"/>
+        <a:srgbClr val="c0504d"/>
       </a:accent2>
       <a:accent3>
-        <a:srgbClr val="9BBB59"/>
+        <a:srgbClr val="9bbb59"/>
       </a:accent3>
       <a:accent4>
-        <a:srgbClr val="8064A2"/>
+        <a:srgbClr val="8064a2"/>
       </a:accent4>
       <a:accent5>
-        <a:srgbClr val="4BACC6"/>
+        <a:srgbClr val="4bacc6"/>
       </a:accent5>
       <a:accent6>
-        <a:srgbClr val="F79646"/>
+        <a:srgbClr val="f79646"/>
       </a:accent6>
       <a:hlink>
-        <a:srgbClr val="0000FF"/>
+        <a:srgbClr val="0000ff"/>
       </a:hlink>
       <a:folHlink>
         <a:srgbClr val="800080"/>
@@ -11409,50 +16683,48 @@
       </a:bgFillStyleLst>
     </a:fmtScheme>
   </a:themeElements>
-  <a:objectDefaults/>
-  <a:extraClrSchemeLst/>
 </a:theme>
 </file>
 
 <file path=ppt/theme/theme2.xml><?xml version="1.0" encoding="utf-8"?>
-<a:theme xmlns:a="http://schemas.openxmlformats.org/drawingml/2006/main" name="Office 테마">
+<a:theme xmlns:r="http://schemas.openxmlformats.org/officeDocument/2006/relationships" xmlns:c="http://schemas.openxmlformats.org/drawingml/2006/chart" xmlns:dgm="http://schemas.openxmlformats.org/drawingml/2006/diagram" xmlns:dsp="http://schemas.microsoft.com/office/drawing/2008/diagram" xmlns:a="http://schemas.openxmlformats.org/drawingml/2006/main" xmlns:pic="http://schemas.openxmlformats.org/drawingml/2006/picture" xmlns:wp="http://schemas.openxmlformats.org/drawingml/2006/wordprocessingDrawing" xmlns:xdr="http://schemas.openxmlformats.org/drawingml/2006/spreadsheetDrawing" xmlns:lc="http://schemas.openxmlformats.org/drawingml/2006/lockedCanvas" xmlns:p="http://schemas.openxmlformats.org/presentationml/2006/main" name="Office 테마">
   <a:themeElements>
     <a:clrScheme name="Office">
       <a:dk1>
         <a:sysClr val="windowText" lastClr="000000"/>
       </a:dk1>
       <a:lt1>
-        <a:sysClr val="window" lastClr="FFFFFF"/>
+        <a:sysClr val="window" lastClr="ffffff"/>
       </a:lt1>
       <a:dk2>
-        <a:srgbClr val="44546A"/>
+        <a:srgbClr val="44546a"/>
       </a:dk2>
       <a:lt2>
-        <a:srgbClr val="E7E6E6"/>
+        <a:srgbClr val="e7e6e6"/>
       </a:lt2>
       <a:accent1>
-        <a:srgbClr val="4472C4"/>
+        <a:srgbClr val="4472c4"/>
       </a:accent1>
       <a:accent2>
-        <a:srgbClr val="ED7D31"/>
+        <a:srgbClr val="ed7d31"/>
       </a:accent2>
       <a:accent3>
-        <a:srgbClr val="A5A5A5"/>
+        <a:srgbClr val="a5a5a5"/>
       </a:accent3>
       <a:accent4>
-        <a:srgbClr val="FFC000"/>
+        <a:srgbClr val="ffc000"/>
       </a:accent4>
       <a:accent5>
-        <a:srgbClr val="5B9BD5"/>
+        <a:srgbClr val="5b9bd5"/>
       </a:accent5>
       <a:accent6>
-        <a:srgbClr val="70AD47"/>
+        <a:srgbClr val="70ad47"/>
       </a:accent6>
       <a:hlink>
-        <a:srgbClr val="0563C1"/>
+        <a:srgbClr val="0563c1"/>
       </a:hlink>
       <a:folHlink>
-        <a:srgbClr val="954F72"/>
+        <a:srgbClr val="954f72"/>
       </a:folHlink>
     </a:clrScheme>
     <a:fontScheme name="Office">
@@ -11460,7 +16732,7 @@
         <a:latin typeface="맑은 고딕" panose="020F0302020204030204"/>
         <a:ea typeface=""/>
         <a:cs typeface=""/>
-        <a:font script="Jpan" typeface="游ゴシック Light"/>
+        <a:font script="Jpan" typeface="Yu Gothic Light"/>
         <a:font script="Hang" typeface="맑은 고딕"/>
         <a:font script="Hans" typeface="等线 Light"/>
         <a:font script="Hant" typeface="新細明體"/>
@@ -11512,7 +16784,7 @@
         <a:latin typeface="맑은 고딕" panose="020F0502020204030204"/>
         <a:ea typeface=""/>
         <a:cs typeface=""/>
-        <a:font script="Jpan" typeface="游ゴシック"/>
+        <a:font script="Jpan" typeface="Yu Gothic"/>
         <a:font script="Hang" typeface="맑은 고딕"/>
         <a:font script="Hans" typeface="等线"/>
         <a:font script="Hant" typeface="新細明體"/>
@@ -11625,21 +16897,21 @@
             <a:schemeClr val="phClr"/>
           </a:solidFill>
           <a:prstDash val="solid"/>
-          <a:miter lim="800000"/>
+          <a:miter/>
         </a:ln>
         <a:ln w="12700" cap="flat" cmpd="sng" algn="ctr">
           <a:solidFill>
             <a:schemeClr val="phClr"/>
           </a:solidFill>
           <a:prstDash val="solid"/>
-          <a:miter lim="800000"/>
+          <a:miter/>
         </a:ln>
         <a:ln w="19050" cap="flat" cmpd="sng" algn="ctr">
           <a:solidFill>
             <a:schemeClr val="phClr"/>
           </a:solidFill>
           <a:prstDash val="solid"/>
-          <a:miter lim="800000"/>
+          <a:miter/>
         </a:ln>
       </a:lnStyleLst>
       <a:effectStyleLst>
@@ -11699,12 +16971,5 @@
       </a:bgFillStyleLst>
     </a:fmtScheme>
   </a:themeElements>
-  <a:objectDefaults/>
-  <a:extraClrSchemeLst/>
-  <a:extLst>
-    <a:ext uri="{05A4C25C-085E-4340-85A3-A5531E510DB2}">
-      <thm15:themeFamily xmlns:thm15="http://schemas.microsoft.com/office/thememl/2012/main" name="Office Theme" id="{62F939B6-93AF-4DB8-9C6B-D6C7DFDC589F}" vid="{4A3C46E8-61CC-4603-A589-7422A47A8E4A}"/>
-    </a:ext>
-  </a:extLst>
 </a:theme>
 </file>